--- a/Slides/Week_5_Natural_Exp_DD.pptx
+++ b/Slides/Week_5_Natural_Exp_DD.pptx
@@ -29,6 +29,12 @@
     <p:sldId id="282" r:id="rId23"/>
     <p:sldId id="267" r:id="rId24"/>
     <p:sldId id="268" r:id="rId25"/>
+    <p:sldId id="289" r:id="rId26"/>
+    <p:sldId id="291" r:id="rId27"/>
+    <p:sldId id="292" r:id="rId28"/>
+    <p:sldId id="290" r:id="rId29"/>
+    <p:sldId id="293" r:id="rId30"/>
+    <p:sldId id="294" r:id="rId31"/>
   </p:sldIdLst>
   <p:sldSz cx="12192000" cy="6858000"/>
   <p:notesSz cx="6858000" cy="9144000"/>
@@ -282,7 +288,7 @@
           <a:p>
             <a:fld id="{05DCEA5D-DE4A-D147-A75E-9AA1588AEF43}" type="datetimeFigureOut">
               <a:rPr lang="en-US" smtClean="0"/>
-              <a:t>8/20/23</a:t>
+              <a:t>9/25/23</a:t>
             </a:fld>
             <a:endParaRPr lang="en-US"/>
           </a:p>
@@ -480,7 +486,7 @@
           <a:p>
             <a:fld id="{05DCEA5D-DE4A-D147-A75E-9AA1588AEF43}" type="datetimeFigureOut">
               <a:rPr lang="en-US" smtClean="0"/>
-              <a:t>8/20/23</a:t>
+              <a:t>9/25/23</a:t>
             </a:fld>
             <a:endParaRPr lang="en-US"/>
           </a:p>
@@ -688,7 +694,7 @@
           <a:p>
             <a:fld id="{05DCEA5D-DE4A-D147-A75E-9AA1588AEF43}" type="datetimeFigureOut">
               <a:rPr lang="en-US" smtClean="0"/>
-              <a:t>8/20/23</a:t>
+              <a:t>9/25/23</a:t>
             </a:fld>
             <a:endParaRPr lang="en-US"/>
           </a:p>
@@ -886,7 +892,7 @@
           <a:p>
             <a:fld id="{05DCEA5D-DE4A-D147-A75E-9AA1588AEF43}" type="datetimeFigureOut">
               <a:rPr lang="en-US" smtClean="0"/>
-              <a:t>8/20/23</a:t>
+              <a:t>9/25/23</a:t>
             </a:fld>
             <a:endParaRPr lang="en-US"/>
           </a:p>
@@ -1161,7 +1167,7 @@
           <a:p>
             <a:fld id="{05DCEA5D-DE4A-D147-A75E-9AA1588AEF43}" type="datetimeFigureOut">
               <a:rPr lang="en-US" smtClean="0"/>
-              <a:t>8/20/23</a:t>
+              <a:t>9/25/23</a:t>
             </a:fld>
             <a:endParaRPr lang="en-US"/>
           </a:p>
@@ -1426,7 +1432,7 @@
           <a:p>
             <a:fld id="{05DCEA5D-DE4A-D147-A75E-9AA1588AEF43}" type="datetimeFigureOut">
               <a:rPr lang="en-US" smtClean="0"/>
-              <a:t>8/20/23</a:t>
+              <a:t>9/25/23</a:t>
             </a:fld>
             <a:endParaRPr lang="en-US"/>
           </a:p>
@@ -1838,7 +1844,7 @@
           <a:p>
             <a:fld id="{05DCEA5D-DE4A-D147-A75E-9AA1588AEF43}" type="datetimeFigureOut">
               <a:rPr lang="en-US" smtClean="0"/>
-              <a:t>8/20/23</a:t>
+              <a:t>9/25/23</a:t>
             </a:fld>
             <a:endParaRPr lang="en-US"/>
           </a:p>
@@ -1979,7 +1985,7 @@
           <a:p>
             <a:fld id="{05DCEA5D-DE4A-D147-A75E-9AA1588AEF43}" type="datetimeFigureOut">
               <a:rPr lang="en-US" smtClean="0"/>
-              <a:t>8/20/23</a:t>
+              <a:t>9/25/23</a:t>
             </a:fld>
             <a:endParaRPr lang="en-US"/>
           </a:p>
@@ -2092,7 +2098,7 @@
           <a:p>
             <a:fld id="{05DCEA5D-DE4A-D147-A75E-9AA1588AEF43}" type="datetimeFigureOut">
               <a:rPr lang="en-US" smtClean="0"/>
-              <a:t>8/20/23</a:t>
+              <a:t>9/25/23</a:t>
             </a:fld>
             <a:endParaRPr lang="en-US"/>
           </a:p>
@@ -2403,7 +2409,7 @@
           <a:p>
             <a:fld id="{05DCEA5D-DE4A-D147-A75E-9AA1588AEF43}" type="datetimeFigureOut">
               <a:rPr lang="en-US" smtClean="0"/>
-              <a:t>8/20/23</a:t>
+              <a:t>9/25/23</a:t>
             </a:fld>
             <a:endParaRPr lang="en-US"/>
           </a:p>
@@ -2691,7 +2697,7 @@
           <a:p>
             <a:fld id="{05DCEA5D-DE4A-D147-A75E-9AA1588AEF43}" type="datetimeFigureOut">
               <a:rPr lang="en-US" smtClean="0"/>
-              <a:t>8/20/23</a:t>
+              <a:t>9/25/23</a:t>
             </a:fld>
             <a:endParaRPr lang="en-US"/>
           </a:p>
@@ -2932,7 +2938,7 @@
           <a:p>
             <a:fld id="{05DCEA5D-DE4A-D147-A75E-9AA1588AEF43}" type="datetimeFigureOut">
               <a:rPr lang="en-US" smtClean="0"/>
-              <a:t>8/20/23</a:t>
+              <a:t>9/25/23</a:t>
             </a:fld>
             <a:endParaRPr lang="en-US"/>
           </a:p>
@@ -3543,7 +3549,7 @@
             <a:pPr lvl="1"/>
             <a:r>
               <a:rPr lang="en-US" dirty="0"/>
-              <a:t>We’ll cover this in a discussion</a:t>
+              <a:t>We’ll cover this in a discussion during Week 6</a:t>
             </a:r>
           </a:p>
           <a:p>
@@ -4448,8 +4454,8 @@
           </a:p>
         </p:txBody>
       </p:sp>
-      <mc:AlternateContent xmlns:mc="http://schemas.openxmlformats.org/markup-compatibility/2006">
-        <mc:Choice xmlns:a14="http://schemas.microsoft.com/office/drawing/2010/main" Requires="a14">
+      <mc:AlternateContent xmlns:mc="http://schemas.openxmlformats.org/markup-compatibility/2006" xmlns:a14="http://schemas.microsoft.com/office/drawing/2010/main">
+        <mc:Choice Requires="a14">
           <p:sp>
             <p:nvSpPr>
               <p:cNvPr id="3" name="Content Placeholder 2">
@@ -4937,7 +4943,7 @@
             </p:txBody>
           </p:sp>
         </mc:Choice>
-        <mc:Fallback>
+        <mc:Fallback xmlns="">
           <p:sp>
             <p:nvSpPr>
               <p:cNvPr id="3" name="Content Placeholder 2">
@@ -5035,8 +5041,8 @@
           </a:p>
         </p:txBody>
       </p:sp>
-      <mc:AlternateContent xmlns:mc="http://schemas.openxmlformats.org/markup-compatibility/2006">
-        <mc:Choice xmlns:a14="http://schemas.microsoft.com/office/drawing/2010/main" Requires="a14">
+      <mc:AlternateContent xmlns:mc="http://schemas.openxmlformats.org/markup-compatibility/2006" xmlns:a14="http://schemas.microsoft.com/office/drawing/2010/main">
+        <mc:Choice Requires="a14">
           <p:graphicFrame>
             <p:nvGraphicFramePr>
               <p:cNvPr id="4" name="Table 4">
@@ -5173,6 +5179,7 @@
                         <a:bodyPr/>
                         <a:lstStyle/>
                         <a:p>
+                          <a:pPr/>
                           <a14:m>
                             <m:oMathPara xmlns:m="http://schemas.openxmlformats.org/officeDocument/2006/math">
                               <m:oMathParaPr>
@@ -5217,6 +5224,7 @@
                         <a:bodyPr/>
                         <a:lstStyle/>
                         <a:p>
+                          <a:pPr/>
                           <a14:m>
                             <m:oMathPara xmlns:m="http://schemas.openxmlformats.org/officeDocument/2006/math">
                               <m:oMathParaPr>
@@ -5292,6 +5300,7 @@
                         <a:bodyPr/>
                         <a:lstStyle/>
                         <a:p>
+                          <a:pPr/>
                           <a14:m>
                             <m:oMathPara xmlns:m="http://schemas.openxmlformats.org/officeDocument/2006/math">
                               <m:oMathParaPr>
@@ -5356,6 +5365,7 @@
                         <a:bodyPr/>
                         <a:lstStyle/>
                         <a:p>
+                          <a:pPr/>
                           <a14:m>
                             <m:oMathPara xmlns:m="http://schemas.openxmlformats.org/officeDocument/2006/math">
                               <m:oMathParaPr>
@@ -5431,6 +5441,7 @@
                         <a:bodyPr/>
                         <a:lstStyle/>
                         <a:p>
+                          <a:pPr/>
                           <a14:m>
                             <m:oMathPara xmlns:m="http://schemas.openxmlformats.org/officeDocument/2006/math">
                               <m:oMathParaPr>
@@ -5568,6 +5579,7 @@
                         <a:bodyPr/>
                         <a:lstStyle/>
                         <a:p>
+                          <a:pPr/>
                           <a14:m>
                             <m:oMathPara xmlns:m="http://schemas.openxmlformats.org/officeDocument/2006/math">
                               <m:oMathParaPr>
@@ -5663,6 +5675,7 @@
                         <a:bodyPr/>
                         <a:lstStyle/>
                         <a:p>
+                          <a:pPr/>
                           <a14:m>
                             <m:oMathPara xmlns:m="http://schemas.openxmlformats.org/officeDocument/2006/math">
                               <m:oMathParaPr>
@@ -5707,6 +5720,7 @@
                         <a:bodyPr/>
                         <a:lstStyle/>
                         <a:p>
+                          <a:pPr/>
                           <a14:m>
                             <m:oMathPara xmlns:m="http://schemas.openxmlformats.org/officeDocument/2006/math">
                               <m:oMathParaPr>
@@ -5782,6 +5796,7 @@
                         <a:bodyPr/>
                         <a:lstStyle/>
                         <a:p>
+                          <a:pPr/>
                           <a14:m>
                             <m:oMathPara xmlns:m="http://schemas.openxmlformats.org/officeDocument/2006/math">
                               <m:oMathParaPr>
@@ -5832,7 +5847,7 @@
             </a:graphic>
           </p:graphicFrame>
         </mc:Choice>
-        <mc:Fallback>
+        <mc:Fallback xmlns="">
           <p:graphicFrame>
             <p:nvGraphicFramePr>
               <p:cNvPr id="4" name="Table 4">
@@ -6169,8 +6184,8 @@
           </p:graphicFrame>
         </mc:Fallback>
       </mc:AlternateContent>
-      <mc:AlternateContent xmlns:mc="http://schemas.openxmlformats.org/markup-compatibility/2006">
-        <mc:Choice xmlns:a14="http://schemas.microsoft.com/office/drawing/2010/main" Requires="a14">
+      <mc:AlternateContent xmlns:mc="http://schemas.openxmlformats.org/markup-compatibility/2006" xmlns:a14="http://schemas.microsoft.com/office/drawing/2010/main">
+        <mc:Choice Requires="a14">
           <p:sp>
             <p:nvSpPr>
               <p:cNvPr id="5" name="TextBox 4">
@@ -6522,7 +6537,7 @@
             </p:txBody>
           </p:sp>
         </mc:Choice>
-        <mc:Fallback>
+        <mc:Fallback xmlns="">
           <p:sp>
             <p:nvSpPr>
               <p:cNvPr id="5" name="TextBox 4">
@@ -6625,8 +6640,8 @@
           </a:p>
         </p:txBody>
       </p:sp>
-      <mc:AlternateContent xmlns:mc="http://schemas.openxmlformats.org/markup-compatibility/2006">
-        <mc:Choice xmlns:a14="http://schemas.microsoft.com/office/drawing/2010/main" Requires="a14">
+      <mc:AlternateContent xmlns:mc="http://schemas.openxmlformats.org/markup-compatibility/2006" xmlns:a14="http://schemas.microsoft.com/office/drawing/2010/main">
+        <mc:Choice Requires="a14">
           <p:sp>
             <p:nvSpPr>
               <p:cNvPr id="3" name="Content Placeholder 2">
@@ -6818,7 +6833,7 @@
             </p:txBody>
           </p:sp>
         </mc:Choice>
-        <mc:Fallback>
+        <mc:Fallback xmlns="">
           <p:sp>
             <p:nvSpPr>
               <p:cNvPr id="3" name="Content Placeholder 2">
@@ -7638,6 +7653,12 @@
                       <a:rPr lang="en-US" b="0" i="1" smtClean="0">
                         <a:latin typeface="Cambria Math" panose="02040503050406030204" pitchFamily="18" charset="0"/>
                       </a:rPr>
+                      <m:t>′</m:t>
+                    </m:r>
+                    <m:r>
+                      <a:rPr lang="en-US" b="0" i="1" smtClean="0">
+                        <a:latin typeface="Cambria Math" panose="02040503050406030204" pitchFamily="18" charset="0"/>
+                      </a:rPr>
                       <m:t>𝛾</m:t>
                     </m:r>
                   </m:oMath>
@@ -7873,6 +7894,1079 @@
 </p:sld>
 </file>
 
+<file path=ppt/slides/slide25.xml><?xml version="1.0" encoding="utf-8"?>
+<p:sld xmlns:a="http://schemas.openxmlformats.org/drawingml/2006/main" xmlns:r="http://schemas.openxmlformats.org/officeDocument/2006/relationships" xmlns:p="http://schemas.openxmlformats.org/presentationml/2006/main">
+  <p:cSld>
+    <p:spTree>
+      <p:nvGrpSpPr>
+        <p:cNvPr id="1" name=""/>
+        <p:cNvGrpSpPr/>
+        <p:nvPr/>
+      </p:nvGrpSpPr>
+      <p:grpSpPr>
+        <a:xfrm>
+          <a:off x="0" y="0"/>
+          <a:ext cx="0" cy="0"/>
+          <a:chOff x="0" y="0"/>
+          <a:chExt cx="0" cy="0"/>
+        </a:xfrm>
+      </p:grpSpPr>
+      <p:sp>
+        <p:nvSpPr>
+          <p:cNvPr id="2" name="Title 1">
+            <a:extLst>
+              <a:ext uri="{FF2B5EF4-FFF2-40B4-BE49-F238E27FC236}">
+                <a16:creationId xmlns:a16="http://schemas.microsoft.com/office/drawing/2014/main" id="{4EFAE2E2-ACED-F414-C80D-587E75A3856B}"/>
+              </a:ext>
+            </a:extLst>
+          </p:cNvPr>
+          <p:cNvSpPr>
+            <a:spLocks noGrp="1"/>
+          </p:cNvSpPr>
+          <p:nvPr>
+            <p:ph type="title"/>
+          </p:nvPr>
+        </p:nvSpPr>
+        <p:spPr/>
+        <p:txBody>
+          <a:bodyPr/>
+          <a:lstStyle/>
+          <a:p>
+            <a:r>
+              <a:rPr lang="en-US" dirty="0"/>
+              <a:t>Endogeneity</a:t>
+            </a:r>
+          </a:p>
+        </p:txBody>
+      </p:sp>
+      <p:sp>
+        <p:nvSpPr>
+          <p:cNvPr id="3" name="Content Placeholder 2">
+            <a:extLst>
+              <a:ext uri="{FF2B5EF4-FFF2-40B4-BE49-F238E27FC236}">
+                <a16:creationId xmlns:a16="http://schemas.microsoft.com/office/drawing/2014/main" id="{7BF4D52B-73A0-5461-3E7D-651DEEFDF38C}"/>
+              </a:ext>
+            </a:extLst>
+          </p:cNvPr>
+          <p:cNvSpPr>
+            <a:spLocks noGrp="1"/>
+          </p:cNvSpPr>
+          <p:nvPr>
+            <p:ph idx="1"/>
+          </p:nvPr>
+        </p:nvSpPr>
+        <p:spPr/>
+        <p:txBody>
+          <a:bodyPr>
+            <a:normAutofit fontScale="92500" lnSpcReduction="10000"/>
+          </a:bodyPr>
+          <a:lstStyle/>
+          <a:p>
+            <a:r>
+              <a:rPr lang="en-US" dirty="0"/>
+              <a:t>When is OLS BLUE?</a:t>
+            </a:r>
+          </a:p>
+          <a:p>
+            <a:pPr lvl="1"/>
+            <a:r>
+              <a:rPr lang="en-US" dirty="0"/>
+              <a:t>When assumption Gauss-Markov 1-4 are satisfied is unbiased and consistent, but it might not be efficient</a:t>
+            </a:r>
+          </a:p>
+          <a:p>
+            <a:pPr lvl="1"/>
+            <a:r>
+              <a:rPr lang="en-US" dirty="0"/>
+              <a:t>When assumption 1-6 are satisfied, OLS estimators are BLUE</a:t>
+            </a:r>
+          </a:p>
+          <a:p>
+            <a:pPr lvl="1"/>
+            <a:r>
+              <a:rPr lang="en-US" dirty="0"/>
+              <a:t>Efficiency is what adds the best in BLUE</a:t>
+            </a:r>
+          </a:p>
+          <a:p>
+            <a:r>
+              <a:rPr lang="en-US" dirty="0"/>
+              <a:t>What happens to our estimators when we have endogeneity?</a:t>
+            </a:r>
+          </a:p>
+          <a:p>
+            <a:pPr lvl="1"/>
+            <a:r>
+              <a:rPr lang="en-US" dirty="0"/>
+              <a:t>Our estimators are no longer consistent or unbiased</a:t>
+            </a:r>
+          </a:p>
+          <a:p>
+            <a:r>
+              <a:rPr lang="en-US" dirty="0"/>
+              <a:t>What happens when we have multicollinearity or heteroskedasticity</a:t>
+            </a:r>
+          </a:p>
+          <a:p>
+            <a:pPr lvl="1"/>
+            <a:r>
+              <a:rPr lang="en-US" dirty="0"/>
+              <a:t>Our standard errors become biased, even though OLS can be LUE</a:t>
+            </a:r>
+          </a:p>
+          <a:p>
+            <a:r>
+              <a:rPr lang="en-US" dirty="0"/>
+              <a:t>What is the direction of the bias when we have on unobserved confounder?</a:t>
+            </a:r>
+          </a:p>
+        </p:txBody>
+      </p:sp>
+    </p:spTree>
+    <p:extLst>
+      <p:ext uri="{BB962C8B-B14F-4D97-AF65-F5344CB8AC3E}">
+        <p14:creationId xmlns:p14="http://schemas.microsoft.com/office/powerpoint/2010/main" val="1350831043"/>
+      </p:ext>
+    </p:extLst>
+  </p:cSld>
+  <p:clrMapOvr>
+    <a:masterClrMapping/>
+  </p:clrMapOvr>
+</p:sld>
+</file>
+
+<file path=ppt/slides/slide26.xml><?xml version="1.0" encoding="utf-8"?>
+<p:sld xmlns:a="http://schemas.openxmlformats.org/drawingml/2006/main" xmlns:r="http://schemas.openxmlformats.org/officeDocument/2006/relationships" xmlns:p="http://schemas.openxmlformats.org/presentationml/2006/main">
+  <p:cSld>
+    <p:spTree>
+      <p:nvGrpSpPr>
+        <p:cNvPr id="1" name=""/>
+        <p:cNvGrpSpPr/>
+        <p:nvPr/>
+      </p:nvGrpSpPr>
+      <p:grpSpPr>
+        <a:xfrm>
+          <a:off x="0" y="0"/>
+          <a:ext cx="0" cy="0"/>
+          <a:chOff x="0" y="0"/>
+          <a:chExt cx="0" cy="0"/>
+        </a:xfrm>
+      </p:grpSpPr>
+      <p:sp>
+        <p:nvSpPr>
+          <p:cNvPr id="2" name="Title 1">
+            <a:extLst>
+              <a:ext uri="{FF2B5EF4-FFF2-40B4-BE49-F238E27FC236}">
+                <a16:creationId xmlns:a16="http://schemas.microsoft.com/office/drawing/2014/main" id="{4EFAE2E2-ACED-F414-C80D-587E75A3856B}"/>
+              </a:ext>
+            </a:extLst>
+          </p:cNvPr>
+          <p:cNvSpPr>
+            <a:spLocks noGrp="1"/>
+          </p:cNvSpPr>
+          <p:nvPr>
+            <p:ph type="title"/>
+          </p:nvPr>
+        </p:nvSpPr>
+        <p:spPr/>
+        <p:txBody>
+          <a:bodyPr/>
+          <a:lstStyle/>
+          <a:p>
+            <a:r>
+              <a:rPr lang="en-US" dirty="0"/>
+              <a:t>Endogeneity</a:t>
+            </a:r>
+          </a:p>
+        </p:txBody>
+      </p:sp>
+      <p:sp>
+        <p:nvSpPr>
+          <p:cNvPr id="3" name="Content Placeholder 2">
+            <a:extLst>
+              <a:ext uri="{FF2B5EF4-FFF2-40B4-BE49-F238E27FC236}">
+                <a16:creationId xmlns:a16="http://schemas.microsoft.com/office/drawing/2014/main" id="{7BF4D52B-73A0-5461-3E7D-651DEEFDF38C}"/>
+              </a:ext>
+            </a:extLst>
+          </p:cNvPr>
+          <p:cNvSpPr>
+            <a:spLocks noGrp="1"/>
+          </p:cNvSpPr>
+          <p:nvPr>
+            <p:ph idx="1"/>
+          </p:nvPr>
+        </p:nvSpPr>
+        <p:spPr/>
+        <p:txBody>
+          <a:bodyPr/>
+          <a:lstStyle/>
+          <a:p>
+            <a:r>
+              <a:rPr lang="en-US" dirty="0"/>
+              <a:t>What causes endogeneity?</a:t>
+            </a:r>
+          </a:p>
+          <a:p>
+            <a:pPr lvl="1"/>
+            <a:r>
+              <a:rPr lang="en-US" dirty="0"/>
+              <a:t>Omitted variable bias</a:t>
+            </a:r>
+          </a:p>
+          <a:p>
+            <a:pPr lvl="1"/>
+            <a:r>
+              <a:rPr lang="en-US" dirty="0"/>
+              <a:t>Misspecification</a:t>
+            </a:r>
+          </a:p>
+          <a:p>
+            <a:pPr lvl="1"/>
+            <a:r>
+              <a:rPr lang="en-US" dirty="0"/>
+              <a:t>Measurement Error (classic errors-in-variables)</a:t>
+            </a:r>
+          </a:p>
+          <a:p>
+            <a:pPr lvl="1"/>
+            <a:r>
+              <a:rPr lang="en-US" dirty="0"/>
+              <a:t>Missing data on independent variables</a:t>
+            </a:r>
+          </a:p>
+          <a:p>
+            <a:pPr lvl="1"/>
+            <a:r>
+              <a:rPr lang="en-US" dirty="0"/>
+              <a:t>Simultaneity Bias</a:t>
+            </a:r>
+          </a:p>
+          <a:p>
+            <a:r>
+              <a:rPr lang="en-US" dirty="0"/>
+              <a:t>What causes standard errors to be biased?</a:t>
+            </a:r>
+          </a:p>
+          <a:p>
+            <a:pPr lvl="1"/>
+            <a:r>
+              <a:rPr lang="en-US" dirty="0"/>
+              <a:t>Multicollinearity</a:t>
+            </a:r>
+          </a:p>
+          <a:p>
+            <a:pPr lvl="1"/>
+            <a:r>
+              <a:rPr lang="en-US" dirty="0"/>
+              <a:t>Heteroskedasticity</a:t>
+            </a:r>
+          </a:p>
+        </p:txBody>
+      </p:sp>
+    </p:spTree>
+    <p:extLst>
+      <p:ext uri="{BB962C8B-B14F-4D97-AF65-F5344CB8AC3E}">
+        <p14:creationId xmlns:p14="http://schemas.microsoft.com/office/powerpoint/2010/main" val="1671410907"/>
+      </p:ext>
+    </p:extLst>
+  </p:cSld>
+  <p:clrMapOvr>
+    <a:masterClrMapping/>
+  </p:clrMapOvr>
+</p:sld>
+</file>
+
+<file path=ppt/slides/slide27.xml><?xml version="1.0" encoding="utf-8"?>
+<p:sld xmlns:a="http://schemas.openxmlformats.org/drawingml/2006/main" xmlns:r="http://schemas.openxmlformats.org/officeDocument/2006/relationships" xmlns:p="http://schemas.openxmlformats.org/presentationml/2006/main">
+  <p:cSld>
+    <p:spTree>
+      <p:nvGrpSpPr>
+        <p:cNvPr id="1" name=""/>
+        <p:cNvGrpSpPr/>
+        <p:nvPr/>
+      </p:nvGrpSpPr>
+      <p:grpSpPr>
+        <a:xfrm>
+          <a:off x="0" y="0"/>
+          <a:ext cx="0" cy="0"/>
+          <a:chOff x="0" y="0"/>
+          <a:chExt cx="0" cy="0"/>
+        </a:xfrm>
+      </p:grpSpPr>
+      <p:sp>
+        <p:nvSpPr>
+          <p:cNvPr id="2" name="Title 1">
+            <a:extLst>
+              <a:ext uri="{FF2B5EF4-FFF2-40B4-BE49-F238E27FC236}">
+                <a16:creationId xmlns:a16="http://schemas.microsoft.com/office/drawing/2014/main" id="{4EFAE2E2-ACED-F414-C80D-587E75A3856B}"/>
+              </a:ext>
+            </a:extLst>
+          </p:cNvPr>
+          <p:cNvSpPr>
+            <a:spLocks noGrp="1"/>
+          </p:cNvSpPr>
+          <p:nvPr>
+            <p:ph type="title"/>
+          </p:nvPr>
+        </p:nvSpPr>
+        <p:spPr/>
+        <p:txBody>
+          <a:bodyPr/>
+          <a:lstStyle/>
+          <a:p>
+            <a:r>
+              <a:rPr lang="en-US" dirty="0"/>
+              <a:t>Endogeneity</a:t>
+            </a:r>
+          </a:p>
+        </p:txBody>
+      </p:sp>
+      <mc:AlternateContent xmlns:mc="http://schemas.openxmlformats.org/markup-compatibility/2006">
+        <mc:Choice xmlns:a14="http://schemas.microsoft.com/office/drawing/2010/main" Requires="a14">
+          <p:sp>
+            <p:nvSpPr>
+              <p:cNvPr id="3" name="Content Placeholder 2">
+                <a:extLst>
+                  <a:ext uri="{FF2B5EF4-FFF2-40B4-BE49-F238E27FC236}">
+                    <a16:creationId xmlns:a16="http://schemas.microsoft.com/office/drawing/2014/main" id="{7BF4D52B-73A0-5461-3E7D-651DEEFDF38C}"/>
+                  </a:ext>
+                </a:extLst>
+              </p:cNvPr>
+              <p:cNvSpPr>
+                <a:spLocks noGrp="1"/>
+              </p:cNvSpPr>
+              <p:nvPr>
+                <p:ph idx="1"/>
+              </p:nvPr>
+            </p:nvSpPr>
+            <p:spPr/>
+            <p:txBody>
+              <a:bodyPr/>
+              <a:lstStyle/>
+              <a:p>
+                <a:r>
+                  <a:rPr lang="en-US" dirty="0"/>
+                  <a:t>How can we test for misspecification?</a:t>
+                </a:r>
+              </a:p>
+              <a:p>
+                <a:pPr lvl="1"/>
+                <a:r>
+                  <a:rPr lang="en-US" dirty="0"/>
+                  <a:t>F-Tests for joint exclusion restrictions</a:t>
+                </a:r>
+              </a:p>
+              <a:p>
+                <a:pPr lvl="1"/>
+                <a:r>
+                  <a:rPr lang="en-US" dirty="0"/>
+                  <a:t>Regression Specification Error Test (RESET)</a:t>
+                </a:r>
+              </a:p>
+              <a:p>
+                <a:pPr lvl="1"/>
+                <a:r>
+                  <a:rPr lang="en-US" dirty="0"/>
+                  <a:t>We need to be cautious when testing non-nested models</a:t>
+                </a:r>
+              </a:p>
+              <a:p>
+                <a:r>
+                  <a:rPr lang="en-US" dirty="0"/>
+                  <a:t>Measurement Error in our Dependent Variable</a:t>
+                </a:r>
+              </a:p>
+              <a:p>
+                <a:pPr lvl="1"/>
+                <a:r>
+                  <a:rPr lang="en-US" dirty="0"/>
+                  <a:t>Can increase our variance since the error term becomes </a:t>
+                </a:r>
+                <a14:m>
+                  <m:oMath xmlns:m="http://schemas.openxmlformats.org/officeDocument/2006/math">
+                    <m:sSub>
+                      <m:sSubPr>
+                        <m:ctrlPr>
+                          <a:rPr lang="en-US" b="0" i="1" smtClean="0">
+                            <a:latin typeface="Cambria Math" panose="02040503050406030204" pitchFamily="18" charset="0"/>
+                          </a:rPr>
+                        </m:ctrlPr>
+                      </m:sSubPr>
+                      <m:e>
+                        <m:r>
+                          <a:rPr lang="en-US" b="0" i="1" smtClean="0">
+                            <a:latin typeface="Cambria Math" panose="02040503050406030204" pitchFamily="18" charset="0"/>
+                          </a:rPr>
+                          <m:t>𝑒</m:t>
+                        </m:r>
+                      </m:e>
+                      <m:sub>
+                        <m:r>
+                          <a:rPr lang="en-US" b="0" i="1" smtClean="0">
+                            <a:latin typeface="Cambria Math" panose="02040503050406030204" pitchFamily="18" charset="0"/>
+                          </a:rPr>
+                          <m:t>0</m:t>
+                        </m:r>
+                      </m:sub>
+                    </m:sSub>
+                    <m:r>
+                      <a:rPr lang="en-US" b="0" i="1" smtClean="0">
+                        <a:latin typeface="Cambria Math" panose="02040503050406030204" pitchFamily="18" charset="0"/>
+                      </a:rPr>
+                      <m:t>+</m:t>
+                    </m:r>
+                    <m:r>
+                      <a:rPr lang="en-US" b="0" i="1" smtClean="0">
+                        <a:latin typeface="Cambria Math" panose="02040503050406030204" pitchFamily="18" charset="0"/>
+                      </a:rPr>
+                      <m:t>𝑢</m:t>
+                    </m:r>
+                  </m:oMath>
+                </a14:m>
+                <a:endParaRPr lang="en-US" dirty="0"/>
+              </a:p>
+              <a:p>
+                <a:r>
+                  <a:rPr lang="en-US" dirty="0"/>
+                  <a:t>Measurement Error in our Independent Variables</a:t>
+                </a:r>
+              </a:p>
+              <a:p>
+                <a:pPr lvl="1"/>
+                <a:r>
+                  <a:rPr lang="en-US" dirty="0"/>
+                  <a:t>We are usually concerned about the observed variable being correlated with the error term even if the true variable is not</a:t>
+                </a:r>
+              </a:p>
+              <a:p>
+                <a:pPr lvl="1"/>
+                <a:r>
+                  <a:rPr lang="en-US" dirty="0"/>
+                  <a:t>Classic errors-in-variables </a:t>
+                </a:r>
+                <a14:m>
+                  <m:oMath xmlns:m="http://schemas.openxmlformats.org/officeDocument/2006/math">
+                    <m:r>
+                      <a:rPr lang="en-US" b="0" i="1" smtClean="0">
+                        <a:latin typeface="Cambria Math" panose="02040503050406030204" pitchFamily="18" charset="0"/>
+                      </a:rPr>
+                      <m:t>𝐶𝑜𝑣</m:t>
+                    </m:r>
+                    <m:d>
+                      <m:dPr>
+                        <m:ctrlPr>
+                          <a:rPr lang="en-US" b="0" i="1" smtClean="0">
+                            <a:latin typeface="Cambria Math" panose="02040503050406030204" pitchFamily="18" charset="0"/>
+                          </a:rPr>
+                        </m:ctrlPr>
+                      </m:dPr>
+                      <m:e>
+                        <m:sSub>
+                          <m:sSubPr>
+                            <m:ctrlPr>
+                              <a:rPr lang="en-US" b="0" i="1" smtClean="0">
+                                <a:latin typeface="Cambria Math" panose="02040503050406030204" pitchFamily="18" charset="0"/>
+                              </a:rPr>
+                            </m:ctrlPr>
+                          </m:sSubPr>
+                          <m:e>
+                            <m:r>
+                              <a:rPr lang="en-US" b="0" i="1" smtClean="0">
+                                <a:latin typeface="Cambria Math" panose="02040503050406030204" pitchFamily="18" charset="0"/>
+                              </a:rPr>
+                              <m:t>𝑥</m:t>
+                            </m:r>
+                          </m:e>
+                          <m:sub>
+                            <m:r>
+                              <a:rPr lang="en-US" b="0" i="1" smtClean="0">
+                                <a:latin typeface="Cambria Math" panose="02040503050406030204" pitchFamily="18" charset="0"/>
+                              </a:rPr>
+                              <m:t>1</m:t>
+                            </m:r>
+                          </m:sub>
+                        </m:sSub>
+                        <m:r>
+                          <a:rPr lang="en-US" b="0" i="1" smtClean="0">
+                            <a:latin typeface="Cambria Math" panose="02040503050406030204" pitchFamily="18" charset="0"/>
+                          </a:rPr>
+                          <m:t>,</m:t>
+                        </m:r>
+                        <m:sSub>
+                          <m:sSubPr>
+                            <m:ctrlPr>
+                              <a:rPr lang="en-US" b="0" i="1" smtClean="0">
+                                <a:latin typeface="Cambria Math" panose="02040503050406030204" pitchFamily="18" charset="0"/>
+                              </a:rPr>
+                            </m:ctrlPr>
+                          </m:sSubPr>
+                          <m:e>
+                            <m:r>
+                              <a:rPr lang="en-US" b="0" i="1" smtClean="0">
+                                <a:latin typeface="Cambria Math" panose="02040503050406030204" pitchFamily="18" charset="0"/>
+                              </a:rPr>
+                              <m:t>𝑒</m:t>
+                            </m:r>
+                          </m:e>
+                          <m:sub>
+                            <m:r>
+                              <a:rPr lang="en-US" b="0" i="1" smtClean="0">
+                                <a:latin typeface="Cambria Math" panose="02040503050406030204" pitchFamily="18" charset="0"/>
+                              </a:rPr>
+                              <m:t>1</m:t>
+                            </m:r>
+                          </m:sub>
+                        </m:sSub>
+                      </m:e>
+                    </m:d>
+                    <m:r>
+                      <a:rPr lang="en-US" b="0" i="1" smtClean="0">
+                        <a:latin typeface="Cambria Math" panose="02040503050406030204" pitchFamily="18" charset="0"/>
+                      </a:rPr>
+                      <m:t>≠0</m:t>
+                    </m:r>
+                  </m:oMath>
+                </a14:m>
+                <a:endParaRPr lang="en-US" dirty="0"/>
+              </a:p>
+            </p:txBody>
+          </p:sp>
+        </mc:Choice>
+        <mc:Fallback>
+          <p:sp>
+            <p:nvSpPr>
+              <p:cNvPr id="3" name="Content Placeholder 2">
+                <a:extLst>
+                  <a:ext uri="{FF2B5EF4-FFF2-40B4-BE49-F238E27FC236}">
+                    <a16:creationId xmlns:a16="http://schemas.microsoft.com/office/drawing/2014/main" id="{7BF4D52B-73A0-5461-3E7D-651DEEFDF38C}"/>
+                  </a:ext>
+                </a:extLst>
+              </p:cNvPr>
+              <p:cNvSpPr>
+                <a:spLocks noGrp="1" noRot="1" noChangeAspect="1" noMove="1" noResize="1" noEditPoints="1" noAdjustHandles="1" noChangeArrowheads="1" noChangeShapeType="1" noTextEdit="1"/>
+              </p:cNvSpPr>
+              <p:nvPr>
+                <p:ph idx="1"/>
+              </p:nvPr>
+            </p:nvSpPr>
+            <p:spPr>
+              <a:blipFill>
+                <a:blip r:embed="rId2"/>
+                <a:stretch>
+                  <a:fillRect l="-1086" t="-2326"/>
+                </a:stretch>
+              </a:blipFill>
+            </p:spPr>
+            <p:txBody>
+              <a:bodyPr/>
+              <a:lstStyle/>
+              <a:p>
+                <a:r>
+                  <a:rPr lang="en-US">
+                    <a:noFill/>
+                  </a:rPr>
+                  <a:t> </a:t>
+                </a:r>
+              </a:p>
+            </p:txBody>
+          </p:sp>
+        </mc:Fallback>
+      </mc:AlternateContent>
+    </p:spTree>
+    <p:extLst>
+      <p:ext uri="{BB962C8B-B14F-4D97-AF65-F5344CB8AC3E}">
+        <p14:creationId xmlns:p14="http://schemas.microsoft.com/office/powerpoint/2010/main" val="2881432772"/>
+      </p:ext>
+    </p:extLst>
+  </p:cSld>
+  <p:clrMapOvr>
+    <a:masterClrMapping/>
+  </p:clrMapOvr>
+</p:sld>
+</file>
+
+<file path=ppt/slides/slide28.xml><?xml version="1.0" encoding="utf-8"?>
+<p:sld xmlns:a="http://schemas.openxmlformats.org/drawingml/2006/main" xmlns:r="http://schemas.openxmlformats.org/officeDocument/2006/relationships" xmlns:p="http://schemas.openxmlformats.org/presentationml/2006/main">
+  <p:cSld>
+    <p:spTree>
+      <p:nvGrpSpPr>
+        <p:cNvPr id="1" name=""/>
+        <p:cNvGrpSpPr/>
+        <p:nvPr/>
+      </p:nvGrpSpPr>
+      <p:grpSpPr>
+        <a:xfrm>
+          <a:off x="0" y="0"/>
+          <a:ext cx="0" cy="0"/>
+          <a:chOff x="0" y="0"/>
+          <a:chExt cx="0" cy="0"/>
+        </a:xfrm>
+      </p:grpSpPr>
+      <p:sp>
+        <p:nvSpPr>
+          <p:cNvPr id="2" name="Title 1">
+            <a:extLst>
+              <a:ext uri="{FF2B5EF4-FFF2-40B4-BE49-F238E27FC236}">
+                <a16:creationId xmlns:a16="http://schemas.microsoft.com/office/drawing/2014/main" id="{85741BE2-6795-E604-DD90-A1DA17ACC8E0}"/>
+              </a:ext>
+            </a:extLst>
+          </p:cNvPr>
+          <p:cNvSpPr>
+            <a:spLocks noGrp="1"/>
+          </p:cNvSpPr>
+          <p:nvPr>
+            <p:ph type="title"/>
+          </p:nvPr>
+        </p:nvSpPr>
+        <p:spPr/>
+        <p:txBody>
+          <a:bodyPr/>
+          <a:lstStyle/>
+          <a:p>
+            <a:r>
+              <a:rPr lang="en-US" dirty="0"/>
+              <a:t>Instrumental Variables</a:t>
+            </a:r>
+          </a:p>
+        </p:txBody>
+      </p:sp>
+      <mc:AlternateContent xmlns:mc="http://schemas.openxmlformats.org/markup-compatibility/2006">
+        <mc:Choice xmlns:a14="http://schemas.microsoft.com/office/drawing/2010/main" Requires="a14">
+          <p:sp>
+            <p:nvSpPr>
+              <p:cNvPr id="3" name="Content Placeholder 2">
+                <a:extLst>
+                  <a:ext uri="{FF2B5EF4-FFF2-40B4-BE49-F238E27FC236}">
+                    <a16:creationId xmlns:a16="http://schemas.microsoft.com/office/drawing/2014/main" id="{8F609D21-2EEC-C438-56D7-66D13444BDFD}"/>
+                  </a:ext>
+                </a:extLst>
+              </p:cNvPr>
+              <p:cNvSpPr>
+                <a:spLocks noGrp="1"/>
+              </p:cNvSpPr>
+              <p:nvPr>
+                <p:ph idx="1"/>
+              </p:nvPr>
+            </p:nvSpPr>
+            <p:spPr/>
+            <p:txBody>
+              <a:bodyPr>
+                <a:normAutofit fontScale="92500" lnSpcReduction="20000"/>
+              </a:bodyPr>
+              <a:lstStyle/>
+              <a:p>
+                <a:r>
+                  <a:rPr lang="en-US" dirty="0"/>
+                  <a:t>Helps with</a:t>
+                </a:r>
+              </a:p>
+              <a:p>
+                <a:pPr lvl="1"/>
+                <a:r>
+                  <a:rPr lang="en-US" dirty="0"/>
+                  <a:t>Omitted Variable Bias</a:t>
+                </a:r>
+              </a:p>
+              <a:p>
+                <a:pPr lvl="1"/>
+                <a:r>
+                  <a:rPr lang="en-US" dirty="0"/>
+                  <a:t>Measurement Error</a:t>
+                </a:r>
+              </a:p>
+              <a:p>
+                <a:pPr lvl="1"/>
+                <a:r>
+                  <a:rPr lang="en-US" dirty="0"/>
+                  <a:t>Simultaneity Bias</a:t>
+                </a:r>
+              </a:p>
+              <a:p>
+                <a:r>
+                  <a:rPr lang="en-US" dirty="0"/>
+                  <a:t>We can implement instrumental variables with a 2SLS</a:t>
+                </a:r>
+              </a:p>
+              <a:p>
+                <a:r>
+                  <a:rPr lang="en-US" dirty="0"/>
+                  <a:t>Key assumptions</a:t>
+                </a:r>
+              </a:p>
+              <a:p>
+                <a:pPr lvl="1"/>
+                <a:r>
+                  <a:rPr lang="en-US" dirty="0"/>
+                  <a:t>Instrument Relevance – testable</a:t>
+                </a:r>
+              </a:p>
+              <a:p>
+                <a:pPr lvl="2"/>
+                <a14:m>
+                  <m:oMath xmlns:m="http://schemas.openxmlformats.org/officeDocument/2006/math">
+                    <m:r>
+                      <a:rPr lang="en-US" b="0" i="1" smtClean="0">
+                        <a:latin typeface="Cambria Math" panose="02040503050406030204" pitchFamily="18" charset="0"/>
+                      </a:rPr>
+                      <m:t>𝐶𝑜𝑣</m:t>
+                    </m:r>
+                    <m:d>
+                      <m:dPr>
+                        <m:ctrlPr>
+                          <a:rPr lang="en-US" b="0" i="1" smtClean="0">
+                            <a:latin typeface="Cambria Math" panose="02040503050406030204" pitchFamily="18" charset="0"/>
+                          </a:rPr>
+                        </m:ctrlPr>
+                      </m:dPr>
+                      <m:e>
+                        <m:r>
+                          <a:rPr lang="en-US" b="0" i="1" smtClean="0">
+                            <a:latin typeface="Cambria Math" panose="02040503050406030204" pitchFamily="18" charset="0"/>
+                          </a:rPr>
+                          <m:t>𝑧</m:t>
+                        </m:r>
+                        <m:r>
+                          <a:rPr lang="en-US" b="0" i="1" smtClean="0">
+                            <a:latin typeface="Cambria Math" panose="02040503050406030204" pitchFamily="18" charset="0"/>
+                          </a:rPr>
+                          <m:t>,</m:t>
+                        </m:r>
+                        <m:r>
+                          <a:rPr lang="en-US" b="0" i="1" smtClean="0">
+                            <a:latin typeface="Cambria Math" panose="02040503050406030204" pitchFamily="18" charset="0"/>
+                          </a:rPr>
+                          <m:t>𝑥</m:t>
+                        </m:r>
+                      </m:e>
+                    </m:d>
+                    <m:r>
+                      <a:rPr lang="en-US" b="0" i="1" smtClean="0">
+                        <a:latin typeface="Cambria Math" panose="02040503050406030204" pitchFamily="18" charset="0"/>
+                      </a:rPr>
+                      <m:t>≠0</m:t>
+                    </m:r>
+                  </m:oMath>
+                </a14:m>
+                <a:endParaRPr lang="en-US" dirty="0"/>
+              </a:p>
+              <a:p>
+                <a:pPr lvl="1"/>
+                <a:r>
+                  <a:rPr lang="en-US" dirty="0"/>
+                  <a:t>Instrument Exogeneity – untestable </a:t>
+                </a:r>
+              </a:p>
+              <a:p>
+                <a:pPr lvl="2"/>
+                <a14:m>
+                  <m:oMath xmlns:m="http://schemas.openxmlformats.org/officeDocument/2006/math">
+                    <m:r>
+                      <a:rPr lang="en-US" b="0" i="1" smtClean="0">
+                        <a:latin typeface="Cambria Math" panose="02040503050406030204" pitchFamily="18" charset="0"/>
+                      </a:rPr>
+                      <m:t>𝐶𝑜𝑣</m:t>
+                    </m:r>
+                    <m:d>
+                      <m:dPr>
+                        <m:ctrlPr>
+                          <a:rPr lang="en-US" b="0" i="1" smtClean="0">
+                            <a:latin typeface="Cambria Math" panose="02040503050406030204" pitchFamily="18" charset="0"/>
+                          </a:rPr>
+                        </m:ctrlPr>
+                      </m:dPr>
+                      <m:e>
+                        <m:r>
+                          <a:rPr lang="en-US" b="0" i="1" smtClean="0">
+                            <a:latin typeface="Cambria Math" panose="02040503050406030204" pitchFamily="18" charset="0"/>
+                          </a:rPr>
+                          <m:t>𝑧</m:t>
+                        </m:r>
+                        <m:r>
+                          <a:rPr lang="en-US" b="0" i="1" smtClean="0">
+                            <a:latin typeface="Cambria Math" panose="02040503050406030204" pitchFamily="18" charset="0"/>
+                          </a:rPr>
+                          <m:t>,</m:t>
+                        </m:r>
+                        <m:r>
+                          <a:rPr lang="en-US" b="0" i="1" smtClean="0">
+                            <a:latin typeface="Cambria Math" panose="02040503050406030204" pitchFamily="18" charset="0"/>
+                          </a:rPr>
+                          <m:t>𝑢</m:t>
+                        </m:r>
+                      </m:e>
+                    </m:d>
+                    <m:r>
+                      <a:rPr lang="en-US" b="0" i="1" smtClean="0">
+                        <a:latin typeface="Cambria Math" panose="02040503050406030204" pitchFamily="18" charset="0"/>
+                      </a:rPr>
+                      <m:t>=0</m:t>
+                    </m:r>
+                  </m:oMath>
+                </a14:m>
+                <a:endParaRPr lang="en-US" dirty="0"/>
+              </a:p>
+              <a:p>
+                <a:r>
+                  <a:rPr lang="en-US" dirty="0"/>
+                  <a:t>Rule of Thumb for Instrument Relevance</a:t>
+                </a:r>
+              </a:p>
+              <a:p>
+                <a:pPr lvl="1"/>
+                <a:r>
+                  <a:rPr lang="en-US" dirty="0"/>
+                  <a:t>A F-statistic greater than 15</a:t>
+                </a:r>
+              </a:p>
+            </p:txBody>
+          </p:sp>
+        </mc:Choice>
+        <mc:Fallback>
+          <p:sp>
+            <p:nvSpPr>
+              <p:cNvPr id="3" name="Content Placeholder 2">
+                <a:extLst>
+                  <a:ext uri="{FF2B5EF4-FFF2-40B4-BE49-F238E27FC236}">
+                    <a16:creationId xmlns:a16="http://schemas.microsoft.com/office/drawing/2014/main" id="{8F609D21-2EEC-C438-56D7-66D13444BDFD}"/>
+                  </a:ext>
+                </a:extLst>
+              </p:cNvPr>
+              <p:cNvSpPr>
+                <a:spLocks noGrp="1" noRot="1" noChangeAspect="1" noMove="1" noResize="1" noEditPoints="1" noAdjustHandles="1" noChangeArrowheads="1" noChangeShapeType="1" noTextEdit="1"/>
+              </p:cNvSpPr>
+              <p:nvPr>
+                <p:ph idx="1"/>
+              </p:nvPr>
+            </p:nvSpPr>
+            <p:spPr>
+              <a:blipFill>
+                <a:blip r:embed="rId2"/>
+                <a:stretch>
+                  <a:fillRect l="-965" t="-3488"/>
+                </a:stretch>
+              </a:blipFill>
+            </p:spPr>
+            <p:txBody>
+              <a:bodyPr/>
+              <a:lstStyle/>
+              <a:p>
+                <a:r>
+                  <a:rPr lang="en-US">
+                    <a:noFill/>
+                  </a:rPr>
+                  <a:t> </a:t>
+                </a:r>
+              </a:p>
+            </p:txBody>
+          </p:sp>
+        </mc:Fallback>
+      </mc:AlternateContent>
+    </p:spTree>
+    <p:extLst>
+      <p:ext uri="{BB962C8B-B14F-4D97-AF65-F5344CB8AC3E}">
+        <p14:creationId xmlns:p14="http://schemas.microsoft.com/office/powerpoint/2010/main" val="452664198"/>
+      </p:ext>
+    </p:extLst>
+  </p:cSld>
+  <p:clrMapOvr>
+    <a:masterClrMapping/>
+  </p:clrMapOvr>
+</p:sld>
+</file>
+
+<file path=ppt/slides/slide29.xml><?xml version="1.0" encoding="utf-8"?>
+<p:sld xmlns:a="http://schemas.openxmlformats.org/drawingml/2006/main" xmlns:r="http://schemas.openxmlformats.org/officeDocument/2006/relationships" xmlns:p="http://schemas.openxmlformats.org/presentationml/2006/main">
+  <p:cSld>
+    <p:spTree>
+      <p:nvGrpSpPr>
+        <p:cNvPr id="1" name=""/>
+        <p:cNvGrpSpPr/>
+        <p:nvPr/>
+      </p:nvGrpSpPr>
+      <p:grpSpPr>
+        <a:xfrm>
+          <a:off x="0" y="0"/>
+          <a:ext cx="0" cy="0"/>
+          <a:chOff x="0" y="0"/>
+          <a:chExt cx="0" cy="0"/>
+        </a:xfrm>
+      </p:grpSpPr>
+      <p:sp>
+        <p:nvSpPr>
+          <p:cNvPr id="2" name="Title 1">
+            <a:extLst>
+              <a:ext uri="{FF2B5EF4-FFF2-40B4-BE49-F238E27FC236}">
+                <a16:creationId xmlns:a16="http://schemas.microsoft.com/office/drawing/2014/main" id="{108B639B-FB77-92A8-703C-F2C261CAA3C7}"/>
+              </a:ext>
+            </a:extLst>
+          </p:cNvPr>
+          <p:cNvSpPr>
+            <a:spLocks noGrp="1"/>
+          </p:cNvSpPr>
+          <p:nvPr>
+            <p:ph type="title"/>
+          </p:nvPr>
+        </p:nvSpPr>
+        <p:spPr/>
+        <p:txBody>
+          <a:bodyPr/>
+          <a:lstStyle/>
+          <a:p>
+            <a:r>
+              <a:rPr lang="en-US" dirty="0"/>
+              <a:t>Panel Data</a:t>
+            </a:r>
+          </a:p>
+        </p:txBody>
+      </p:sp>
+      <mc:AlternateContent xmlns:mc="http://schemas.openxmlformats.org/markup-compatibility/2006">
+        <mc:Choice xmlns:a14="http://schemas.microsoft.com/office/drawing/2010/main" Requires="a14">
+          <p:sp>
+            <p:nvSpPr>
+              <p:cNvPr id="3" name="Content Placeholder 2">
+                <a:extLst>
+                  <a:ext uri="{FF2B5EF4-FFF2-40B4-BE49-F238E27FC236}">
+                    <a16:creationId xmlns:a16="http://schemas.microsoft.com/office/drawing/2014/main" id="{2024F43F-D0AF-528E-7056-3C6563BA849D}"/>
+                  </a:ext>
+                </a:extLst>
+              </p:cNvPr>
+              <p:cNvSpPr>
+                <a:spLocks noGrp="1"/>
+              </p:cNvSpPr>
+              <p:nvPr>
+                <p:ph idx="1"/>
+              </p:nvPr>
+            </p:nvSpPr>
+            <p:spPr/>
+            <p:txBody>
+              <a:bodyPr/>
+              <a:lstStyle/>
+              <a:p>
+                <a:r>
+                  <a:rPr lang="en-US" dirty="0"/>
+                  <a:t>Pooled OLS</a:t>
+                </a:r>
+              </a:p>
+              <a:p>
+                <a:pPr lvl="1"/>
+                <a:r>
+                  <a:rPr lang="en-US" dirty="0"/>
+                  <a:t>We can control for secular trends over time by pooling multiple cross-sections together across time</a:t>
+                </a:r>
+              </a:p>
+              <a:p>
+                <a:pPr lvl="1"/>
+                <a:r>
+                  <a:rPr lang="en-US" dirty="0"/>
+                  <a:t>We cannot control for time-invariant heterogeneity</a:t>
+                </a:r>
+              </a:p>
+              <a:p>
+                <a:r>
+                  <a:rPr lang="en-US" dirty="0"/>
+                  <a:t>First-Difference Estimator</a:t>
+                </a:r>
+              </a:p>
+              <a:p>
+                <a:pPr lvl="1"/>
+                <a:r>
+                  <a:rPr lang="en-US" dirty="0"/>
+                  <a:t>Our of our first Fixed Effects estimators that can control for time-invariant heterogeneity</a:t>
+                </a:r>
+              </a:p>
+              <a:p>
+                <a:pPr lvl="1"/>
+                <a:r>
+                  <a:rPr lang="en-US" dirty="0"/>
+                  <a:t>We take the difference between two-time periods to eliminate </a:t>
+                </a:r>
+                <a14:m>
+                  <m:oMath xmlns:m="http://schemas.openxmlformats.org/officeDocument/2006/math">
+                    <m:sSub>
+                      <m:sSubPr>
+                        <m:ctrlPr>
+                          <a:rPr lang="en-US" b="0" i="1" smtClean="0">
+                            <a:latin typeface="Cambria Math" panose="02040503050406030204" pitchFamily="18" charset="0"/>
+                          </a:rPr>
+                        </m:ctrlPr>
+                      </m:sSubPr>
+                      <m:e>
+                        <m:r>
+                          <a:rPr lang="en-US" b="0" i="1" smtClean="0">
+                            <a:latin typeface="Cambria Math" panose="02040503050406030204" pitchFamily="18" charset="0"/>
+                          </a:rPr>
+                          <m:t>𝑎</m:t>
+                        </m:r>
+                      </m:e>
+                      <m:sub>
+                        <m:r>
+                          <a:rPr lang="en-US" b="0" i="1" smtClean="0">
+                            <a:latin typeface="Cambria Math" panose="02040503050406030204" pitchFamily="18" charset="0"/>
+                          </a:rPr>
+                          <m:t>𝑖</m:t>
+                        </m:r>
+                      </m:sub>
+                    </m:sSub>
+                  </m:oMath>
+                </a14:m>
+                <a:endParaRPr lang="en-US" dirty="0"/>
+              </a:p>
+            </p:txBody>
+          </p:sp>
+        </mc:Choice>
+        <mc:Fallback>
+          <p:sp>
+            <p:nvSpPr>
+              <p:cNvPr id="3" name="Content Placeholder 2">
+                <a:extLst>
+                  <a:ext uri="{FF2B5EF4-FFF2-40B4-BE49-F238E27FC236}">
+                    <a16:creationId xmlns:a16="http://schemas.microsoft.com/office/drawing/2014/main" id="{2024F43F-D0AF-528E-7056-3C6563BA849D}"/>
+                  </a:ext>
+                </a:extLst>
+              </p:cNvPr>
+              <p:cNvSpPr>
+                <a:spLocks noGrp="1" noRot="1" noChangeAspect="1" noMove="1" noResize="1" noEditPoints="1" noAdjustHandles="1" noChangeArrowheads="1" noChangeShapeType="1" noTextEdit="1"/>
+              </p:cNvSpPr>
+              <p:nvPr>
+                <p:ph idx="1"/>
+              </p:nvPr>
+            </p:nvSpPr>
+            <p:spPr>
+              <a:blipFill>
+                <a:blip r:embed="rId2"/>
+                <a:stretch>
+                  <a:fillRect l="-1086" t="-2326" r="-1086"/>
+                </a:stretch>
+              </a:blipFill>
+            </p:spPr>
+            <p:txBody>
+              <a:bodyPr/>
+              <a:lstStyle/>
+              <a:p>
+                <a:r>
+                  <a:rPr lang="en-US">
+                    <a:noFill/>
+                  </a:rPr>
+                  <a:t> </a:t>
+                </a:r>
+              </a:p>
+            </p:txBody>
+          </p:sp>
+        </mc:Fallback>
+      </mc:AlternateContent>
+    </p:spTree>
+    <p:extLst>
+      <p:ext uri="{BB962C8B-B14F-4D97-AF65-F5344CB8AC3E}">
+        <p14:creationId xmlns:p14="http://schemas.microsoft.com/office/powerpoint/2010/main" val="2474230970"/>
+      </p:ext>
+    </p:extLst>
+  </p:cSld>
+  <p:clrMapOvr>
+    <a:masterClrMapping/>
+  </p:clrMapOvr>
+</p:sld>
+</file>
+
 <file path=ppt/slides/slide3.xml><?xml version="1.0" encoding="utf-8"?>
 <p:sld xmlns:a="http://schemas.openxmlformats.org/drawingml/2006/main" xmlns:r="http://schemas.openxmlformats.org/officeDocument/2006/relationships" xmlns:p="http://schemas.openxmlformats.org/presentationml/2006/main">
   <p:cSld>
@@ -7947,6 +9041,444 @@
     <p:extLst>
       <p:ext uri="{BB962C8B-B14F-4D97-AF65-F5344CB8AC3E}">
         <p14:creationId xmlns:p14="http://schemas.microsoft.com/office/powerpoint/2010/main" val="867808765"/>
+      </p:ext>
+    </p:extLst>
+  </p:cSld>
+  <p:clrMapOvr>
+    <a:masterClrMapping/>
+  </p:clrMapOvr>
+</p:sld>
+</file>
+
+<file path=ppt/slides/slide30.xml><?xml version="1.0" encoding="utf-8"?>
+<p:sld xmlns:a="http://schemas.openxmlformats.org/drawingml/2006/main" xmlns:r="http://schemas.openxmlformats.org/officeDocument/2006/relationships" xmlns:p="http://schemas.openxmlformats.org/presentationml/2006/main">
+  <p:cSld>
+    <p:spTree>
+      <p:nvGrpSpPr>
+        <p:cNvPr id="1" name=""/>
+        <p:cNvGrpSpPr/>
+        <p:nvPr/>
+      </p:nvGrpSpPr>
+      <p:grpSpPr>
+        <a:xfrm>
+          <a:off x="0" y="0"/>
+          <a:ext cx="0" cy="0"/>
+          <a:chOff x="0" y="0"/>
+          <a:chExt cx="0" cy="0"/>
+        </a:xfrm>
+      </p:grpSpPr>
+      <p:sp>
+        <p:nvSpPr>
+          <p:cNvPr id="2" name="Title 1">
+            <a:extLst>
+              <a:ext uri="{FF2B5EF4-FFF2-40B4-BE49-F238E27FC236}">
+                <a16:creationId xmlns:a16="http://schemas.microsoft.com/office/drawing/2014/main" id="{108B639B-FB77-92A8-703C-F2C261CAA3C7}"/>
+              </a:ext>
+            </a:extLst>
+          </p:cNvPr>
+          <p:cNvSpPr>
+            <a:spLocks noGrp="1"/>
+          </p:cNvSpPr>
+          <p:nvPr>
+            <p:ph type="title"/>
+          </p:nvPr>
+        </p:nvSpPr>
+        <p:spPr/>
+        <p:txBody>
+          <a:bodyPr/>
+          <a:lstStyle/>
+          <a:p>
+            <a:r>
+              <a:rPr lang="en-US" dirty="0"/>
+              <a:t>Panel Data</a:t>
+            </a:r>
+          </a:p>
+        </p:txBody>
+      </p:sp>
+      <mc:AlternateContent xmlns:mc="http://schemas.openxmlformats.org/markup-compatibility/2006">
+        <mc:Choice xmlns:a14="http://schemas.microsoft.com/office/drawing/2010/main" Requires="a14">
+          <p:sp>
+            <p:nvSpPr>
+              <p:cNvPr id="3" name="Content Placeholder 2">
+                <a:extLst>
+                  <a:ext uri="{FF2B5EF4-FFF2-40B4-BE49-F238E27FC236}">
+                    <a16:creationId xmlns:a16="http://schemas.microsoft.com/office/drawing/2014/main" id="{2024F43F-D0AF-528E-7056-3C6563BA849D}"/>
+                  </a:ext>
+                </a:extLst>
+              </p:cNvPr>
+              <p:cNvSpPr>
+                <a:spLocks noGrp="1"/>
+              </p:cNvSpPr>
+              <p:nvPr>
+                <p:ph idx="1"/>
+              </p:nvPr>
+            </p:nvSpPr>
+            <p:spPr/>
+            <p:txBody>
+              <a:bodyPr>
+                <a:normAutofit/>
+              </a:bodyPr>
+              <a:lstStyle/>
+              <a:p>
+                <a:r>
+                  <a:rPr lang="en-US" dirty="0"/>
+                  <a:t>Fixed Effects (Within) Estimator</a:t>
+                </a:r>
+              </a:p>
+              <a:p>
+                <a:pPr lvl="1"/>
+                <a:r>
+                  <a:rPr lang="en-US" dirty="0"/>
+                  <a:t>We can demean the data across time to eliminate </a:t>
+                </a:r>
+                <a14:m>
+                  <m:oMath xmlns:m="http://schemas.openxmlformats.org/officeDocument/2006/math">
+                    <m:sSub>
+                      <m:sSubPr>
+                        <m:ctrlPr>
+                          <a:rPr lang="en-US" b="0" i="1" smtClean="0">
+                            <a:latin typeface="Cambria Math" panose="02040503050406030204" pitchFamily="18" charset="0"/>
+                          </a:rPr>
+                        </m:ctrlPr>
+                      </m:sSubPr>
+                      <m:e>
+                        <m:r>
+                          <a:rPr lang="en-US" b="0" i="1" smtClean="0">
+                            <a:latin typeface="Cambria Math" panose="02040503050406030204" pitchFamily="18" charset="0"/>
+                          </a:rPr>
+                          <m:t>𝑎</m:t>
+                        </m:r>
+                      </m:e>
+                      <m:sub>
+                        <m:r>
+                          <a:rPr lang="en-US" b="0" i="1" smtClean="0">
+                            <a:latin typeface="Cambria Math" panose="02040503050406030204" pitchFamily="18" charset="0"/>
+                          </a:rPr>
+                          <m:t>𝑖</m:t>
+                        </m:r>
+                      </m:sub>
+                    </m:sSub>
+                  </m:oMath>
+                </a14:m>
+                <a:endParaRPr lang="en-US" dirty="0"/>
+              </a:p>
+              <a:p>
+                <a:pPr lvl="1"/>
+                <a:r>
+                  <a:rPr lang="en-US" dirty="0"/>
+                  <a:t>Our main assumption is strict exogeneity</a:t>
+                </a:r>
+              </a:p>
+              <a:p>
+                <a:pPr lvl="1"/>
+                <a14:m>
+                  <m:oMath xmlns:m="http://schemas.openxmlformats.org/officeDocument/2006/math">
+                    <m:r>
+                      <a:rPr lang="en-US" b="0" i="1" smtClean="0">
+                        <a:latin typeface="Cambria Math" panose="02040503050406030204" pitchFamily="18" charset="0"/>
+                      </a:rPr>
+                      <m:t>𝐶𝑜𝑣</m:t>
+                    </m:r>
+                    <m:d>
+                      <m:dPr>
+                        <m:ctrlPr>
+                          <a:rPr lang="en-US" b="0" i="1" smtClean="0">
+                            <a:latin typeface="Cambria Math" panose="02040503050406030204" pitchFamily="18" charset="0"/>
+                          </a:rPr>
+                        </m:ctrlPr>
+                      </m:dPr>
+                      <m:e>
+                        <m:sSub>
+                          <m:sSubPr>
+                            <m:ctrlPr>
+                              <a:rPr lang="en-US" b="0" i="1" smtClean="0">
+                                <a:latin typeface="Cambria Math" panose="02040503050406030204" pitchFamily="18" charset="0"/>
+                              </a:rPr>
+                            </m:ctrlPr>
+                          </m:sSubPr>
+                          <m:e>
+                            <m:r>
+                              <a:rPr lang="en-US" b="0" i="1" smtClean="0">
+                                <a:latin typeface="Cambria Math" panose="02040503050406030204" pitchFamily="18" charset="0"/>
+                              </a:rPr>
+                              <m:t>𝑥</m:t>
+                            </m:r>
+                          </m:e>
+                          <m:sub>
+                            <m:r>
+                              <a:rPr lang="en-US" b="0" i="1" smtClean="0">
+                                <a:latin typeface="Cambria Math" panose="02040503050406030204" pitchFamily="18" charset="0"/>
+                              </a:rPr>
+                              <m:t>𝑖𝑡</m:t>
+                            </m:r>
+                          </m:sub>
+                        </m:sSub>
+                        <m:r>
+                          <a:rPr lang="en-US" b="0" i="1" smtClean="0">
+                            <a:latin typeface="Cambria Math" panose="02040503050406030204" pitchFamily="18" charset="0"/>
+                          </a:rPr>
+                          <m:t>,</m:t>
+                        </m:r>
+                        <m:sSub>
+                          <m:sSubPr>
+                            <m:ctrlPr>
+                              <a:rPr lang="en-US" b="0" i="1" smtClean="0">
+                                <a:latin typeface="Cambria Math" panose="02040503050406030204" pitchFamily="18" charset="0"/>
+                              </a:rPr>
+                            </m:ctrlPr>
+                          </m:sSubPr>
+                          <m:e>
+                            <m:r>
+                              <a:rPr lang="en-US" b="0" i="1" smtClean="0">
+                                <a:latin typeface="Cambria Math" panose="02040503050406030204" pitchFamily="18" charset="0"/>
+                              </a:rPr>
+                              <m:t>𝑢</m:t>
+                            </m:r>
+                          </m:e>
+                          <m:sub>
+                            <m:r>
+                              <a:rPr lang="en-US" b="0" i="1" smtClean="0">
+                                <a:latin typeface="Cambria Math" panose="02040503050406030204" pitchFamily="18" charset="0"/>
+                              </a:rPr>
+                              <m:t>𝑖𝑡</m:t>
+                            </m:r>
+                          </m:sub>
+                        </m:sSub>
+                      </m:e>
+                    </m:d>
+                    <m:r>
+                      <a:rPr lang="en-US" b="0" i="1" smtClean="0">
+                        <a:latin typeface="Cambria Math" panose="02040503050406030204" pitchFamily="18" charset="0"/>
+                      </a:rPr>
+                      <m:t>=0</m:t>
+                    </m:r>
+                  </m:oMath>
+                </a14:m>
+                <a:endParaRPr lang="en-US" dirty="0"/>
+              </a:p>
+              <a:p>
+                <a:r>
+                  <a:rPr lang="en-US" dirty="0"/>
+                  <a:t>Least Squares Dummy Variable Estimator</a:t>
+                </a:r>
+              </a:p>
+              <a:p>
+                <a:r>
+                  <a:rPr lang="en-US" dirty="0"/>
+                  <a:t>Random Effects</a:t>
+                </a:r>
+              </a:p>
+              <a:p>
+                <a:pPr lvl="1"/>
+                <a:r>
+                  <a:rPr lang="en-US" dirty="0"/>
+                  <a:t>We have an assumption with random effects along with our usual strict exogeneity assumption</a:t>
+                </a:r>
+              </a:p>
+              <a:p>
+                <a:pPr lvl="1"/>
+                <a:r>
+                  <a:rPr lang="en-US" dirty="0"/>
+                  <a:t>The cross-sectional unit fixed effects </a:t>
+                </a:r>
+                <a14:m>
+                  <m:oMath xmlns:m="http://schemas.openxmlformats.org/officeDocument/2006/math">
+                    <m:sSub>
+                      <m:sSubPr>
+                        <m:ctrlPr>
+                          <a:rPr lang="en-US" b="0" i="1" smtClean="0">
+                            <a:latin typeface="Cambria Math" panose="02040503050406030204" pitchFamily="18" charset="0"/>
+                          </a:rPr>
+                        </m:ctrlPr>
+                      </m:sSubPr>
+                      <m:e>
+                        <m:r>
+                          <a:rPr lang="en-US" b="0" i="1" smtClean="0">
+                            <a:latin typeface="Cambria Math" panose="02040503050406030204" pitchFamily="18" charset="0"/>
+                          </a:rPr>
+                          <m:t>𝑎</m:t>
+                        </m:r>
+                      </m:e>
+                      <m:sub>
+                        <m:r>
+                          <a:rPr lang="en-US" b="0" i="1" smtClean="0">
+                            <a:latin typeface="Cambria Math" panose="02040503050406030204" pitchFamily="18" charset="0"/>
+                          </a:rPr>
+                          <m:t>𝑖</m:t>
+                        </m:r>
+                      </m:sub>
+                    </m:sSub>
+                  </m:oMath>
+                </a14:m>
+                <a:r>
+                  <a:rPr lang="en-US" dirty="0"/>
+                  <a:t> is uncorrelated with our </a:t>
+                </a:r>
+                <a14:m>
+                  <m:oMath xmlns:m="http://schemas.openxmlformats.org/officeDocument/2006/math">
+                    <m:sSub>
+                      <m:sSubPr>
+                        <m:ctrlPr>
+                          <a:rPr lang="en-US" b="0" i="1" smtClean="0">
+                            <a:latin typeface="Cambria Math" panose="02040503050406030204" pitchFamily="18" charset="0"/>
+                          </a:rPr>
+                        </m:ctrlPr>
+                      </m:sSubPr>
+                      <m:e>
+                        <m:r>
+                          <a:rPr lang="en-US" b="1" i="1" smtClean="0">
+                            <a:latin typeface="Cambria Math" panose="02040503050406030204" pitchFamily="18" charset="0"/>
+                          </a:rPr>
+                          <m:t>𝒙</m:t>
+                        </m:r>
+                      </m:e>
+                      <m:sub>
+                        <m:r>
+                          <a:rPr lang="en-US" b="0" i="1" smtClean="0">
+                            <a:latin typeface="Cambria Math" panose="02040503050406030204" pitchFamily="18" charset="0"/>
+                          </a:rPr>
+                          <m:t>𝑖</m:t>
+                        </m:r>
+                      </m:sub>
+                    </m:sSub>
+                  </m:oMath>
+                </a14:m>
+                <a:endParaRPr lang="en-US" dirty="0"/>
+              </a:p>
+              <a:p>
+                <a:pPr lvl="1"/>
+                <a14:m>
+                  <m:oMath xmlns:m="http://schemas.openxmlformats.org/officeDocument/2006/math">
+                    <m:r>
+                      <a:rPr lang="en-US" b="0" i="1" smtClean="0">
+                        <a:latin typeface="Cambria Math" panose="02040503050406030204" pitchFamily="18" charset="0"/>
+                      </a:rPr>
+                      <m:t>𝐶𝑜𝑣</m:t>
+                    </m:r>
+                    <m:d>
+                      <m:dPr>
+                        <m:ctrlPr>
+                          <a:rPr lang="en-US" b="0" i="1" smtClean="0">
+                            <a:latin typeface="Cambria Math" panose="02040503050406030204" pitchFamily="18" charset="0"/>
+                          </a:rPr>
+                        </m:ctrlPr>
+                      </m:dPr>
+                      <m:e>
+                        <m:sSub>
+                          <m:sSubPr>
+                            <m:ctrlPr>
+                              <a:rPr lang="en-US" b="0" i="1" smtClean="0">
+                                <a:latin typeface="Cambria Math" panose="02040503050406030204" pitchFamily="18" charset="0"/>
+                              </a:rPr>
+                            </m:ctrlPr>
+                          </m:sSubPr>
+                          <m:e>
+                            <m:r>
+                              <a:rPr lang="en-US" b="0" i="1" smtClean="0">
+                                <a:latin typeface="Cambria Math" panose="02040503050406030204" pitchFamily="18" charset="0"/>
+                              </a:rPr>
+                              <m:t>𝑎</m:t>
+                            </m:r>
+                          </m:e>
+                          <m:sub>
+                            <m:r>
+                              <a:rPr lang="en-US" b="0" i="1" smtClean="0">
+                                <a:latin typeface="Cambria Math" panose="02040503050406030204" pitchFamily="18" charset="0"/>
+                              </a:rPr>
+                              <m:t>𝑖</m:t>
+                            </m:r>
+                          </m:sub>
+                        </m:sSub>
+                        <m:r>
+                          <a:rPr lang="en-US" b="0" i="1" smtClean="0">
+                            <a:latin typeface="Cambria Math" panose="02040503050406030204" pitchFamily="18" charset="0"/>
+                          </a:rPr>
+                          <m:t>,</m:t>
+                        </m:r>
+                        <m:sSub>
+                          <m:sSubPr>
+                            <m:ctrlPr>
+                              <a:rPr lang="en-US" b="0" i="1" smtClean="0">
+                                <a:latin typeface="Cambria Math" panose="02040503050406030204" pitchFamily="18" charset="0"/>
+                              </a:rPr>
+                            </m:ctrlPr>
+                          </m:sSubPr>
+                          <m:e>
+                            <m:r>
+                              <a:rPr lang="en-US" b="0" i="1" smtClean="0">
+                                <a:latin typeface="Cambria Math" panose="02040503050406030204" pitchFamily="18" charset="0"/>
+                              </a:rPr>
+                              <m:t>𝑥</m:t>
+                            </m:r>
+                          </m:e>
+                          <m:sub>
+                            <m:r>
+                              <a:rPr lang="en-US" b="0" i="1" smtClean="0">
+                                <a:latin typeface="Cambria Math" panose="02040503050406030204" pitchFamily="18" charset="0"/>
+                              </a:rPr>
+                              <m:t>𝑖</m:t>
+                            </m:r>
+                          </m:sub>
+                        </m:sSub>
+                      </m:e>
+                    </m:d>
+                    <m:r>
+                      <a:rPr lang="en-US" b="0" i="1" smtClean="0">
+                        <a:latin typeface="Cambria Math" panose="02040503050406030204" pitchFamily="18" charset="0"/>
+                      </a:rPr>
+                      <m:t>=0</m:t>
+                    </m:r>
+                  </m:oMath>
+                </a14:m>
+                <a:endParaRPr lang="en-US" dirty="0"/>
+              </a:p>
+            </p:txBody>
+          </p:sp>
+        </mc:Choice>
+        <mc:Fallback>
+          <p:sp>
+            <p:nvSpPr>
+              <p:cNvPr id="3" name="Content Placeholder 2">
+                <a:extLst>
+                  <a:ext uri="{FF2B5EF4-FFF2-40B4-BE49-F238E27FC236}">
+                    <a16:creationId xmlns:a16="http://schemas.microsoft.com/office/drawing/2014/main" id="{2024F43F-D0AF-528E-7056-3C6563BA849D}"/>
+                  </a:ext>
+                </a:extLst>
+              </p:cNvPr>
+              <p:cNvSpPr>
+                <a:spLocks noGrp="1" noRot="1" noChangeAspect="1" noMove="1" noResize="1" noEditPoints="1" noAdjustHandles="1" noChangeArrowheads="1" noChangeShapeType="1" noTextEdit="1"/>
+              </p:cNvSpPr>
+              <p:nvPr>
+                <p:ph idx="1"/>
+              </p:nvPr>
+            </p:nvSpPr>
+            <p:spPr>
+              <a:blipFill>
+                <a:blip r:embed="rId2"/>
+                <a:stretch>
+                  <a:fillRect l="-1086" t="-2326"/>
+                </a:stretch>
+              </a:blipFill>
+            </p:spPr>
+            <p:txBody>
+              <a:bodyPr/>
+              <a:lstStyle/>
+              <a:p>
+                <a:r>
+                  <a:rPr lang="en-US">
+                    <a:noFill/>
+                  </a:rPr>
+                  <a:t> </a:t>
+                </a:r>
+              </a:p>
+            </p:txBody>
+          </p:sp>
+        </mc:Fallback>
+      </mc:AlternateContent>
+    </p:spTree>
+    <p:extLst>
+      <p:ext uri="{BB962C8B-B14F-4D97-AF65-F5344CB8AC3E}">
+        <p14:creationId xmlns:p14="http://schemas.microsoft.com/office/powerpoint/2010/main" val="412957669"/>
       </p:ext>
     </p:extLst>
   </p:cSld>
@@ -8310,7 +9842,7 @@
               <a:p>
                 <a:r>
                   <a:rPr lang="en-US" dirty="0"/>
-                  <a:t>Our estimated effect</a:t>
+                  <a:t>Our estimated effect for the Two-Way Fixed Effects Estimator</a:t>
                 </a:r>
               </a:p>
               <a:p>
@@ -8636,6 +10168,13 @@
             <a:r>
               <a:rPr lang="en-US" dirty="0"/>
               <a:t>Testing strict exogeneity</a:t>
+            </a:r>
+          </a:p>
+          <a:p>
+            <a:pPr lvl="1"/>
+            <a:r>
+              <a:rPr lang="en-US" dirty="0"/>
+              <a:t>We cannot directly test the strict exogeneity assumption for Fixed Effects</a:t>
             </a:r>
           </a:p>
         </p:txBody>

--- a/Slides/Week_5_Natural_Exp_DD.pptx
+++ b/Slides/Week_5_Natural_Exp_DD.pptx
@@ -21,36 +21,37 @@
     <p:sldId id="307" r:id="rId15"/>
     <p:sldId id="308" r:id="rId16"/>
     <p:sldId id="309" r:id="rId17"/>
-    <p:sldId id="310" r:id="rId18"/>
-    <p:sldId id="300" r:id="rId19"/>
-    <p:sldId id="284" r:id="rId20"/>
-    <p:sldId id="285" r:id="rId21"/>
-    <p:sldId id="286" r:id="rId22"/>
-    <p:sldId id="258" r:id="rId23"/>
-    <p:sldId id="259" r:id="rId24"/>
-    <p:sldId id="263" r:id="rId25"/>
-    <p:sldId id="266" r:id="rId26"/>
-    <p:sldId id="275" r:id="rId27"/>
-    <p:sldId id="265" r:id="rId28"/>
-    <p:sldId id="260" r:id="rId29"/>
-    <p:sldId id="264" r:id="rId30"/>
-    <p:sldId id="261" r:id="rId31"/>
-    <p:sldId id="262" r:id="rId32"/>
-    <p:sldId id="276" r:id="rId33"/>
-    <p:sldId id="280" r:id="rId34"/>
-    <p:sldId id="281" r:id="rId35"/>
-    <p:sldId id="288" r:id="rId36"/>
-    <p:sldId id="277" r:id="rId37"/>
-    <p:sldId id="283" r:id="rId38"/>
-    <p:sldId id="282" r:id="rId39"/>
-    <p:sldId id="267" r:id="rId40"/>
-    <p:sldId id="268" r:id="rId41"/>
-    <p:sldId id="289" r:id="rId42"/>
-    <p:sldId id="291" r:id="rId43"/>
-    <p:sldId id="292" r:id="rId44"/>
-    <p:sldId id="290" r:id="rId45"/>
-    <p:sldId id="293" r:id="rId46"/>
-    <p:sldId id="294" r:id="rId47"/>
+    <p:sldId id="311" r:id="rId18"/>
+    <p:sldId id="310" r:id="rId19"/>
+    <p:sldId id="300" r:id="rId20"/>
+    <p:sldId id="258" r:id="rId21"/>
+    <p:sldId id="259" r:id="rId22"/>
+    <p:sldId id="263" r:id="rId23"/>
+    <p:sldId id="266" r:id="rId24"/>
+    <p:sldId id="275" r:id="rId25"/>
+    <p:sldId id="265" r:id="rId26"/>
+    <p:sldId id="260" r:id="rId27"/>
+    <p:sldId id="264" r:id="rId28"/>
+    <p:sldId id="261" r:id="rId29"/>
+    <p:sldId id="262" r:id="rId30"/>
+    <p:sldId id="276" r:id="rId31"/>
+    <p:sldId id="280" r:id="rId32"/>
+    <p:sldId id="281" r:id="rId33"/>
+    <p:sldId id="288" r:id="rId34"/>
+    <p:sldId id="277" r:id="rId35"/>
+    <p:sldId id="283" r:id="rId36"/>
+    <p:sldId id="282" r:id="rId37"/>
+    <p:sldId id="284" r:id="rId38"/>
+    <p:sldId id="285" r:id="rId39"/>
+    <p:sldId id="286" r:id="rId40"/>
+    <p:sldId id="267" r:id="rId41"/>
+    <p:sldId id="268" r:id="rId42"/>
+    <p:sldId id="289" r:id="rId43"/>
+    <p:sldId id="291" r:id="rId44"/>
+    <p:sldId id="292" r:id="rId45"/>
+    <p:sldId id="290" r:id="rId46"/>
+    <p:sldId id="293" r:id="rId47"/>
+    <p:sldId id="294" r:id="rId48"/>
   </p:sldIdLst>
   <p:sldSz cx="12192000" cy="6858000"/>
   <p:notesSz cx="6858000" cy="9144000"/>
@@ -304,7 +305,7 @@
           <a:p>
             <a:fld id="{05DCEA5D-DE4A-D147-A75E-9AA1588AEF43}" type="datetimeFigureOut">
               <a:rPr lang="en-US" smtClean="0"/>
-              <a:t>3/30/24</a:t>
+              <a:t>9/22/24</a:t>
             </a:fld>
             <a:endParaRPr lang="en-US"/>
           </a:p>
@@ -502,7 +503,7 @@
           <a:p>
             <a:fld id="{05DCEA5D-DE4A-D147-A75E-9AA1588AEF43}" type="datetimeFigureOut">
               <a:rPr lang="en-US" smtClean="0"/>
-              <a:t>3/30/24</a:t>
+              <a:t>9/22/24</a:t>
             </a:fld>
             <a:endParaRPr lang="en-US"/>
           </a:p>
@@ -710,7 +711,7 @@
           <a:p>
             <a:fld id="{05DCEA5D-DE4A-D147-A75E-9AA1588AEF43}" type="datetimeFigureOut">
               <a:rPr lang="en-US" smtClean="0"/>
-              <a:t>3/30/24</a:t>
+              <a:t>9/22/24</a:t>
             </a:fld>
             <a:endParaRPr lang="en-US"/>
           </a:p>
@@ -908,7 +909,7 @@
           <a:p>
             <a:fld id="{05DCEA5D-DE4A-D147-A75E-9AA1588AEF43}" type="datetimeFigureOut">
               <a:rPr lang="en-US" smtClean="0"/>
-              <a:t>3/30/24</a:t>
+              <a:t>9/22/24</a:t>
             </a:fld>
             <a:endParaRPr lang="en-US"/>
           </a:p>
@@ -1183,7 +1184,7 @@
           <a:p>
             <a:fld id="{05DCEA5D-DE4A-D147-A75E-9AA1588AEF43}" type="datetimeFigureOut">
               <a:rPr lang="en-US" smtClean="0"/>
-              <a:t>3/30/24</a:t>
+              <a:t>9/22/24</a:t>
             </a:fld>
             <a:endParaRPr lang="en-US"/>
           </a:p>
@@ -1448,7 +1449,7 @@
           <a:p>
             <a:fld id="{05DCEA5D-DE4A-D147-A75E-9AA1588AEF43}" type="datetimeFigureOut">
               <a:rPr lang="en-US" smtClean="0"/>
-              <a:t>3/30/24</a:t>
+              <a:t>9/22/24</a:t>
             </a:fld>
             <a:endParaRPr lang="en-US"/>
           </a:p>
@@ -1860,7 +1861,7 @@
           <a:p>
             <a:fld id="{05DCEA5D-DE4A-D147-A75E-9AA1588AEF43}" type="datetimeFigureOut">
               <a:rPr lang="en-US" smtClean="0"/>
-              <a:t>3/30/24</a:t>
+              <a:t>9/22/24</a:t>
             </a:fld>
             <a:endParaRPr lang="en-US"/>
           </a:p>
@@ -2001,7 +2002,7 @@
           <a:p>
             <a:fld id="{05DCEA5D-DE4A-D147-A75E-9AA1588AEF43}" type="datetimeFigureOut">
               <a:rPr lang="en-US" smtClean="0"/>
-              <a:t>3/30/24</a:t>
+              <a:t>9/22/24</a:t>
             </a:fld>
             <a:endParaRPr lang="en-US"/>
           </a:p>
@@ -2114,7 +2115,7 @@
           <a:p>
             <a:fld id="{05DCEA5D-DE4A-D147-A75E-9AA1588AEF43}" type="datetimeFigureOut">
               <a:rPr lang="en-US" smtClean="0"/>
-              <a:t>3/30/24</a:t>
+              <a:t>9/22/24</a:t>
             </a:fld>
             <a:endParaRPr lang="en-US"/>
           </a:p>
@@ -2425,7 +2426,7 @@
           <a:p>
             <a:fld id="{05DCEA5D-DE4A-D147-A75E-9AA1588AEF43}" type="datetimeFigureOut">
               <a:rPr lang="en-US" smtClean="0"/>
-              <a:t>3/30/24</a:t>
+              <a:t>9/22/24</a:t>
             </a:fld>
             <a:endParaRPr lang="en-US"/>
           </a:p>
@@ -2713,7 +2714,7 @@
           <a:p>
             <a:fld id="{05DCEA5D-DE4A-D147-A75E-9AA1588AEF43}" type="datetimeFigureOut">
               <a:rPr lang="en-US" smtClean="0"/>
-              <a:t>3/30/24</a:t>
+              <a:t>9/22/24</a:t>
             </a:fld>
             <a:endParaRPr lang="en-US"/>
           </a:p>
@@ -2954,7 +2955,7 @@
           <a:p>
             <a:fld id="{05DCEA5D-DE4A-D147-A75E-9AA1588AEF43}" type="datetimeFigureOut">
               <a:rPr lang="en-US" smtClean="0"/>
-              <a:t>3/30/24</a:t>
+              <a:t>9/22/24</a:t>
             </a:fld>
             <a:endParaRPr lang="en-US"/>
           </a:p>
@@ -3503,8 +3504,8 @@
           </a:p>
         </p:txBody>
       </p:sp>
-      <mc:AlternateContent xmlns:mc="http://schemas.openxmlformats.org/markup-compatibility/2006">
-        <mc:Choice xmlns:a14="http://schemas.microsoft.com/office/drawing/2010/main" Requires="a14">
+      <mc:AlternateContent xmlns:mc="http://schemas.openxmlformats.org/markup-compatibility/2006" xmlns:a14="http://schemas.microsoft.com/office/drawing/2010/main">
+        <mc:Choice Requires="a14">
           <p:sp>
             <p:nvSpPr>
               <p:cNvPr id="3" name="Content Placeholder 2">
@@ -4036,7 +4037,7 @@
             </p:txBody>
           </p:sp>
         </mc:Choice>
-        <mc:Fallback>
+        <mc:Fallback xmlns="">
           <p:sp>
             <p:nvSpPr>
               <p:cNvPr id="3" name="Content Placeholder 2">
@@ -4138,8 +4139,8 @@
           </a:p>
         </p:txBody>
       </p:sp>
-      <mc:AlternateContent xmlns:mc="http://schemas.openxmlformats.org/markup-compatibility/2006">
-        <mc:Choice xmlns:a14="http://schemas.microsoft.com/office/drawing/2010/main" Requires="a14">
+      <mc:AlternateContent xmlns:mc="http://schemas.openxmlformats.org/markup-compatibility/2006" xmlns:a14="http://schemas.microsoft.com/office/drawing/2010/main">
+        <mc:Choice Requires="a14">
           <p:sp>
             <p:nvSpPr>
               <p:cNvPr id="3" name="Content Placeholder 2">
@@ -4975,7 +4976,7 @@
             </p:txBody>
           </p:sp>
         </mc:Choice>
-        <mc:Fallback>
+        <mc:Fallback xmlns="">
           <p:sp>
             <p:nvSpPr>
               <p:cNvPr id="3" name="Content Placeholder 2">
@@ -5415,7 +5416,7 @@
               <a:p>
                 <a:r>
                   <a:rPr lang="en-US" dirty="0"/>
-                  <a:t>The Fundamental Problem</a:t>
+                  <a:t>The Fundamental Problem of Causal Inference</a:t>
                 </a:r>
                 <a:endParaRPr lang="en-US" dirty="0">
                   <a:effectLst/>
@@ -5612,7 +5613,6 @@
                 </a:r>
               </a:p>
               <a:p>
-                <a:pPr marL="285750" indent="-285750"/>
                 <a:r>
                   <a:rPr lang="en-US" dirty="0">
                     <a:solidFill>
@@ -5621,7 +5621,7 @@
                     <a:latin typeface="Calibri" panose="020F0502020204030204" pitchFamily="34" charset="0"/>
                     <a:cs typeface="Calibri" panose="020F0502020204030204" pitchFamily="34" charset="0"/>
                   </a:rPr>
-                  <a:t>We will focus on the average treatment effects </a:t>
+                  <a:t>We will focus on the average treatment effects or </a:t>
                 </a:r>
                 <a14:m>
                   <m:oMath xmlns:m="http://schemas.openxmlformats.org/officeDocument/2006/math">
@@ -6496,7 +6496,7 @@
               <a:p>
                 <a:r>
                   <a:rPr lang="en-US" dirty="0"/>
-                  <a:t>Let’s go back to the simple difference in means/outcomes</a:t>
+                  <a:t>Let’s go back to the simple difference in outcomes/means</a:t>
                 </a:r>
               </a:p>
               <a:p>
@@ -6653,7 +6653,7 @@
               <a:p>
                 <a:r>
                   <a:rPr lang="en-US" dirty="0"/>
-                  <a:t>Simple difference in outcomes/mean</a:t>
+                  <a:t>Simple difference in outcomes/means (SDO)</a:t>
                 </a:r>
               </a:p>
               <a:p>
@@ -6911,7 +6911,7 @@
               <a:p>
                 <a:r>
                   <a:rPr lang="en-US" dirty="0"/>
-                  <a:t>From our example</a:t>
+                  <a:t>From our example the SDO</a:t>
                 </a:r>
               </a:p>
               <a:p>
@@ -6927,6 +6927,13 @@
                   </m:oMath>
                 </a14:m>
                 <a:endParaRPr lang="en-US" dirty="0"/>
+              </a:p>
+              <a:p>
+                <a:pPr lvl="1"/>
+                <a:r>
+                  <a:rPr lang="en-US" dirty="0"/>
+                  <a:t>This implies that going to the hospital reduces lowers reported health</a:t>
+                </a:r>
               </a:p>
             </p:txBody>
           </p:sp>
@@ -7029,8 +7036,8 @@
           </a:p>
         </p:txBody>
       </p:sp>
-      <mc:AlternateContent xmlns:mc="http://schemas.openxmlformats.org/markup-compatibility/2006">
-        <mc:Choice xmlns:a14="http://schemas.microsoft.com/office/drawing/2010/main" Requires="a14">
+      <mc:AlternateContent xmlns:mc="http://schemas.openxmlformats.org/markup-compatibility/2006" xmlns:a14="http://schemas.microsoft.com/office/drawing/2010/main">
+        <mc:Choice Requires="a14">
           <p:sp>
             <p:nvSpPr>
               <p:cNvPr id="3" name="Content Placeholder 2">
@@ -7550,7 +7557,7 @@
             </p:txBody>
           </p:sp>
         </mc:Choice>
-        <mc:Fallback>
+        <mc:Fallback xmlns="">
           <p:sp>
             <p:nvSpPr>
               <p:cNvPr id="3" name="Content Placeholder 2">
@@ -7878,9 +7885,23 @@
                 <a:endParaRPr lang="en-US" dirty="0"/>
               </a:p>
               <a:p>
+                <a:pPr lvl="1"/>
+                <a:r>
+                  <a:rPr lang="en-US" dirty="0"/>
+                  <a:t>This means the potential outcomes in absence of treatment between treatment and control groups are not the same</a:t>
+                </a:r>
+              </a:p>
+              <a:p>
                 <a:r>
                   <a:rPr lang="en-US" dirty="0"/>
                   <a:t>Self-Selection and Selection Bias</a:t>
+                </a:r>
+              </a:p>
+              <a:p>
+                <a:pPr lvl="1"/>
+                <a:r>
+                  <a:rPr lang="en-US" dirty="0"/>
+                  <a:t>Economic agents will seek out utility-maximizing choices (or self-selection)</a:t>
                 </a:r>
               </a:p>
               <a:p>
@@ -8008,7 +8029,7 @@
               <a:blipFill>
                 <a:blip r:embed="rId2"/>
                 <a:stretch>
-                  <a:fillRect l="-1086" t="-2168"/>
+                  <a:fillRect l="-1086" t="-2168" b="-1626"/>
                 </a:stretch>
               </a:blipFill>
             </p:spPr>
@@ -8062,6 +8083,2397 @@
           <p:cNvPr id="2" name="Title 1">
             <a:extLst>
               <a:ext uri="{FF2B5EF4-FFF2-40B4-BE49-F238E27FC236}">
+                <a16:creationId xmlns:a16="http://schemas.microsoft.com/office/drawing/2014/main" id="{64ACA679-E339-7376-097F-4C0C1DAB51B6}"/>
+              </a:ext>
+            </a:extLst>
+          </p:cNvPr>
+          <p:cNvSpPr>
+            <a:spLocks noGrp="1"/>
+          </p:cNvSpPr>
+          <p:nvPr>
+            <p:ph type="title"/>
+          </p:nvPr>
+        </p:nvSpPr>
+        <p:spPr/>
+        <p:txBody>
+          <a:bodyPr/>
+          <a:lstStyle/>
+          <a:p>
+            <a:r>
+              <a:rPr lang="en-US" dirty="0"/>
+              <a:t>Selection Bias</a:t>
+            </a:r>
+          </a:p>
+        </p:txBody>
+      </p:sp>
+      <mc:AlternateContent xmlns:mc="http://schemas.openxmlformats.org/markup-compatibility/2006">
+        <mc:Choice xmlns:a14="http://schemas.microsoft.com/office/drawing/2010/main" Requires="a14">
+          <p:sp>
+            <p:nvSpPr>
+              <p:cNvPr id="3" name="Content Placeholder 2">
+                <a:extLst>
+                  <a:ext uri="{FF2B5EF4-FFF2-40B4-BE49-F238E27FC236}">
+                    <a16:creationId xmlns:a16="http://schemas.microsoft.com/office/drawing/2014/main" id="{0B41DAE9-DAB6-DD88-FF32-070578CC2A08}"/>
+                  </a:ext>
+                </a:extLst>
+              </p:cNvPr>
+              <p:cNvSpPr>
+                <a:spLocks noGrp="1"/>
+              </p:cNvSpPr>
+              <p:nvPr>
+                <p:ph idx="1"/>
+              </p:nvPr>
+            </p:nvSpPr>
+            <p:spPr/>
+            <p:txBody>
+              <a:bodyPr>
+                <a:normAutofit lnSpcReduction="10000"/>
+              </a:bodyPr>
+              <a:lstStyle/>
+              <a:p>
+                <a:r>
+                  <a:rPr lang="en-US" dirty="0"/>
+                  <a:t>Visualize when</a:t>
+                </a:r>
+                <a:br>
+                  <a:rPr lang="en-US" dirty="0"/>
+                </a:br>
+                <a14:m>
+                  <m:oMath xmlns:m="http://schemas.openxmlformats.org/officeDocument/2006/math">
+                    <m:r>
+                      <a:rPr lang="en-US" b="0" i="1" smtClean="0">
+                        <a:latin typeface="Cambria Math" panose="02040503050406030204" pitchFamily="18" charset="0"/>
+                      </a:rPr>
+                      <m:t>𝐸</m:t>
+                    </m:r>
+                    <m:d>
+                      <m:dPr>
+                        <m:begChr m:val="["/>
+                        <m:endChr m:val="]"/>
+                        <m:ctrlPr>
+                          <a:rPr lang="en-US" b="0" i="1" smtClean="0">
+                            <a:latin typeface="Cambria Math" panose="02040503050406030204" pitchFamily="18" charset="0"/>
+                          </a:rPr>
+                        </m:ctrlPr>
+                      </m:dPr>
+                      <m:e>
+                        <m:sSup>
+                          <m:sSupPr>
+                            <m:ctrlPr>
+                              <a:rPr lang="en-US" b="0" i="1" smtClean="0">
+                                <a:latin typeface="Cambria Math" panose="02040503050406030204" pitchFamily="18" charset="0"/>
+                              </a:rPr>
+                            </m:ctrlPr>
+                          </m:sSupPr>
+                          <m:e>
+                            <m:r>
+                              <a:rPr lang="en-US" b="0" i="1" smtClean="0">
+                                <a:latin typeface="Cambria Math" panose="02040503050406030204" pitchFamily="18" charset="0"/>
+                              </a:rPr>
+                              <m:t>𝑌</m:t>
+                            </m:r>
+                          </m:e>
+                          <m:sup>
+                            <m:r>
+                              <a:rPr lang="en-US" b="0" i="1" smtClean="0">
+                                <a:latin typeface="Cambria Math" panose="02040503050406030204" pitchFamily="18" charset="0"/>
+                              </a:rPr>
+                              <m:t>0</m:t>
+                            </m:r>
+                          </m:sup>
+                        </m:sSup>
+                      </m:e>
+                      <m:e>
+                        <m:sSub>
+                          <m:sSubPr>
+                            <m:ctrlPr>
+                              <a:rPr lang="en-US" b="0" i="1" smtClean="0">
+                                <a:latin typeface="Cambria Math" panose="02040503050406030204" pitchFamily="18" charset="0"/>
+                              </a:rPr>
+                            </m:ctrlPr>
+                          </m:sSubPr>
+                          <m:e>
+                            <m:r>
+                              <a:rPr lang="en-US" b="0" i="1" smtClean="0">
+                                <a:latin typeface="Cambria Math" panose="02040503050406030204" pitchFamily="18" charset="0"/>
+                              </a:rPr>
+                              <m:t>𝐷</m:t>
+                            </m:r>
+                          </m:e>
+                          <m:sub>
+                            <m:r>
+                              <a:rPr lang="en-US" b="0" i="1" smtClean="0">
+                                <a:latin typeface="Cambria Math" panose="02040503050406030204" pitchFamily="18" charset="0"/>
+                              </a:rPr>
+                              <m:t>𝑖</m:t>
+                            </m:r>
+                          </m:sub>
+                        </m:sSub>
+                        <m:r>
+                          <a:rPr lang="en-US" b="0" i="1" smtClean="0">
+                            <a:latin typeface="Cambria Math" panose="02040503050406030204" pitchFamily="18" charset="0"/>
+                          </a:rPr>
+                          <m:t>=1</m:t>
+                        </m:r>
+                      </m:e>
+                    </m:d>
+                    <m:r>
+                      <a:rPr lang="en-US" b="0" i="1" smtClean="0">
+                        <a:latin typeface="Cambria Math" panose="02040503050406030204" pitchFamily="18" charset="0"/>
+                      </a:rPr>
+                      <m:t>−</m:t>
+                    </m:r>
+                  </m:oMath>
+                </a14:m>
+                <a:r>
+                  <a:rPr lang="en-US" b="0" i="1" dirty="0">
+                    <a:latin typeface="Cambria Math" panose="02040503050406030204" pitchFamily="18" charset="0"/>
+                  </a:rPr>
+                  <a:t> </a:t>
+                </a:r>
+                <a:br>
+                  <a:rPr lang="en-US" b="0" i="1" dirty="0">
+                    <a:latin typeface="Cambria Math" panose="02040503050406030204" pitchFamily="18" charset="0"/>
+                  </a:rPr>
+                </a:br>
+                <a14:m>
+                  <m:oMath xmlns:m="http://schemas.openxmlformats.org/officeDocument/2006/math">
+                    <m:r>
+                      <a:rPr lang="en-US" b="0" i="1" smtClean="0">
+                        <a:latin typeface="Cambria Math" panose="02040503050406030204" pitchFamily="18" charset="0"/>
+                      </a:rPr>
+                      <m:t>𝐸</m:t>
+                    </m:r>
+                    <m:d>
+                      <m:dPr>
+                        <m:begChr m:val="["/>
+                        <m:endChr m:val="]"/>
+                        <m:ctrlPr>
+                          <a:rPr lang="en-US" b="0" i="1" smtClean="0">
+                            <a:latin typeface="Cambria Math" panose="02040503050406030204" pitchFamily="18" charset="0"/>
+                          </a:rPr>
+                        </m:ctrlPr>
+                      </m:dPr>
+                      <m:e>
+                        <m:sSup>
+                          <m:sSupPr>
+                            <m:ctrlPr>
+                              <a:rPr lang="en-US" b="0" i="1" smtClean="0">
+                                <a:latin typeface="Cambria Math" panose="02040503050406030204" pitchFamily="18" charset="0"/>
+                              </a:rPr>
+                            </m:ctrlPr>
+                          </m:sSupPr>
+                          <m:e>
+                            <m:r>
+                              <a:rPr lang="en-US" b="0" i="1" smtClean="0">
+                                <a:latin typeface="Cambria Math" panose="02040503050406030204" pitchFamily="18" charset="0"/>
+                              </a:rPr>
+                              <m:t>𝑌</m:t>
+                            </m:r>
+                          </m:e>
+                          <m:sup>
+                            <m:r>
+                              <a:rPr lang="en-US" b="0" i="1" smtClean="0">
+                                <a:latin typeface="Cambria Math" panose="02040503050406030204" pitchFamily="18" charset="0"/>
+                              </a:rPr>
+                              <m:t>0</m:t>
+                            </m:r>
+                          </m:sup>
+                        </m:sSup>
+                      </m:e>
+                      <m:e>
+                        <m:sSub>
+                          <m:sSubPr>
+                            <m:ctrlPr>
+                              <a:rPr lang="en-US" b="0" i="1" smtClean="0">
+                                <a:latin typeface="Cambria Math" panose="02040503050406030204" pitchFamily="18" charset="0"/>
+                              </a:rPr>
+                            </m:ctrlPr>
+                          </m:sSubPr>
+                          <m:e>
+                            <m:r>
+                              <a:rPr lang="en-US" b="0" i="1" smtClean="0">
+                                <a:latin typeface="Cambria Math" panose="02040503050406030204" pitchFamily="18" charset="0"/>
+                              </a:rPr>
+                              <m:t>𝐷</m:t>
+                            </m:r>
+                          </m:e>
+                          <m:sub>
+                            <m:r>
+                              <a:rPr lang="en-US" b="0" i="1" smtClean="0">
+                                <a:latin typeface="Cambria Math" panose="02040503050406030204" pitchFamily="18" charset="0"/>
+                              </a:rPr>
+                              <m:t>𝑖</m:t>
+                            </m:r>
+                          </m:sub>
+                        </m:sSub>
+                        <m:r>
+                          <a:rPr lang="en-US" b="0" i="1" smtClean="0">
+                            <a:latin typeface="Cambria Math" panose="02040503050406030204" pitchFamily="18" charset="0"/>
+                          </a:rPr>
+                          <m:t>=0</m:t>
+                        </m:r>
+                      </m:e>
+                    </m:d>
+                    <m:r>
+                      <a:rPr lang="en-US" b="0" i="1" smtClean="0">
+                        <a:latin typeface="Cambria Math" panose="02040503050406030204" pitchFamily="18" charset="0"/>
+                      </a:rPr>
+                      <m:t>≠0</m:t>
+                    </m:r>
+                  </m:oMath>
+                </a14:m>
+                <a:r>
+                  <a:rPr lang="en-US" dirty="0"/>
+                  <a:t> </a:t>
+                </a:r>
+              </a:p>
+              <a:p>
+                <a:r>
+                  <a:rPr lang="en-US" dirty="0"/>
+                  <a:t>The average expected</a:t>
+                </a:r>
+                <a:br>
+                  <a:rPr lang="en-US" dirty="0"/>
+                </a:br>
+                <a:r>
+                  <a:rPr lang="en-US" dirty="0"/>
+                  <a:t>outcome of </a:t>
+                </a:r>
+                <a14:m>
+                  <m:oMath xmlns:m="http://schemas.openxmlformats.org/officeDocument/2006/math">
+                    <m:sSup>
+                      <m:sSupPr>
+                        <m:ctrlPr>
+                          <a:rPr lang="en-US" b="0" i="1" smtClean="0">
+                            <a:latin typeface="Cambria Math" panose="02040503050406030204" pitchFamily="18" charset="0"/>
+                          </a:rPr>
+                        </m:ctrlPr>
+                      </m:sSupPr>
+                      <m:e>
+                        <m:r>
+                          <a:rPr lang="en-US" b="0" i="1" smtClean="0">
+                            <a:latin typeface="Cambria Math" panose="02040503050406030204" pitchFamily="18" charset="0"/>
+                          </a:rPr>
+                          <m:t>𝑌</m:t>
+                        </m:r>
+                      </m:e>
+                      <m:sup>
+                        <m:r>
+                          <a:rPr lang="en-US" b="0" i="1" smtClean="0">
+                            <a:latin typeface="Cambria Math" panose="02040503050406030204" pitchFamily="18" charset="0"/>
+                          </a:rPr>
+                          <m:t>0</m:t>
+                        </m:r>
+                      </m:sup>
+                    </m:sSup>
+                  </m:oMath>
+                </a14:m>
+                <a:r>
+                  <a:rPr lang="en-US" dirty="0"/>
+                  <a:t> is not</a:t>
+                </a:r>
+                <a:br>
+                  <a:rPr lang="en-US" dirty="0"/>
+                </a:br>
+                <a:r>
+                  <a:rPr lang="en-US" dirty="0"/>
+                  <a:t>the same between</a:t>
+                </a:r>
+                <a:br>
+                  <a:rPr lang="en-US" dirty="0"/>
+                </a:br>
+                <a:r>
+                  <a:rPr lang="en-US" dirty="0"/>
+                  <a:t>groups</a:t>
+                </a:r>
+              </a:p>
+              <a:p>
+                <a:r>
+                  <a:rPr lang="en-US" dirty="0"/>
+                  <a:t>This means that</a:t>
+                </a:r>
+                <a:br>
+                  <a:rPr lang="en-US" dirty="0"/>
+                </a:br>
+                <a:r>
+                  <a:rPr lang="en-US" dirty="0"/>
+                  <a:t>there is self-selection</a:t>
+                </a:r>
+                <a:br>
+                  <a:rPr lang="en-US" dirty="0"/>
+                </a:br>
+                <a:r>
+                  <a:rPr lang="en-US" dirty="0"/>
+                  <a:t>in the observational</a:t>
+                </a:r>
+                <a:br>
+                  <a:rPr lang="en-US" dirty="0"/>
+                </a:br>
+                <a:r>
+                  <a:rPr lang="en-US" dirty="0"/>
+                  <a:t>data</a:t>
+                </a:r>
+              </a:p>
+            </p:txBody>
+          </p:sp>
+        </mc:Choice>
+        <mc:Fallback>
+          <p:sp>
+            <p:nvSpPr>
+              <p:cNvPr id="3" name="Content Placeholder 2">
+                <a:extLst>
+                  <a:ext uri="{FF2B5EF4-FFF2-40B4-BE49-F238E27FC236}">
+                    <a16:creationId xmlns:a16="http://schemas.microsoft.com/office/drawing/2014/main" id="{0B41DAE9-DAB6-DD88-FF32-070578CC2A08}"/>
+                  </a:ext>
+                </a:extLst>
+              </p:cNvPr>
+              <p:cNvSpPr>
+                <a:spLocks noGrp="1" noRot="1" noChangeAspect="1" noMove="1" noResize="1" noEditPoints="1" noAdjustHandles="1" noChangeArrowheads="1" noChangeShapeType="1" noTextEdit="1"/>
+              </p:cNvSpPr>
+              <p:nvPr>
+                <p:ph idx="1"/>
+              </p:nvPr>
+            </p:nvSpPr>
+            <p:spPr>
+              <a:blipFill>
+                <a:blip r:embed="rId2"/>
+                <a:stretch>
+                  <a:fillRect l="-1086" t="-3198"/>
+                </a:stretch>
+              </a:blipFill>
+            </p:spPr>
+            <p:txBody>
+              <a:bodyPr/>
+              <a:lstStyle/>
+              <a:p>
+                <a:r>
+                  <a:rPr lang="en-US">
+                    <a:noFill/>
+                  </a:rPr>
+                  <a:t> </a:t>
+                </a:r>
+              </a:p>
+            </p:txBody>
+          </p:sp>
+        </mc:Fallback>
+      </mc:AlternateContent>
+      <p:graphicFrame>
+        <p:nvGraphicFramePr>
+          <p:cNvPr id="5" name="Table 4">
+            <a:extLst>
+              <a:ext uri="{FF2B5EF4-FFF2-40B4-BE49-F238E27FC236}">
+                <a16:creationId xmlns:a16="http://schemas.microsoft.com/office/drawing/2014/main" id="{5AAA786A-5AAF-AE36-442A-47102A9DEF60}"/>
+              </a:ext>
+            </a:extLst>
+          </p:cNvPr>
+          <p:cNvGraphicFramePr>
+            <a:graphicFrameLocks noGrp="1"/>
+          </p:cNvGraphicFramePr>
+          <p:nvPr>
+            <p:extLst>
+              <p:ext uri="{D42A27DB-BD31-4B8C-83A1-F6EECF244321}">
+                <p14:modId xmlns:p14="http://schemas.microsoft.com/office/powerpoint/2010/main" val="1254315250"/>
+              </p:ext>
+            </p:extLst>
+          </p:nvPr>
+        </p:nvGraphicFramePr>
+        <p:xfrm>
+          <a:off x="4447309" y="1399743"/>
+          <a:ext cx="6906492" cy="4426906"/>
+        </p:xfrm>
+        <a:graphic>
+          <a:graphicData uri="http://schemas.openxmlformats.org/drawingml/2006/table">
+            <a:tbl>
+              <a:tblPr firstRow="1" bandRow="1">
+                <a:tableStyleId>{5C22544A-7EE6-4342-B048-85BDC9FD1C3A}</a:tableStyleId>
+              </a:tblPr>
+              <a:tblGrid>
+                <a:gridCol w="966355">
+                  <a:extLst>
+                    <a:ext uri="{9D8B030D-6E8A-4147-A177-3AD203B41FA5}">
+                      <a16:colId xmlns:a16="http://schemas.microsoft.com/office/drawing/2014/main" val="4219830415"/>
+                    </a:ext>
+                  </a:extLst>
+                </a:gridCol>
+                <a:gridCol w="1350818">
+                  <a:extLst>
+                    <a:ext uri="{9D8B030D-6E8A-4147-A177-3AD203B41FA5}">
+                      <a16:colId xmlns:a16="http://schemas.microsoft.com/office/drawing/2014/main" val="1643955977"/>
+                    </a:ext>
+                  </a:extLst>
+                </a:gridCol>
+                <a:gridCol w="1136073">
+                  <a:extLst>
+                    <a:ext uri="{9D8B030D-6E8A-4147-A177-3AD203B41FA5}">
+                      <a16:colId xmlns:a16="http://schemas.microsoft.com/office/drawing/2014/main" val="2163765582"/>
+                    </a:ext>
+                  </a:extLst>
+                </a:gridCol>
+                <a:gridCol w="1151082">
+                  <a:extLst>
+                    <a:ext uri="{9D8B030D-6E8A-4147-A177-3AD203B41FA5}">
+                      <a16:colId xmlns:a16="http://schemas.microsoft.com/office/drawing/2014/main" val="1196769310"/>
+                    </a:ext>
+                  </a:extLst>
+                </a:gridCol>
+                <a:gridCol w="1151082">
+                  <a:extLst>
+                    <a:ext uri="{9D8B030D-6E8A-4147-A177-3AD203B41FA5}">
+                      <a16:colId xmlns:a16="http://schemas.microsoft.com/office/drawing/2014/main" val="647725608"/>
+                    </a:ext>
+                  </a:extLst>
+                </a:gridCol>
+                <a:gridCol w="1151082">
+                  <a:extLst>
+                    <a:ext uri="{9D8B030D-6E8A-4147-A177-3AD203B41FA5}">
+                      <a16:colId xmlns:a16="http://schemas.microsoft.com/office/drawing/2014/main" val="1223970246"/>
+                    </a:ext>
+                  </a:extLst>
+                </a:gridCol>
+              </a:tblGrid>
+              <a:tr h="402446">
+                <a:tc>
+                  <a:txBody>
+                    <a:bodyPr/>
+                    <a:lstStyle/>
+                    <a:p>
+                      <a:pPr algn="l" defTabSz="457200">
+                        <a:defRPr b="0"/>
+                      </a:pPr>
+                      <a:r>
+                        <a:rPr sz="1800" b="1" dirty="0"/>
+                        <a:t>Patient</a:t>
+                      </a:r>
+                    </a:p>
+                  </a:txBody>
+                  <a:tcPr marL="50800" marR="50800" marT="50800" marB="50800" horzOverflow="overflow">
+                    <a:lnL w="12700" cap="flat" cmpd="sng" algn="ctr">
+                      <a:solidFill>
+                        <a:schemeClr val="tx1"/>
+                      </a:solidFill>
+                      <a:prstDash val="solid"/>
+                      <a:round/>
+                      <a:headEnd type="none" w="med" len="med"/>
+                      <a:tailEnd type="none" w="med" len="med"/>
+                    </a:lnL>
+                    <a:lnR w="12700" cap="flat" cmpd="sng" algn="ctr">
+                      <a:solidFill>
+                        <a:schemeClr val="tx1"/>
+                      </a:solidFill>
+                      <a:prstDash val="solid"/>
+                      <a:round/>
+                      <a:headEnd type="none" w="med" len="med"/>
+                      <a:tailEnd type="none" w="med" len="med"/>
+                    </a:lnR>
+                    <a:lnT w="12700" cap="flat" cmpd="sng" algn="ctr">
+                      <a:solidFill>
+                        <a:schemeClr val="tx1"/>
+                      </a:solidFill>
+                      <a:prstDash val="solid"/>
+                      <a:round/>
+                      <a:headEnd type="none" w="med" len="med"/>
+                      <a:tailEnd type="none" w="med" len="med"/>
+                    </a:lnT>
+                  </a:tcPr>
+                </a:tc>
+                <a:tc>
+                  <a:txBody>
+                    <a:bodyPr/>
+                    <a:lstStyle/>
+                    <a:p>
+                      <a:pPr defTabSz="457200"/>
+                      <a:r>
+                        <a:rPr lang="en-US" sz="1800" baseline="0" dirty="0"/>
+                        <a:t>D/Treatment</a:t>
+                      </a:r>
+                      <a:endParaRPr sz="1800" baseline="0" dirty="0"/>
+                    </a:p>
+                  </a:txBody>
+                  <a:tcPr marL="50800" marR="50800" marT="50800" marB="50800" horzOverflow="overflow">
+                    <a:lnL w="12700" cap="flat" cmpd="sng" algn="ctr">
+                      <a:solidFill>
+                        <a:schemeClr val="tx1"/>
+                      </a:solidFill>
+                      <a:prstDash val="solid"/>
+                      <a:round/>
+                      <a:headEnd type="none" w="med" len="med"/>
+                      <a:tailEnd type="none" w="med" len="med"/>
+                    </a:lnL>
+                    <a:lnR w="12700" cap="flat" cmpd="sng" algn="ctr">
+                      <a:solidFill>
+                        <a:schemeClr val="tx1"/>
+                      </a:solidFill>
+                      <a:prstDash val="solid"/>
+                      <a:round/>
+                      <a:headEnd type="none" w="med" len="med"/>
+                      <a:tailEnd type="none" w="med" len="med"/>
+                    </a:lnR>
+                    <a:lnT w="12700" cap="flat" cmpd="sng" algn="ctr">
+                      <a:solidFill>
+                        <a:schemeClr val="tx1"/>
+                      </a:solidFill>
+                      <a:prstDash val="solid"/>
+                      <a:round/>
+                      <a:headEnd type="none" w="med" len="med"/>
+                      <a:tailEnd type="none" w="med" len="med"/>
+                    </a:lnT>
+                  </a:tcPr>
+                </a:tc>
+                <a:tc>
+                  <a:txBody>
+                    <a:bodyPr/>
+                    <a:lstStyle/>
+                    <a:p>
+                      <a:pPr defTabSz="457200"/>
+                      <a:r>
+                        <a:rPr sz="1800" dirty="0"/>
+                        <a:t>Y</a:t>
+                      </a:r>
+                      <a:r>
+                        <a:rPr sz="1800" baseline="30000" dirty="0"/>
+                        <a:t>1</a:t>
+                      </a:r>
+                    </a:p>
+                  </a:txBody>
+                  <a:tcPr marL="50800" marR="50800" marT="50800" marB="50800" horzOverflow="overflow">
+                    <a:lnL w="12700" cap="flat" cmpd="sng" algn="ctr">
+                      <a:solidFill>
+                        <a:schemeClr val="tx1"/>
+                      </a:solidFill>
+                      <a:prstDash val="solid"/>
+                      <a:round/>
+                      <a:headEnd type="none" w="med" len="med"/>
+                      <a:tailEnd type="none" w="med" len="med"/>
+                    </a:lnL>
+                    <a:lnT w="12700" cap="flat" cmpd="sng" algn="ctr">
+                      <a:solidFill>
+                        <a:schemeClr val="tx1"/>
+                      </a:solidFill>
+                      <a:prstDash val="solid"/>
+                      <a:round/>
+                      <a:headEnd type="none" w="med" len="med"/>
+                      <a:tailEnd type="none" w="med" len="med"/>
+                    </a:lnT>
+                  </a:tcPr>
+                </a:tc>
+                <a:tc>
+                  <a:txBody>
+                    <a:bodyPr/>
+                    <a:lstStyle/>
+                    <a:p>
+                      <a:pPr defTabSz="457200"/>
+                      <a:r>
+                        <a:rPr sz="1800" dirty="0"/>
+                        <a:t>Y</a:t>
+                      </a:r>
+                      <a:r>
+                        <a:rPr sz="1800" baseline="30000" dirty="0"/>
+                        <a:t>0</a:t>
+                      </a:r>
+                    </a:p>
+                  </a:txBody>
+                  <a:tcPr marL="50800" marR="50800" marT="50800" marB="50800" horzOverflow="overflow">
+                    <a:lnT w="12700" cap="flat" cmpd="sng" algn="ctr">
+                      <a:solidFill>
+                        <a:schemeClr val="tx1"/>
+                      </a:solidFill>
+                      <a:prstDash val="solid"/>
+                      <a:round/>
+                      <a:headEnd type="none" w="med" len="med"/>
+                      <a:tailEnd type="none" w="med" len="med"/>
+                    </a:lnT>
+                  </a:tcPr>
+                </a:tc>
+                <a:tc>
+                  <a:txBody>
+                    <a:bodyPr/>
+                    <a:lstStyle/>
+                    <a:p>
+                      <a:pPr defTabSz="457200"/>
+                      <a:r>
+                        <a:rPr sz="1800"/>
+                        <a:t>Delta</a:t>
+                      </a:r>
+                    </a:p>
+                  </a:txBody>
+                  <a:tcPr marL="50800" marR="50800" marT="50800" marB="50800" horzOverflow="overflow">
+                    <a:lnT w="12700" cap="flat" cmpd="sng" algn="ctr">
+                      <a:solidFill>
+                        <a:schemeClr val="tx1"/>
+                      </a:solidFill>
+                      <a:prstDash val="solid"/>
+                      <a:round/>
+                      <a:headEnd type="none" w="med" len="med"/>
+                      <a:tailEnd type="none" w="med" len="med"/>
+                    </a:lnT>
+                  </a:tcPr>
+                </a:tc>
+                <a:tc>
+                  <a:txBody>
+                    <a:bodyPr/>
+                    <a:lstStyle/>
+                    <a:p>
+                      <a:pPr defTabSz="457200"/>
+                      <a:r>
+                        <a:rPr sz="1800" dirty="0"/>
+                        <a:t>Y</a:t>
+                      </a:r>
+                    </a:p>
+                  </a:txBody>
+                  <a:tcPr marL="50800" marR="50800" marT="50800" marB="50800" horzOverflow="overflow">
+                    <a:lnR w="12700" cap="flat" cmpd="sng" algn="ctr">
+                      <a:solidFill>
+                        <a:schemeClr val="tx1"/>
+                      </a:solidFill>
+                      <a:prstDash val="solid"/>
+                      <a:round/>
+                      <a:headEnd type="none" w="med" len="med"/>
+                      <a:tailEnd type="none" w="med" len="med"/>
+                    </a:lnR>
+                    <a:lnT w="12700" cap="flat" cmpd="sng" algn="ctr">
+                      <a:solidFill>
+                        <a:schemeClr val="tx1"/>
+                      </a:solidFill>
+                      <a:prstDash val="solid"/>
+                      <a:round/>
+                      <a:headEnd type="none" w="med" len="med"/>
+                      <a:tailEnd type="none" w="med" len="med"/>
+                    </a:lnT>
+                  </a:tcPr>
+                </a:tc>
+                <a:extLst>
+                  <a:ext uri="{0D108BD9-81ED-4DB2-BD59-A6C34878D82A}">
+                    <a16:rowId xmlns:a16="http://schemas.microsoft.com/office/drawing/2014/main" val="1080161823"/>
+                  </a:ext>
+                </a:extLst>
+              </a:tr>
+              <a:tr h="402446">
+                <a:tc>
+                  <a:txBody>
+                    <a:bodyPr/>
+                    <a:lstStyle/>
+                    <a:p>
+                      <a:pPr algn="r" defTabSz="457200">
+                        <a:defRPr b="0"/>
+                      </a:pPr>
+                      <a:r>
+                        <a:rPr sz="1800" b="1" dirty="0"/>
+                        <a:t>1</a:t>
+                      </a:r>
+                    </a:p>
+                  </a:txBody>
+                  <a:tcPr marL="50800" marR="50800" marT="50800" marB="50800" horzOverflow="overflow">
+                    <a:lnL w="12700" cap="flat" cmpd="sng" algn="ctr">
+                      <a:solidFill>
+                        <a:schemeClr val="tx1"/>
+                      </a:solidFill>
+                      <a:prstDash val="solid"/>
+                      <a:round/>
+                      <a:headEnd type="none" w="med" len="med"/>
+                      <a:tailEnd type="none" w="med" len="med"/>
+                    </a:lnL>
+                    <a:lnR w="12700" cap="flat" cmpd="sng" algn="ctr">
+                      <a:solidFill>
+                        <a:schemeClr val="tx1"/>
+                      </a:solidFill>
+                      <a:prstDash val="solid"/>
+                      <a:round/>
+                      <a:headEnd type="none" w="med" len="med"/>
+                      <a:tailEnd type="none" w="med" len="med"/>
+                    </a:lnR>
+                  </a:tcPr>
+                </a:tc>
+                <a:tc>
+                  <a:txBody>
+                    <a:bodyPr/>
+                    <a:lstStyle/>
+                    <a:p>
+                      <a:pPr algn="r" defTabSz="457200"/>
+                      <a:r>
+                        <a:rPr lang="en-US" sz="1800" dirty="0"/>
+                        <a:t>1</a:t>
+                      </a:r>
+                    </a:p>
+                  </a:txBody>
+                  <a:tcPr marL="50800" marR="50800" marT="50800" marB="50800" horzOverflow="overflow">
+                    <a:lnL w="12700" cap="flat" cmpd="sng" algn="ctr">
+                      <a:solidFill>
+                        <a:schemeClr val="tx1"/>
+                      </a:solidFill>
+                      <a:prstDash val="solid"/>
+                      <a:round/>
+                      <a:headEnd type="none" w="med" len="med"/>
+                      <a:tailEnd type="none" w="med" len="med"/>
+                    </a:lnL>
+                    <a:lnR w="12700" cap="flat" cmpd="sng" algn="ctr">
+                      <a:solidFill>
+                        <a:schemeClr val="tx1"/>
+                      </a:solidFill>
+                      <a:prstDash val="solid"/>
+                      <a:round/>
+                      <a:headEnd type="none" w="med" len="med"/>
+                      <a:tailEnd type="none" w="med" len="med"/>
+                    </a:lnR>
+                  </a:tcPr>
+                </a:tc>
+                <a:tc>
+                  <a:txBody>
+                    <a:bodyPr/>
+                    <a:lstStyle/>
+                    <a:p>
+                      <a:pPr algn="r" defTabSz="457200"/>
+                      <a:r>
+                        <a:rPr sz="1800" dirty="0"/>
+                        <a:t>7</a:t>
+                      </a:r>
+                    </a:p>
+                  </a:txBody>
+                  <a:tcPr marL="50800" marR="50800" marT="50800" marB="50800" horzOverflow="overflow">
+                    <a:lnL w="12700" cap="flat" cmpd="sng" algn="ctr">
+                      <a:solidFill>
+                        <a:schemeClr val="tx1"/>
+                      </a:solidFill>
+                      <a:prstDash val="solid"/>
+                      <a:round/>
+                      <a:headEnd type="none" w="med" len="med"/>
+                      <a:tailEnd type="none" w="med" len="med"/>
+                    </a:lnL>
+                  </a:tcPr>
+                </a:tc>
+                <a:tc>
+                  <a:txBody>
+                    <a:bodyPr/>
+                    <a:lstStyle/>
+                    <a:p>
+                      <a:pPr algn="r" defTabSz="457200"/>
+                      <a:r>
+                        <a:rPr sz="1800"/>
+                        <a:t>1</a:t>
+                      </a:r>
+                    </a:p>
+                  </a:txBody>
+                  <a:tcPr marL="50800" marR="50800" marT="50800" marB="50800" horzOverflow="overflow"/>
+                </a:tc>
+                <a:tc>
+                  <a:txBody>
+                    <a:bodyPr/>
+                    <a:lstStyle/>
+                    <a:p>
+                      <a:pPr algn="r" defTabSz="457200"/>
+                      <a:r>
+                        <a:rPr sz="1800"/>
+                        <a:t>6</a:t>
+                      </a:r>
+                    </a:p>
+                  </a:txBody>
+                  <a:tcPr marL="50800" marR="50800" marT="50800" marB="50800" horzOverflow="overflow"/>
+                </a:tc>
+                <a:tc>
+                  <a:txBody>
+                    <a:bodyPr/>
+                    <a:lstStyle/>
+                    <a:p>
+                      <a:pPr algn="r" defTabSz="457200"/>
+                      <a:r>
+                        <a:rPr sz="1800" dirty="0"/>
+                        <a:t>7</a:t>
+                      </a:r>
+                    </a:p>
+                  </a:txBody>
+                  <a:tcPr marL="50800" marR="50800" marT="50800" marB="50800" horzOverflow="overflow">
+                    <a:lnR w="12700" cap="flat" cmpd="sng" algn="ctr">
+                      <a:solidFill>
+                        <a:schemeClr val="tx1"/>
+                      </a:solidFill>
+                      <a:prstDash val="solid"/>
+                      <a:round/>
+                      <a:headEnd type="none" w="med" len="med"/>
+                      <a:tailEnd type="none" w="med" len="med"/>
+                    </a:lnR>
+                  </a:tcPr>
+                </a:tc>
+                <a:extLst>
+                  <a:ext uri="{0D108BD9-81ED-4DB2-BD59-A6C34878D82A}">
+                    <a16:rowId xmlns:a16="http://schemas.microsoft.com/office/drawing/2014/main" val="470708149"/>
+                  </a:ext>
+                </a:extLst>
+              </a:tr>
+              <a:tr h="402446">
+                <a:tc>
+                  <a:txBody>
+                    <a:bodyPr/>
+                    <a:lstStyle/>
+                    <a:p>
+                      <a:pPr algn="r" defTabSz="457200">
+                        <a:defRPr b="0"/>
+                      </a:pPr>
+                      <a:r>
+                        <a:rPr sz="1800" b="1" dirty="0"/>
+                        <a:t>3</a:t>
+                      </a:r>
+                    </a:p>
+                  </a:txBody>
+                  <a:tcPr marL="50800" marR="50800" marT="50800" marB="50800" horzOverflow="overflow">
+                    <a:lnL w="12700" cap="flat" cmpd="sng" algn="ctr">
+                      <a:solidFill>
+                        <a:schemeClr val="tx1"/>
+                      </a:solidFill>
+                      <a:prstDash val="solid"/>
+                      <a:round/>
+                      <a:headEnd type="none" w="med" len="med"/>
+                      <a:tailEnd type="none" w="med" len="med"/>
+                    </a:lnL>
+                    <a:lnR w="12700" cap="flat" cmpd="sng" algn="ctr">
+                      <a:solidFill>
+                        <a:schemeClr val="tx1"/>
+                      </a:solidFill>
+                      <a:prstDash val="solid"/>
+                      <a:round/>
+                      <a:headEnd type="none" w="med" len="med"/>
+                      <a:tailEnd type="none" w="med" len="med"/>
+                    </a:lnR>
+                  </a:tcPr>
+                </a:tc>
+                <a:tc>
+                  <a:txBody>
+                    <a:bodyPr/>
+                    <a:lstStyle/>
+                    <a:p>
+                      <a:pPr algn="r" defTabSz="457200"/>
+                      <a:r>
+                        <a:rPr lang="en-US" sz="1800" dirty="0"/>
+                        <a:t>1</a:t>
+                      </a:r>
+                      <a:endParaRPr sz="1800" dirty="0"/>
+                    </a:p>
+                  </a:txBody>
+                  <a:tcPr marL="50800" marR="50800" marT="50800" marB="50800" horzOverflow="overflow">
+                    <a:lnL w="12700" cap="flat" cmpd="sng" algn="ctr">
+                      <a:solidFill>
+                        <a:schemeClr val="tx1"/>
+                      </a:solidFill>
+                      <a:prstDash val="solid"/>
+                      <a:round/>
+                      <a:headEnd type="none" w="med" len="med"/>
+                      <a:tailEnd type="none" w="med" len="med"/>
+                    </a:lnL>
+                    <a:lnR w="12700" cap="flat" cmpd="sng" algn="ctr">
+                      <a:solidFill>
+                        <a:schemeClr val="tx1"/>
+                      </a:solidFill>
+                      <a:prstDash val="solid"/>
+                      <a:round/>
+                      <a:headEnd type="none" w="med" len="med"/>
+                      <a:tailEnd type="none" w="med" len="med"/>
+                    </a:lnR>
+                  </a:tcPr>
+                </a:tc>
+                <a:tc>
+                  <a:txBody>
+                    <a:bodyPr/>
+                    <a:lstStyle/>
+                    <a:p>
+                      <a:pPr algn="r" defTabSz="457200"/>
+                      <a:r>
+                        <a:rPr sz="1800" dirty="0"/>
+                        <a:t>5</a:t>
+                      </a:r>
+                    </a:p>
+                  </a:txBody>
+                  <a:tcPr marL="50800" marR="50800" marT="50800" marB="50800" horzOverflow="overflow">
+                    <a:lnL w="12700" cap="flat" cmpd="sng" algn="ctr">
+                      <a:solidFill>
+                        <a:schemeClr val="tx1"/>
+                      </a:solidFill>
+                      <a:prstDash val="solid"/>
+                      <a:round/>
+                      <a:headEnd type="none" w="med" len="med"/>
+                      <a:tailEnd type="none" w="med" len="med"/>
+                    </a:lnL>
+                  </a:tcPr>
+                </a:tc>
+                <a:tc>
+                  <a:txBody>
+                    <a:bodyPr/>
+                    <a:lstStyle/>
+                    <a:p>
+                      <a:pPr algn="r" defTabSz="457200"/>
+                      <a:r>
+                        <a:rPr sz="1800" dirty="0"/>
+                        <a:t>1</a:t>
+                      </a:r>
+                    </a:p>
+                  </a:txBody>
+                  <a:tcPr marL="50800" marR="50800" marT="50800" marB="50800" horzOverflow="overflow"/>
+                </a:tc>
+                <a:tc>
+                  <a:txBody>
+                    <a:bodyPr/>
+                    <a:lstStyle/>
+                    <a:p>
+                      <a:pPr algn="r" defTabSz="457200"/>
+                      <a:r>
+                        <a:rPr sz="1800"/>
+                        <a:t>4</a:t>
+                      </a:r>
+                    </a:p>
+                  </a:txBody>
+                  <a:tcPr marL="50800" marR="50800" marT="50800" marB="50800" horzOverflow="overflow"/>
+                </a:tc>
+                <a:tc>
+                  <a:txBody>
+                    <a:bodyPr/>
+                    <a:lstStyle/>
+                    <a:p>
+                      <a:pPr algn="r" defTabSz="457200"/>
+                      <a:r>
+                        <a:rPr sz="1800" dirty="0"/>
+                        <a:t>5</a:t>
+                      </a:r>
+                    </a:p>
+                  </a:txBody>
+                  <a:tcPr marL="50800" marR="50800" marT="50800" marB="50800" horzOverflow="overflow">
+                    <a:lnR w="12700" cap="flat" cmpd="sng" algn="ctr">
+                      <a:solidFill>
+                        <a:schemeClr val="tx1"/>
+                      </a:solidFill>
+                      <a:prstDash val="solid"/>
+                      <a:round/>
+                      <a:headEnd type="none" w="med" len="med"/>
+                      <a:tailEnd type="none" w="med" len="med"/>
+                    </a:lnR>
+                  </a:tcPr>
+                </a:tc>
+                <a:extLst>
+                  <a:ext uri="{0D108BD9-81ED-4DB2-BD59-A6C34878D82A}">
+                    <a16:rowId xmlns:a16="http://schemas.microsoft.com/office/drawing/2014/main" val="936810674"/>
+                  </a:ext>
+                </a:extLst>
+              </a:tr>
+              <a:tr h="402446">
+                <a:tc>
+                  <a:txBody>
+                    <a:bodyPr/>
+                    <a:lstStyle/>
+                    <a:p>
+                      <a:pPr algn="r" defTabSz="457200">
+                        <a:defRPr b="0"/>
+                      </a:pPr>
+                      <a:r>
+                        <a:rPr sz="1800" b="1" dirty="0"/>
+                        <a:t>5</a:t>
+                      </a:r>
+                    </a:p>
+                  </a:txBody>
+                  <a:tcPr marL="50800" marR="50800" marT="50800" marB="50800" horzOverflow="overflow">
+                    <a:lnL w="12700" cap="flat" cmpd="sng" algn="ctr">
+                      <a:solidFill>
+                        <a:schemeClr val="tx1"/>
+                      </a:solidFill>
+                      <a:prstDash val="solid"/>
+                      <a:round/>
+                      <a:headEnd type="none" w="med" len="med"/>
+                      <a:tailEnd type="none" w="med" len="med"/>
+                    </a:lnL>
+                    <a:lnR w="12700" cap="flat" cmpd="sng" algn="ctr">
+                      <a:solidFill>
+                        <a:schemeClr val="tx1"/>
+                      </a:solidFill>
+                      <a:prstDash val="solid"/>
+                      <a:round/>
+                      <a:headEnd type="none" w="med" len="med"/>
+                      <a:tailEnd type="none" w="med" len="med"/>
+                    </a:lnR>
+                  </a:tcPr>
+                </a:tc>
+                <a:tc>
+                  <a:txBody>
+                    <a:bodyPr/>
+                    <a:lstStyle/>
+                    <a:p>
+                      <a:pPr algn="r" defTabSz="457200"/>
+                      <a:r>
+                        <a:rPr lang="en-US" sz="1800" dirty="0"/>
+                        <a:t>1</a:t>
+                      </a:r>
+                      <a:endParaRPr sz="1800" dirty="0"/>
+                    </a:p>
+                  </a:txBody>
+                  <a:tcPr marL="50800" marR="50800" marT="50800" marB="50800" horzOverflow="overflow">
+                    <a:lnL w="12700" cap="flat" cmpd="sng" algn="ctr">
+                      <a:solidFill>
+                        <a:schemeClr val="tx1"/>
+                      </a:solidFill>
+                      <a:prstDash val="solid"/>
+                      <a:round/>
+                      <a:headEnd type="none" w="med" len="med"/>
+                      <a:tailEnd type="none" w="med" len="med"/>
+                    </a:lnL>
+                    <a:lnR w="12700" cap="flat" cmpd="sng" algn="ctr">
+                      <a:solidFill>
+                        <a:schemeClr val="tx1"/>
+                      </a:solidFill>
+                      <a:prstDash val="solid"/>
+                      <a:round/>
+                      <a:headEnd type="none" w="med" len="med"/>
+                      <a:tailEnd type="none" w="med" len="med"/>
+                    </a:lnR>
+                  </a:tcPr>
+                </a:tc>
+                <a:tc>
+                  <a:txBody>
+                    <a:bodyPr/>
+                    <a:lstStyle/>
+                    <a:p>
+                      <a:pPr algn="r" defTabSz="457200"/>
+                      <a:r>
+                        <a:rPr sz="1800" dirty="0"/>
+                        <a:t>4</a:t>
+                      </a:r>
+                    </a:p>
+                  </a:txBody>
+                  <a:tcPr marL="50800" marR="50800" marT="50800" marB="50800" horzOverflow="overflow">
+                    <a:lnL w="12700" cap="flat" cmpd="sng" algn="ctr">
+                      <a:solidFill>
+                        <a:schemeClr val="tx1"/>
+                      </a:solidFill>
+                      <a:prstDash val="solid"/>
+                      <a:round/>
+                      <a:headEnd type="none" w="med" len="med"/>
+                      <a:tailEnd type="none" w="med" len="med"/>
+                    </a:lnL>
+                  </a:tcPr>
+                </a:tc>
+                <a:tc>
+                  <a:txBody>
+                    <a:bodyPr/>
+                    <a:lstStyle/>
+                    <a:p>
+                      <a:pPr algn="r" defTabSz="457200"/>
+                      <a:r>
+                        <a:rPr sz="1800" dirty="0"/>
+                        <a:t>2</a:t>
+                      </a:r>
+                    </a:p>
+                  </a:txBody>
+                  <a:tcPr marL="50800" marR="50800" marT="50800" marB="50800" horzOverflow="overflow"/>
+                </a:tc>
+                <a:tc>
+                  <a:txBody>
+                    <a:bodyPr/>
+                    <a:lstStyle/>
+                    <a:p>
+                      <a:pPr algn="r" defTabSz="457200"/>
+                      <a:r>
+                        <a:rPr sz="1800" dirty="0"/>
+                        <a:t>2</a:t>
+                      </a:r>
+                    </a:p>
+                  </a:txBody>
+                  <a:tcPr marL="50800" marR="50800" marT="50800" marB="50800" horzOverflow="overflow"/>
+                </a:tc>
+                <a:tc>
+                  <a:txBody>
+                    <a:bodyPr/>
+                    <a:lstStyle/>
+                    <a:p>
+                      <a:pPr algn="r" defTabSz="457200"/>
+                      <a:r>
+                        <a:rPr sz="1800" dirty="0"/>
+                        <a:t>4</a:t>
+                      </a:r>
+                    </a:p>
+                  </a:txBody>
+                  <a:tcPr marL="50800" marR="50800" marT="50800" marB="50800" horzOverflow="overflow">
+                    <a:lnR w="12700" cap="flat" cmpd="sng" algn="ctr">
+                      <a:solidFill>
+                        <a:schemeClr val="tx1"/>
+                      </a:solidFill>
+                      <a:prstDash val="solid"/>
+                      <a:round/>
+                      <a:headEnd type="none" w="med" len="med"/>
+                      <a:tailEnd type="none" w="med" len="med"/>
+                    </a:lnR>
+                  </a:tcPr>
+                </a:tc>
+                <a:extLst>
+                  <a:ext uri="{0D108BD9-81ED-4DB2-BD59-A6C34878D82A}">
+                    <a16:rowId xmlns:a16="http://schemas.microsoft.com/office/drawing/2014/main" val="2906932392"/>
+                  </a:ext>
+                </a:extLst>
+              </a:tr>
+              <a:tr h="402446">
+                <a:tc>
+                  <a:txBody>
+                    <a:bodyPr/>
+                    <a:lstStyle/>
+                    <a:p>
+                      <a:pPr algn="r" defTabSz="457200">
+                        <a:defRPr b="0"/>
+                      </a:pPr>
+                      <a:r>
+                        <a:rPr sz="1800" b="1" dirty="0"/>
+                        <a:t>6</a:t>
+                      </a:r>
+                    </a:p>
+                  </a:txBody>
+                  <a:tcPr marL="50800" marR="50800" marT="50800" marB="50800" horzOverflow="overflow">
+                    <a:lnL w="12700" cap="flat" cmpd="sng" algn="ctr">
+                      <a:solidFill>
+                        <a:schemeClr val="tx1"/>
+                      </a:solidFill>
+                      <a:prstDash val="solid"/>
+                      <a:round/>
+                      <a:headEnd type="none" w="med" len="med"/>
+                      <a:tailEnd type="none" w="med" len="med"/>
+                    </a:lnL>
+                    <a:lnR w="12700" cap="flat" cmpd="sng" algn="ctr">
+                      <a:solidFill>
+                        <a:schemeClr val="tx1"/>
+                      </a:solidFill>
+                      <a:prstDash val="solid"/>
+                      <a:round/>
+                      <a:headEnd type="none" w="med" len="med"/>
+                      <a:tailEnd type="none" w="med" len="med"/>
+                    </a:lnR>
+                  </a:tcPr>
+                </a:tc>
+                <a:tc>
+                  <a:txBody>
+                    <a:bodyPr/>
+                    <a:lstStyle/>
+                    <a:p>
+                      <a:pPr algn="r" defTabSz="457200"/>
+                      <a:r>
+                        <a:rPr lang="en-US" sz="1800" dirty="0"/>
+                        <a:t>1</a:t>
+                      </a:r>
+                      <a:endParaRPr sz="1800" dirty="0"/>
+                    </a:p>
+                  </a:txBody>
+                  <a:tcPr marL="50800" marR="50800" marT="50800" marB="50800" horzOverflow="overflow">
+                    <a:lnL w="12700" cap="flat" cmpd="sng" algn="ctr">
+                      <a:solidFill>
+                        <a:schemeClr val="tx1"/>
+                      </a:solidFill>
+                      <a:prstDash val="solid"/>
+                      <a:round/>
+                      <a:headEnd type="none" w="med" len="med"/>
+                      <a:tailEnd type="none" w="med" len="med"/>
+                    </a:lnL>
+                    <a:lnR w="12700" cap="flat" cmpd="sng" algn="ctr">
+                      <a:solidFill>
+                        <a:schemeClr val="tx1"/>
+                      </a:solidFill>
+                      <a:prstDash val="solid"/>
+                      <a:round/>
+                      <a:headEnd type="none" w="med" len="med"/>
+                      <a:tailEnd type="none" w="med" len="med"/>
+                    </a:lnR>
+                  </a:tcPr>
+                </a:tc>
+                <a:tc>
+                  <a:txBody>
+                    <a:bodyPr/>
+                    <a:lstStyle/>
+                    <a:p>
+                      <a:pPr algn="r" defTabSz="457200"/>
+                      <a:r>
+                        <a:rPr sz="1800" dirty="0"/>
+                        <a:t>10</a:t>
+                      </a:r>
+                    </a:p>
+                  </a:txBody>
+                  <a:tcPr marL="50800" marR="50800" marT="50800" marB="50800" horzOverflow="overflow">
+                    <a:lnL w="12700" cap="flat" cmpd="sng" algn="ctr">
+                      <a:solidFill>
+                        <a:schemeClr val="tx1"/>
+                      </a:solidFill>
+                      <a:prstDash val="solid"/>
+                      <a:round/>
+                      <a:headEnd type="none" w="med" len="med"/>
+                      <a:tailEnd type="none" w="med" len="med"/>
+                    </a:lnL>
+                  </a:tcPr>
+                </a:tc>
+                <a:tc>
+                  <a:txBody>
+                    <a:bodyPr/>
+                    <a:lstStyle/>
+                    <a:p>
+                      <a:pPr algn="r" defTabSz="457200"/>
+                      <a:r>
+                        <a:rPr sz="1800" dirty="0"/>
+                        <a:t>1</a:t>
+                      </a:r>
+                    </a:p>
+                  </a:txBody>
+                  <a:tcPr marL="50800" marR="50800" marT="50800" marB="50800" horzOverflow="overflow"/>
+                </a:tc>
+                <a:tc>
+                  <a:txBody>
+                    <a:bodyPr/>
+                    <a:lstStyle/>
+                    <a:p>
+                      <a:pPr algn="r" defTabSz="457200"/>
+                      <a:r>
+                        <a:rPr sz="1800" dirty="0"/>
+                        <a:t>9</a:t>
+                      </a:r>
+                    </a:p>
+                  </a:txBody>
+                  <a:tcPr marL="50800" marR="50800" marT="50800" marB="50800" horzOverflow="overflow"/>
+                </a:tc>
+                <a:tc>
+                  <a:txBody>
+                    <a:bodyPr/>
+                    <a:lstStyle/>
+                    <a:p>
+                      <a:pPr algn="r" defTabSz="457200"/>
+                      <a:r>
+                        <a:rPr sz="1800" dirty="0"/>
+                        <a:t>10</a:t>
+                      </a:r>
+                    </a:p>
+                  </a:txBody>
+                  <a:tcPr marL="50800" marR="50800" marT="50800" marB="50800" horzOverflow="overflow">
+                    <a:lnR w="12700" cap="flat" cmpd="sng" algn="ctr">
+                      <a:solidFill>
+                        <a:schemeClr val="tx1"/>
+                      </a:solidFill>
+                      <a:prstDash val="solid"/>
+                      <a:round/>
+                      <a:headEnd type="none" w="med" len="med"/>
+                      <a:tailEnd type="none" w="med" len="med"/>
+                    </a:lnR>
+                  </a:tcPr>
+                </a:tc>
+                <a:extLst>
+                  <a:ext uri="{0D108BD9-81ED-4DB2-BD59-A6C34878D82A}">
+                    <a16:rowId xmlns:a16="http://schemas.microsoft.com/office/drawing/2014/main" val="244253552"/>
+                  </a:ext>
+                </a:extLst>
+              </a:tr>
+              <a:tr h="402446">
+                <a:tc>
+                  <a:txBody>
+                    <a:bodyPr/>
+                    <a:lstStyle/>
+                    <a:p>
+                      <a:pPr algn="r" defTabSz="457200">
+                        <a:defRPr b="0"/>
+                      </a:pPr>
+                      <a:r>
+                        <a:rPr sz="1800" b="1" dirty="0"/>
+                        <a:t>10</a:t>
+                      </a:r>
+                    </a:p>
+                  </a:txBody>
+                  <a:tcPr marL="50800" marR="50800" marT="50800" marB="50800" horzOverflow="overflow">
+                    <a:lnL w="12700" cap="flat" cmpd="sng" algn="ctr">
+                      <a:solidFill>
+                        <a:schemeClr val="tx1"/>
+                      </a:solidFill>
+                      <a:prstDash val="solid"/>
+                      <a:round/>
+                      <a:headEnd type="none" w="med" len="med"/>
+                      <a:tailEnd type="none" w="med" len="med"/>
+                    </a:lnL>
+                    <a:lnR w="12700" cap="flat" cmpd="sng" algn="ctr">
+                      <a:solidFill>
+                        <a:schemeClr val="tx1"/>
+                      </a:solidFill>
+                      <a:prstDash val="solid"/>
+                      <a:round/>
+                      <a:headEnd type="none" w="med" len="med"/>
+                      <a:tailEnd type="none" w="med" len="med"/>
+                    </a:lnR>
+                    <a:lnB w="12700" cap="flat" cmpd="sng" algn="ctr">
+                      <a:solidFill>
+                        <a:schemeClr val="tx1"/>
+                      </a:solidFill>
+                      <a:prstDash val="solid"/>
+                      <a:round/>
+                      <a:headEnd type="none" w="med" len="med"/>
+                      <a:tailEnd type="none" w="med" len="med"/>
+                    </a:lnB>
+                  </a:tcPr>
+                </a:tc>
+                <a:tc>
+                  <a:txBody>
+                    <a:bodyPr/>
+                    <a:lstStyle/>
+                    <a:p>
+                      <a:pPr algn="r" defTabSz="457200"/>
+                      <a:r>
+                        <a:rPr lang="en-US" sz="1800" dirty="0"/>
+                        <a:t>1</a:t>
+                      </a:r>
+                      <a:endParaRPr sz="1800" dirty="0"/>
+                    </a:p>
+                  </a:txBody>
+                  <a:tcPr marL="50800" marR="50800" marT="50800" marB="50800" horzOverflow="overflow">
+                    <a:lnL w="12700" cap="flat" cmpd="sng" algn="ctr">
+                      <a:solidFill>
+                        <a:schemeClr val="tx1"/>
+                      </a:solidFill>
+                      <a:prstDash val="solid"/>
+                      <a:round/>
+                      <a:headEnd type="none" w="med" len="med"/>
+                      <a:tailEnd type="none" w="med" len="med"/>
+                    </a:lnL>
+                    <a:lnR w="12700" cap="flat" cmpd="sng" algn="ctr">
+                      <a:solidFill>
+                        <a:schemeClr val="tx1"/>
+                      </a:solidFill>
+                      <a:prstDash val="solid"/>
+                      <a:round/>
+                      <a:headEnd type="none" w="med" len="med"/>
+                      <a:tailEnd type="none" w="med" len="med"/>
+                    </a:lnR>
+                    <a:lnB w="12700" cap="flat" cmpd="sng" algn="ctr">
+                      <a:solidFill>
+                        <a:schemeClr val="tx1"/>
+                      </a:solidFill>
+                      <a:prstDash val="solid"/>
+                      <a:round/>
+                      <a:headEnd type="none" w="med" len="med"/>
+                      <a:tailEnd type="none" w="med" len="med"/>
+                    </a:lnB>
+                  </a:tcPr>
+                </a:tc>
+                <a:tc>
+                  <a:txBody>
+                    <a:bodyPr/>
+                    <a:lstStyle/>
+                    <a:p>
+                      <a:pPr algn="r" defTabSz="457200"/>
+                      <a:r>
+                        <a:rPr sz="1800" dirty="0"/>
+                        <a:t>9</a:t>
+                      </a:r>
+                    </a:p>
+                  </a:txBody>
+                  <a:tcPr marL="50800" marR="50800" marT="50800" marB="50800" horzOverflow="overflow">
+                    <a:lnL w="12700" cap="flat" cmpd="sng" algn="ctr">
+                      <a:solidFill>
+                        <a:schemeClr val="tx1"/>
+                      </a:solidFill>
+                      <a:prstDash val="solid"/>
+                      <a:round/>
+                      <a:headEnd type="none" w="med" len="med"/>
+                      <a:tailEnd type="none" w="med" len="med"/>
+                    </a:lnL>
+                    <a:lnB w="12700" cap="flat" cmpd="sng" algn="ctr">
+                      <a:solidFill>
+                        <a:schemeClr val="tx1"/>
+                      </a:solidFill>
+                      <a:prstDash val="solid"/>
+                      <a:round/>
+                      <a:headEnd type="none" w="med" len="med"/>
+                      <a:tailEnd type="none" w="med" len="med"/>
+                    </a:lnB>
+                  </a:tcPr>
+                </a:tc>
+                <a:tc>
+                  <a:txBody>
+                    <a:bodyPr/>
+                    <a:lstStyle/>
+                    <a:p>
+                      <a:pPr algn="r" defTabSz="457200"/>
+                      <a:r>
+                        <a:rPr sz="1800" dirty="0"/>
+                        <a:t>8</a:t>
+                      </a:r>
+                    </a:p>
+                  </a:txBody>
+                  <a:tcPr marL="50800" marR="50800" marT="50800" marB="50800" horzOverflow="overflow">
+                    <a:lnB w="12700" cap="flat" cmpd="sng" algn="ctr">
+                      <a:solidFill>
+                        <a:schemeClr val="tx1"/>
+                      </a:solidFill>
+                      <a:prstDash val="solid"/>
+                      <a:round/>
+                      <a:headEnd type="none" w="med" len="med"/>
+                      <a:tailEnd type="none" w="med" len="med"/>
+                    </a:lnB>
+                  </a:tcPr>
+                </a:tc>
+                <a:tc>
+                  <a:txBody>
+                    <a:bodyPr/>
+                    <a:lstStyle/>
+                    <a:p>
+                      <a:pPr algn="r" defTabSz="457200"/>
+                      <a:r>
+                        <a:rPr sz="1800" dirty="0"/>
+                        <a:t>1</a:t>
+                      </a:r>
+                    </a:p>
+                  </a:txBody>
+                  <a:tcPr marL="50800" marR="50800" marT="50800" marB="50800" horzOverflow="overflow">
+                    <a:lnB w="12700" cap="flat" cmpd="sng" algn="ctr">
+                      <a:solidFill>
+                        <a:schemeClr val="tx1"/>
+                      </a:solidFill>
+                      <a:prstDash val="solid"/>
+                      <a:round/>
+                      <a:headEnd type="none" w="med" len="med"/>
+                      <a:tailEnd type="none" w="med" len="med"/>
+                    </a:lnB>
+                  </a:tcPr>
+                </a:tc>
+                <a:tc>
+                  <a:txBody>
+                    <a:bodyPr/>
+                    <a:lstStyle/>
+                    <a:p>
+                      <a:pPr algn="r" defTabSz="457200"/>
+                      <a:r>
+                        <a:rPr sz="1800" dirty="0"/>
+                        <a:t>9</a:t>
+                      </a:r>
+                    </a:p>
+                  </a:txBody>
+                  <a:tcPr marL="50800" marR="50800" marT="50800" marB="50800" horzOverflow="overflow">
+                    <a:lnR w="12700" cap="flat" cmpd="sng" algn="ctr">
+                      <a:solidFill>
+                        <a:schemeClr val="tx1"/>
+                      </a:solidFill>
+                      <a:prstDash val="solid"/>
+                      <a:round/>
+                      <a:headEnd type="none" w="med" len="med"/>
+                      <a:tailEnd type="none" w="med" len="med"/>
+                    </a:lnR>
+                    <a:lnB w="12700" cap="flat" cmpd="sng" algn="ctr">
+                      <a:solidFill>
+                        <a:schemeClr val="tx1"/>
+                      </a:solidFill>
+                      <a:prstDash val="solid"/>
+                      <a:round/>
+                      <a:headEnd type="none" w="med" len="med"/>
+                      <a:tailEnd type="none" w="med" len="med"/>
+                    </a:lnB>
+                  </a:tcPr>
+                </a:tc>
+                <a:extLst>
+                  <a:ext uri="{0D108BD9-81ED-4DB2-BD59-A6C34878D82A}">
+                    <a16:rowId xmlns:a16="http://schemas.microsoft.com/office/drawing/2014/main" val="1357011884"/>
+                  </a:ext>
+                </a:extLst>
+              </a:tr>
+              <a:tr h="402446">
+                <a:tc>
+                  <a:txBody>
+                    <a:bodyPr/>
+                    <a:lstStyle/>
+                    <a:p>
+                      <a:pPr algn="r" defTabSz="457200">
+                        <a:defRPr b="0"/>
+                      </a:pPr>
+                      <a:r>
+                        <a:rPr sz="1800" b="1" dirty="0"/>
+                        <a:t>2</a:t>
+                      </a:r>
+                    </a:p>
+                  </a:txBody>
+                  <a:tcPr marL="50800" marR="50800" marT="50800" marB="50800" horzOverflow="overflow">
+                    <a:lnL w="12700" cap="flat" cmpd="sng" algn="ctr">
+                      <a:solidFill>
+                        <a:schemeClr val="tx1"/>
+                      </a:solidFill>
+                      <a:prstDash val="solid"/>
+                      <a:round/>
+                      <a:headEnd type="none" w="med" len="med"/>
+                      <a:tailEnd type="none" w="med" len="med"/>
+                    </a:lnL>
+                    <a:lnR w="12700" cap="flat" cmpd="sng" algn="ctr">
+                      <a:solidFill>
+                        <a:schemeClr val="tx1"/>
+                      </a:solidFill>
+                      <a:prstDash val="solid"/>
+                      <a:round/>
+                      <a:headEnd type="none" w="med" len="med"/>
+                      <a:tailEnd type="none" w="med" len="med"/>
+                    </a:lnR>
+                    <a:lnT w="12700" cap="flat" cmpd="sng" algn="ctr">
+                      <a:solidFill>
+                        <a:schemeClr val="tx1"/>
+                      </a:solidFill>
+                      <a:prstDash val="solid"/>
+                      <a:round/>
+                      <a:headEnd type="none" w="med" len="med"/>
+                      <a:tailEnd type="none" w="med" len="med"/>
+                    </a:lnT>
+                  </a:tcPr>
+                </a:tc>
+                <a:tc>
+                  <a:txBody>
+                    <a:bodyPr/>
+                    <a:lstStyle/>
+                    <a:p>
+                      <a:pPr algn="r" defTabSz="457200"/>
+                      <a:r>
+                        <a:rPr lang="en-US" sz="1800" dirty="0"/>
+                        <a:t>0</a:t>
+                      </a:r>
+                      <a:endParaRPr sz="1800" dirty="0"/>
+                    </a:p>
+                  </a:txBody>
+                  <a:tcPr marL="50800" marR="50800" marT="50800" marB="50800" horzOverflow="overflow">
+                    <a:lnL w="12700" cap="flat" cmpd="sng" algn="ctr">
+                      <a:solidFill>
+                        <a:schemeClr val="tx1"/>
+                      </a:solidFill>
+                      <a:prstDash val="solid"/>
+                      <a:round/>
+                      <a:headEnd type="none" w="med" len="med"/>
+                      <a:tailEnd type="none" w="med" len="med"/>
+                    </a:lnL>
+                    <a:lnR w="12700" cap="flat" cmpd="sng" algn="ctr">
+                      <a:solidFill>
+                        <a:schemeClr val="tx1"/>
+                      </a:solidFill>
+                      <a:prstDash val="solid"/>
+                      <a:round/>
+                      <a:headEnd type="none" w="med" len="med"/>
+                      <a:tailEnd type="none" w="med" len="med"/>
+                    </a:lnR>
+                    <a:lnT w="12700" cap="flat" cmpd="sng" algn="ctr">
+                      <a:solidFill>
+                        <a:schemeClr val="tx1"/>
+                      </a:solidFill>
+                      <a:prstDash val="solid"/>
+                      <a:round/>
+                      <a:headEnd type="none" w="med" len="med"/>
+                      <a:tailEnd type="none" w="med" len="med"/>
+                    </a:lnT>
+                  </a:tcPr>
+                </a:tc>
+                <a:tc>
+                  <a:txBody>
+                    <a:bodyPr/>
+                    <a:lstStyle/>
+                    <a:p>
+                      <a:pPr algn="r" defTabSz="457200"/>
+                      <a:r>
+                        <a:rPr sz="1800" dirty="0"/>
+                        <a:t>5</a:t>
+                      </a:r>
+                    </a:p>
+                  </a:txBody>
+                  <a:tcPr marL="50800" marR="50800" marT="50800" marB="50800" horzOverflow="overflow">
+                    <a:lnL w="12700" cap="flat" cmpd="sng" algn="ctr">
+                      <a:solidFill>
+                        <a:schemeClr val="tx1"/>
+                      </a:solidFill>
+                      <a:prstDash val="solid"/>
+                      <a:round/>
+                      <a:headEnd type="none" w="med" len="med"/>
+                      <a:tailEnd type="none" w="med" len="med"/>
+                    </a:lnL>
+                    <a:lnT w="12700" cap="flat" cmpd="sng" algn="ctr">
+                      <a:solidFill>
+                        <a:schemeClr val="tx1"/>
+                      </a:solidFill>
+                      <a:prstDash val="solid"/>
+                      <a:round/>
+                      <a:headEnd type="none" w="med" len="med"/>
+                      <a:tailEnd type="none" w="med" len="med"/>
+                    </a:lnT>
+                  </a:tcPr>
+                </a:tc>
+                <a:tc>
+                  <a:txBody>
+                    <a:bodyPr/>
+                    <a:lstStyle/>
+                    <a:p>
+                      <a:pPr algn="r" defTabSz="457200"/>
+                      <a:r>
+                        <a:rPr sz="1800"/>
+                        <a:t>6</a:t>
+                      </a:r>
+                    </a:p>
+                  </a:txBody>
+                  <a:tcPr marL="50800" marR="50800" marT="50800" marB="50800" horzOverflow="overflow">
+                    <a:lnT w="12700" cap="flat" cmpd="sng" algn="ctr">
+                      <a:solidFill>
+                        <a:schemeClr val="tx1"/>
+                      </a:solidFill>
+                      <a:prstDash val="solid"/>
+                      <a:round/>
+                      <a:headEnd type="none" w="med" len="med"/>
+                      <a:tailEnd type="none" w="med" len="med"/>
+                    </a:lnT>
+                  </a:tcPr>
+                </a:tc>
+                <a:tc>
+                  <a:txBody>
+                    <a:bodyPr/>
+                    <a:lstStyle/>
+                    <a:p>
+                      <a:pPr algn="r" defTabSz="457200"/>
+                      <a:r>
+                        <a:rPr sz="1800" dirty="0"/>
+                        <a:t>-1</a:t>
+                      </a:r>
+                    </a:p>
+                  </a:txBody>
+                  <a:tcPr marL="50800" marR="50800" marT="50800" marB="50800" horzOverflow="overflow">
+                    <a:lnT w="12700" cap="flat" cmpd="sng" algn="ctr">
+                      <a:solidFill>
+                        <a:schemeClr val="tx1"/>
+                      </a:solidFill>
+                      <a:prstDash val="solid"/>
+                      <a:round/>
+                      <a:headEnd type="none" w="med" len="med"/>
+                      <a:tailEnd type="none" w="med" len="med"/>
+                    </a:lnT>
+                  </a:tcPr>
+                </a:tc>
+                <a:tc>
+                  <a:txBody>
+                    <a:bodyPr/>
+                    <a:lstStyle/>
+                    <a:p>
+                      <a:pPr algn="r" defTabSz="457200"/>
+                      <a:r>
+                        <a:rPr sz="1800" dirty="0"/>
+                        <a:t>6</a:t>
+                      </a:r>
+                    </a:p>
+                  </a:txBody>
+                  <a:tcPr marL="50800" marR="50800" marT="50800" marB="50800" horzOverflow="overflow">
+                    <a:lnR w="12700" cap="flat" cmpd="sng" algn="ctr">
+                      <a:solidFill>
+                        <a:schemeClr val="tx1"/>
+                      </a:solidFill>
+                      <a:prstDash val="solid"/>
+                      <a:round/>
+                      <a:headEnd type="none" w="med" len="med"/>
+                      <a:tailEnd type="none" w="med" len="med"/>
+                    </a:lnR>
+                    <a:lnT w="12700" cap="flat" cmpd="sng" algn="ctr">
+                      <a:solidFill>
+                        <a:schemeClr val="tx1"/>
+                      </a:solidFill>
+                      <a:prstDash val="solid"/>
+                      <a:round/>
+                      <a:headEnd type="none" w="med" len="med"/>
+                      <a:tailEnd type="none" w="med" len="med"/>
+                    </a:lnT>
+                  </a:tcPr>
+                </a:tc>
+                <a:extLst>
+                  <a:ext uri="{0D108BD9-81ED-4DB2-BD59-A6C34878D82A}">
+                    <a16:rowId xmlns:a16="http://schemas.microsoft.com/office/drawing/2014/main" val="4281748982"/>
+                  </a:ext>
+                </a:extLst>
+              </a:tr>
+              <a:tr h="402446">
+                <a:tc>
+                  <a:txBody>
+                    <a:bodyPr/>
+                    <a:lstStyle/>
+                    <a:p>
+                      <a:pPr algn="r" defTabSz="457200">
+                        <a:defRPr b="0"/>
+                      </a:pPr>
+                      <a:r>
+                        <a:rPr sz="1800" b="1" dirty="0"/>
+                        <a:t>4</a:t>
+                      </a:r>
+                    </a:p>
+                  </a:txBody>
+                  <a:tcPr marL="50800" marR="50800" marT="50800" marB="50800" horzOverflow="overflow">
+                    <a:lnL w="12700" cap="flat" cmpd="sng" algn="ctr">
+                      <a:solidFill>
+                        <a:schemeClr val="tx1"/>
+                      </a:solidFill>
+                      <a:prstDash val="solid"/>
+                      <a:round/>
+                      <a:headEnd type="none" w="med" len="med"/>
+                      <a:tailEnd type="none" w="med" len="med"/>
+                    </a:lnL>
+                    <a:lnR w="12700" cap="flat" cmpd="sng" algn="ctr">
+                      <a:solidFill>
+                        <a:schemeClr val="tx1"/>
+                      </a:solidFill>
+                      <a:prstDash val="solid"/>
+                      <a:round/>
+                      <a:headEnd type="none" w="med" len="med"/>
+                      <a:tailEnd type="none" w="med" len="med"/>
+                    </a:lnR>
+                  </a:tcPr>
+                </a:tc>
+                <a:tc>
+                  <a:txBody>
+                    <a:bodyPr/>
+                    <a:lstStyle/>
+                    <a:p>
+                      <a:pPr algn="r" defTabSz="457200"/>
+                      <a:r>
+                        <a:rPr lang="en-US" sz="1800" dirty="0"/>
+                        <a:t>0</a:t>
+                      </a:r>
+                      <a:endParaRPr sz="1800" dirty="0"/>
+                    </a:p>
+                  </a:txBody>
+                  <a:tcPr marL="50800" marR="50800" marT="50800" marB="50800" horzOverflow="overflow">
+                    <a:lnL w="12700" cap="flat" cmpd="sng" algn="ctr">
+                      <a:solidFill>
+                        <a:schemeClr val="tx1"/>
+                      </a:solidFill>
+                      <a:prstDash val="solid"/>
+                      <a:round/>
+                      <a:headEnd type="none" w="med" len="med"/>
+                      <a:tailEnd type="none" w="med" len="med"/>
+                    </a:lnL>
+                    <a:lnR w="12700" cap="flat" cmpd="sng" algn="ctr">
+                      <a:solidFill>
+                        <a:schemeClr val="tx1"/>
+                      </a:solidFill>
+                      <a:prstDash val="solid"/>
+                      <a:round/>
+                      <a:headEnd type="none" w="med" len="med"/>
+                      <a:tailEnd type="none" w="med" len="med"/>
+                    </a:lnR>
+                  </a:tcPr>
+                </a:tc>
+                <a:tc>
+                  <a:txBody>
+                    <a:bodyPr/>
+                    <a:lstStyle/>
+                    <a:p>
+                      <a:pPr algn="r" defTabSz="457200"/>
+                      <a:r>
+                        <a:rPr sz="1800" dirty="0"/>
+                        <a:t>7</a:t>
+                      </a:r>
+                    </a:p>
+                  </a:txBody>
+                  <a:tcPr marL="50800" marR="50800" marT="50800" marB="50800" horzOverflow="overflow">
+                    <a:lnL w="12700" cap="flat" cmpd="sng" algn="ctr">
+                      <a:solidFill>
+                        <a:schemeClr val="tx1"/>
+                      </a:solidFill>
+                      <a:prstDash val="solid"/>
+                      <a:round/>
+                      <a:headEnd type="none" w="med" len="med"/>
+                      <a:tailEnd type="none" w="med" len="med"/>
+                    </a:lnL>
+                  </a:tcPr>
+                </a:tc>
+                <a:tc>
+                  <a:txBody>
+                    <a:bodyPr/>
+                    <a:lstStyle/>
+                    <a:p>
+                      <a:pPr algn="r" defTabSz="457200"/>
+                      <a:r>
+                        <a:rPr sz="1800"/>
+                        <a:t>8</a:t>
+                      </a:r>
+                    </a:p>
+                  </a:txBody>
+                  <a:tcPr marL="50800" marR="50800" marT="50800" marB="50800" horzOverflow="overflow"/>
+                </a:tc>
+                <a:tc>
+                  <a:txBody>
+                    <a:bodyPr/>
+                    <a:lstStyle/>
+                    <a:p>
+                      <a:pPr algn="r" defTabSz="457200"/>
+                      <a:r>
+                        <a:rPr sz="1800" dirty="0"/>
+                        <a:t>-1</a:t>
+                      </a:r>
+                    </a:p>
+                  </a:txBody>
+                  <a:tcPr marL="50800" marR="50800" marT="50800" marB="50800" horzOverflow="overflow"/>
+                </a:tc>
+                <a:tc>
+                  <a:txBody>
+                    <a:bodyPr/>
+                    <a:lstStyle/>
+                    <a:p>
+                      <a:pPr algn="r" defTabSz="457200"/>
+                      <a:r>
+                        <a:rPr sz="1800" dirty="0"/>
+                        <a:t>8</a:t>
+                      </a:r>
+                    </a:p>
+                  </a:txBody>
+                  <a:tcPr marL="50800" marR="50800" marT="50800" marB="50800" horzOverflow="overflow">
+                    <a:lnR w="12700" cap="flat" cmpd="sng" algn="ctr">
+                      <a:solidFill>
+                        <a:schemeClr val="tx1"/>
+                      </a:solidFill>
+                      <a:prstDash val="solid"/>
+                      <a:round/>
+                      <a:headEnd type="none" w="med" len="med"/>
+                      <a:tailEnd type="none" w="med" len="med"/>
+                    </a:lnR>
+                  </a:tcPr>
+                </a:tc>
+                <a:extLst>
+                  <a:ext uri="{0D108BD9-81ED-4DB2-BD59-A6C34878D82A}">
+                    <a16:rowId xmlns:a16="http://schemas.microsoft.com/office/drawing/2014/main" val="2193456946"/>
+                  </a:ext>
+                </a:extLst>
+              </a:tr>
+              <a:tr h="402446">
+                <a:tc>
+                  <a:txBody>
+                    <a:bodyPr/>
+                    <a:lstStyle/>
+                    <a:p>
+                      <a:pPr algn="r" defTabSz="457200">
+                        <a:defRPr b="0"/>
+                      </a:pPr>
+                      <a:r>
+                        <a:rPr sz="1800" b="1" dirty="0"/>
+                        <a:t>7</a:t>
+                      </a:r>
+                    </a:p>
+                  </a:txBody>
+                  <a:tcPr marL="50800" marR="50800" marT="50800" marB="50800" horzOverflow="overflow">
+                    <a:lnL w="12700" cap="flat" cmpd="sng" algn="ctr">
+                      <a:solidFill>
+                        <a:schemeClr val="tx1"/>
+                      </a:solidFill>
+                      <a:prstDash val="solid"/>
+                      <a:round/>
+                      <a:headEnd type="none" w="med" len="med"/>
+                      <a:tailEnd type="none" w="med" len="med"/>
+                    </a:lnL>
+                    <a:lnR w="12700" cap="flat" cmpd="sng" algn="ctr">
+                      <a:solidFill>
+                        <a:schemeClr val="tx1"/>
+                      </a:solidFill>
+                      <a:prstDash val="solid"/>
+                      <a:round/>
+                      <a:headEnd type="none" w="med" len="med"/>
+                      <a:tailEnd type="none" w="med" len="med"/>
+                    </a:lnR>
+                  </a:tcPr>
+                </a:tc>
+                <a:tc>
+                  <a:txBody>
+                    <a:bodyPr/>
+                    <a:lstStyle/>
+                    <a:p>
+                      <a:pPr algn="r" defTabSz="457200"/>
+                      <a:r>
+                        <a:rPr lang="en-US" sz="1800" dirty="0"/>
+                        <a:t>0</a:t>
+                      </a:r>
+                      <a:endParaRPr sz="1800" dirty="0"/>
+                    </a:p>
+                  </a:txBody>
+                  <a:tcPr marL="50800" marR="50800" marT="50800" marB="50800" horzOverflow="overflow">
+                    <a:lnL w="12700" cap="flat" cmpd="sng" algn="ctr">
+                      <a:solidFill>
+                        <a:schemeClr val="tx1"/>
+                      </a:solidFill>
+                      <a:prstDash val="solid"/>
+                      <a:round/>
+                      <a:headEnd type="none" w="med" len="med"/>
+                      <a:tailEnd type="none" w="med" len="med"/>
+                    </a:lnL>
+                    <a:lnR w="12700" cap="flat" cmpd="sng" algn="ctr">
+                      <a:solidFill>
+                        <a:schemeClr val="tx1"/>
+                      </a:solidFill>
+                      <a:prstDash val="solid"/>
+                      <a:round/>
+                      <a:headEnd type="none" w="med" len="med"/>
+                      <a:tailEnd type="none" w="med" len="med"/>
+                    </a:lnR>
+                  </a:tcPr>
+                </a:tc>
+                <a:tc>
+                  <a:txBody>
+                    <a:bodyPr/>
+                    <a:lstStyle/>
+                    <a:p>
+                      <a:pPr algn="r" defTabSz="457200"/>
+                      <a:r>
+                        <a:rPr sz="1800" dirty="0"/>
+                        <a:t>1</a:t>
+                      </a:r>
+                    </a:p>
+                  </a:txBody>
+                  <a:tcPr marL="50800" marR="50800" marT="50800" marB="50800" horzOverflow="overflow">
+                    <a:lnL w="12700" cap="flat" cmpd="sng" algn="ctr">
+                      <a:solidFill>
+                        <a:schemeClr val="tx1"/>
+                      </a:solidFill>
+                      <a:prstDash val="solid"/>
+                      <a:round/>
+                      <a:headEnd type="none" w="med" len="med"/>
+                      <a:tailEnd type="none" w="med" len="med"/>
+                    </a:lnL>
+                  </a:tcPr>
+                </a:tc>
+                <a:tc>
+                  <a:txBody>
+                    <a:bodyPr/>
+                    <a:lstStyle/>
+                    <a:p>
+                      <a:pPr algn="r" defTabSz="457200"/>
+                      <a:r>
+                        <a:rPr sz="1800"/>
+                        <a:t>10</a:t>
+                      </a:r>
+                    </a:p>
+                  </a:txBody>
+                  <a:tcPr marL="50800" marR="50800" marT="50800" marB="50800" horzOverflow="overflow"/>
+                </a:tc>
+                <a:tc>
+                  <a:txBody>
+                    <a:bodyPr/>
+                    <a:lstStyle/>
+                    <a:p>
+                      <a:pPr algn="r" defTabSz="457200"/>
+                      <a:r>
+                        <a:rPr sz="1800"/>
+                        <a:t>-9</a:t>
+                      </a:r>
+                    </a:p>
+                  </a:txBody>
+                  <a:tcPr marL="50800" marR="50800" marT="50800" marB="50800" horzOverflow="overflow"/>
+                </a:tc>
+                <a:tc>
+                  <a:txBody>
+                    <a:bodyPr/>
+                    <a:lstStyle/>
+                    <a:p>
+                      <a:pPr algn="r" defTabSz="457200"/>
+                      <a:r>
+                        <a:rPr sz="1800" dirty="0"/>
+                        <a:t>10</a:t>
+                      </a:r>
+                    </a:p>
+                  </a:txBody>
+                  <a:tcPr marL="50800" marR="50800" marT="50800" marB="50800" horzOverflow="overflow">
+                    <a:lnR w="12700" cap="flat" cmpd="sng" algn="ctr">
+                      <a:solidFill>
+                        <a:schemeClr val="tx1"/>
+                      </a:solidFill>
+                      <a:prstDash val="solid"/>
+                      <a:round/>
+                      <a:headEnd type="none" w="med" len="med"/>
+                      <a:tailEnd type="none" w="med" len="med"/>
+                    </a:lnR>
+                  </a:tcPr>
+                </a:tc>
+                <a:extLst>
+                  <a:ext uri="{0D108BD9-81ED-4DB2-BD59-A6C34878D82A}">
+                    <a16:rowId xmlns:a16="http://schemas.microsoft.com/office/drawing/2014/main" val="4143626639"/>
+                  </a:ext>
+                </a:extLst>
+              </a:tr>
+              <a:tr h="402446">
+                <a:tc>
+                  <a:txBody>
+                    <a:bodyPr/>
+                    <a:lstStyle/>
+                    <a:p>
+                      <a:pPr algn="r" defTabSz="457200">
+                        <a:defRPr b="0"/>
+                      </a:pPr>
+                      <a:r>
+                        <a:rPr sz="1800" b="1" dirty="0"/>
+                        <a:t>8</a:t>
+                      </a:r>
+                    </a:p>
+                  </a:txBody>
+                  <a:tcPr marL="50800" marR="50800" marT="50800" marB="50800" horzOverflow="overflow">
+                    <a:lnL w="12700" cap="flat" cmpd="sng" algn="ctr">
+                      <a:solidFill>
+                        <a:schemeClr val="tx1"/>
+                      </a:solidFill>
+                      <a:prstDash val="solid"/>
+                      <a:round/>
+                      <a:headEnd type="none" w="med" len="med"/>
+                      <a:tailEnd type="none" w="med" len="med"/>
+                    </a:lnL>
+                    <a:lnR w="12700" cap="flat" cmpd="sng" algn="ctr">
+                      <a:solidFill>
+                        <a:schemeClr val="tx1"/>
+                      </a:solidFill>
+                      <a:prstDash val="solid"/>
+                      <a:round/>
+                      <a:headEnd type="none" w="med" len="med"/>
+                      <a:tailEnd type="none" w="med" len="med"/>
+                    </a:lnR>
+                  </a:tcPr>
+                </a:tc>
+                <a:tc>
+                  <a:txBody>
+                    <a:bodyPr/>
+                    <a:lstStyle/>
+                    <a:p>
+                      <a:pPr algn="r" defTabSz="457200"/>
+                      <a:r>
+                        <a:rPr lang="en-US" sz="1800" dirty="0"/>
+                        <a:t>0</a:t>
+                      </a:r>
+                      <a:endParaRPr sz="1800" dirty="0"/>
+                    </a:p>
+                  </a:txBody>
+                  <a:tcPr marL="50800" marR="50800" marT="50800" marB="50800" horzOverflow="overflow">
+                    <a:lnL w="12700" cap="flat" cmpd="sng" algn="ctr">
+                      <a:solidFill>
+                        <a:schemeClr val="tx1"/>
+                      </a:solidFill>
+                      <a:prstDash val="solid"/>
+                      <a:round/>
+                      <a:headEnd type="none" w="med" len="med"/>
+                      <a:tailEnd type="none" w="med" len="med"/>
+                    </a:lnL>
+                    <a:lnR w="12700" cap="flat" cmpd="sng" algn="ctr">
+                      <a:solidFill>
+                        <a:schemeClr val="tx1"/>
+                      </a:solidFill>
+                      <a:prstDash val="solid"/>
+                      <a:round/>
+                      <a:headEnd type="none" w="med" len="med"/>
+                      <a:tailEnd type="none" w="med" len="med"/>
+                    </a:lnR>
+                  </a:tcPr>
+                </a:tc>
+                <a:tc>
+                  <a:txBody>
+                    <a:bodyPr/>
+                    <a:lstStyle/>
+                    <a:p>
+                      <a:pPr algn="r" defTabSz="457200"/>
+                      <a:r>
+                        <a:rPr sz="1800" dirty="0"/>
+                        <a:t>5</a:t>
+                      </a:r>
+                    </a:p>
+                  </a:txBody>
+                  <a:tcPr marL="50800" marR="50800" marT="50800" marB="50800" horzOverflow="overflow">
+                    <a:lnL w="12700" cap="flat" cmpd="sng" algn="ctr">
+                      <a:solidFill>
+                        <a:schemeClr val="tx1"/>
+                      </a:solidFill>
+                      <a:prstDash val="solid"/>
+                      <a:round/>
+                      <a:headEnd type="none" w="med" len="med"/>
+                      <a:tailEnd type="none" w="med" len="med"/>
+                    </a:lnL>
+                  </a:tcPr>
+                </a:tc>
+                <a:tc>
+                  <a:txBody>
+                    <a:bodyPr/>
+                    <a:lstStyle/>
+                    <a:p>
+                      <a:pPr algn="r" defTabSz="457200"/>
+                      <a:r>
+                        <a:rPr sz="1800" dirty="0"/>
+                        <a:t>6</a:t>
+                      </a:r>
+                    </a:p>
+                  </a:txBody>
+                  <a:tcPr marL="50800" marR="50800" marT="50800" marB="50800" horzOverflow="overflow"/>
+                </a:tc>
+                <a:tc>
+                  <a:txBody>
+                    <a:bodyPr/>
+                    <a:lstStyle/>
+                    <a:p>
+                      <a:pPr algn="r" defTabSz="457200"/>
+                      <a:r>
+                        <a:rPr sz="1800"/>
+                        <a:t>-1</a:t>
+                      </a:r>
+                    </a:p>
+                  </a:txBody>
+                  <a:tcPr marL="50800" marR="50800" marT="50800" marB="50800" horzOverflow="overflow"/>
+                </a:tc>
+                <a:tc>
+                  <a:txBody>
+                    <a:bodyPr/>
+                    <a:lstStyle/>
+                    <a:p>
+                      <a:pPr algn="r" defTabSz="457200"/>
+                      <a:r>
+                        <a:rPr sz="1800" dirty="0"/>
+                        <a:t>6</a:t>
+                      </a:r>
+                    </a:p>
+                  </a:txBody>
+                  <a:tcPr marL="50800" marR="50800" marT="50800" marB="50800" horzOverflow="overflow">
+                    <a:lnR w="12700" cap="flat" cmpd="sng" algn="ctr">
+                      <a:solidFill>
+                        <a:schemeClr val="tx1"/>
+                      </a:solidFill>
+                      <a:prstDash val="solid"/>
+                      <a:round/>
+                      <a:headEnd type="none" w="med" len="med"/>
+                      <a:tailEnd type="none" w="med" len="med"/>
+                    </a:lnR>
+                  </a:tcPr>
+                </a:tc>
+                <a:extLst>
+                  <a:ext uri="{0D108BD9-81ED-4DB2-BD59-A6C34878D82A}">
+                    <a16:rowId xmlns:a16="http://schemas.microsoft.com/office/drawing/2014/main" val="4067934465"/>
+                  </a:ext>
+                </a:extLst>
+              </a:tr>
+              <a:tr h="402446">
+                <a:tc>
+                  <a:txBody>
+                    <a:bodyPr/>
+                    <a:lstStyle/>
+                    <a:p>
+                      <a:pPr algn="r" defTabSz="457200">
+                        <a:defRPr b="0"/>
+                      </a:pPr>
+                      <a:r>
+                        <a:rPr sz="1800" b="1" dirty="0"/>
+                        <a:t>9</a:t>
+                      </a:r>
+                    </a:p>
+                  </a:txBody>
+                  <a:tcPr marL="50800" marR="50800" marT="50800" marB="50800" horzOverflow="overflow">
+                    <a:lnL w="12700" cap="flat" cmpd="sng" algn="ctr">
+                      <a:solidFill>
+                        <a:schemeClr val="tx1"/>
+                      </a:solidFill>
+                      <a:prstDash val="solid"/>
+                      <a:round/>
+                      <a:headEnd type="none" w="med" len="med"/>
+                      <a:tailEnd type="none" w="med" len="med"/>
+                    </a:lnL>
+                    <a:lnR w="12700" cap="flat" cmpd="sng" algn="ctr">
+                      <a:solidFill>
+                        <a:schemeClr val="tx1"/>
+                      </a:solidFill>
+                      <a:prstDash val="solid"/>
+                      <a:round/>
+                      <a:headEnd type="none" w="med" len="med"/>
+                      <a:tailEnd type="none" w="med" len="med"/>
+                    </a:lnR>
+                    <a:lnB w="12700" cap="flat" cmpd="sng" algn="ctr">
+                      <a:solidFill>
+                        <a:schemeClr val="tx1"/>
+                      </a:solidFill>
+                      <a:prstDash val="solid"/>
+                      <a:round/>
+                      <a:headEnd type="none" w="med" len="med"/>
+                      <a:tailEnd type="none" w="med" len="med"/>
+                    </a:lnB>
+                  </a:tcPr>
+                </a:tc>
+                <a:tc>
+                  <a:txBody>
+                    <a:bodyPr/>
+                    <a:lstStyle/>
+                    <a:p>
+                      <a:pPr algn="r" defTabSz="457200"/>
+                      <a:r>
+                        <a:rPr lang="en-US" sz="1800" dirty="0"/>
+                        <a:t>0</a:t>
+                      </a:r>
+                      <a:endParaRPr sz="1800" dirty="0"/>
+                    </a:p>
+                  </a:txBody>
+                  <a:tcPr marL="50800" marR="50800" marT="50800" marB="50800" horzOverflow="overflow">
+                    <a:lnL w="12700" cap="flat" cmpd="sng" algn="ctr">
+                      <a:solidFill>
+                        <a:schemeClr val="tx1"/>
+                      </a:solidFill>
+                      <a:prstDash val="solid"/>
+                      <a:round/>
+                      <a:headEnd type="none" w="med" len="med"/>
+                      <a:tailEnd type="none" w="med" len="med"/>
+                    </a:lnL>
+                    <a:lnR w="12700" cap="flat" cmpd="sng" algn="ctr">
+                      <a:solidFill>
+                        <a:schemeClr val="tx1"/>
+                      </a:solidFill>
+                      <a:prstDash val="solid"/>
+                      <a:round/>
+                      <a:headEnd type="none" w="med" len="med"/>
+                      <a:tailEnd type="none" w="med" len="med"/>
+                    </a:lnR>
+                    <a:lnB w="12700" cap="flat" cmpd="sng" algn="ctr">
+                      <a:solidFill>
+                        <a:schemeClr val="tx1"/>
+                      </a:solidFill>
+                      <a:prstDash val="solid"/>
+                      <a:round/>
+                      <a:headEnd type="none" w="med" len="med"/>
+                      <a:tailEnd type="none" w="med" len="med"/>
+                    </a:lnB>
+                  </a:tcPr>
+                </a:tc>
+                <a:tc>
+                  <a:txBody>
+                    <a:bodyPr/>
+                    <a:lstStyle/>
+                    <a:p>
+                      <a:pPr algn="r" defTabSz="457200"/>
+                      <a:r>
+                        <a:rPr sz="1800" dirty="0"/>
+                        <a:t>3</a:t>
+                      </a:r>
+                    </a:p>
+                  </a:txBody>
+                  <a:tcPr marL="50800" marR="50800" marT="50800" marB="50800" horzOverflow="overflow">
+                    <a:lnL w="12700" cap="flat" cmpd="sng" algn="ctr">
+                      <a:solidFill>
+                        <a:schemeClr val="tx1"/>
+                      </a:solidFill>
+                      <a:prstDash val="solid"/>
+                      <a:round/>
+                      <a:headEnd type="none" w="med" len="med"/>
+                      <a:tailEnd type="none" w="med" len="med"/>
+                    </a:lnL>
+                    <a:lnB w="12700" cap="flat" cmpd="sng" algn="ctr">
+                      <a:solidFill>
+                        <a:schemeClr val="tx1"/>
+                      </a:solidFill>
+                      <a:prstDash val="solid"/>
+                      <a:round/>
+                      <a:headEnd type="none" w="med" len="med"/>
+                      <a:tailEnd type="none" w="med" len="med"/>
+                    </a:lnB>
+                  </a:tcPr>
+                </a:tc>
+                <a:tc>
+                  <a:txBody>
+                    <a:bodyPr/>
+                    <a:lstStyle/>
+                    <a:p>
+                      <a:pPr algn="r" defTabSz="457200"/>
+                      <a:r>
+                        <a:rPr sz="1800" dirty="0"/>
+                        <a:t>7</a:t>
+                      </a:r>
+                    </a:p>
+                  </a:txBody>
+                  <a:tcPr marL="50800" marR="50800" marT="50800" marB="50800" horzOverflow="overflow">
+                    <a:lnB w="12700" cap="flat" cmpd="sng" algn="ctr">
+                      <a:solidFill>
+                        <a:schemeClr val="tx1"/>
+                      </a:solidFill>
+                      <a:prstDash val="solid"/>
+                      <a:round/>
+                      <a:headEnd type="none" w="med" len="med"/>
+                      <a:tailEnd type="none" w="med" len="med"/>
+                    </a:lnB>
+                  </a:tcPr>
+                </a:tc>
+                <a:tc>
+                  <a:txBody>
+                    <a:bodyPr/>
+                    <a:lstStyle/>
+                    <a:p>
+                      <a:pPr algn="r" defTabSz="457200"/>
+                      <a:r>
+                        <a:rPr sz="1800" dirty="0"/>
+                        <a:t>-4</a:t>
+                      </a:r>
+                    </a:p>
+                  </a:txBody>
+                  <a:tcPr marL="50800" marR="50800" marT="50800" marB="50800" horzOverflow="overflow">
+                    <a:lnB w="12700" cap="flat" cmpd="sng" algn="ctr">
+                      <a:solidFill>
+                        <a:schemeClr val="tx1"/>
+                      </a:solidFill>
+                      <a:prstDash val="solid"/>
+                      <a:round/>
+                      <a:headEnd type="none" w="med" len="med"/>
+                      <a:tailEnd type="none" w="med" len="med"/>
+                    </a:lnB>
+                  </a:tcPr>
+                </a:tc>
+                <a:tc>
+                  <a:txBody>
+                    <a:bodyPr/>
+                    <a:lstStyle/>
+                    <a:p>
+                      <a:pPr algn="r" defTabSz="457200"/>
+                      <a:r>
+                        <a:rPr sz="1800" dirty="0"/>
+                        <a:t>7</a:t>
+                      </a:r>
+                    </a:p>
+                  </a:txBody>
+                  <a:tcPr marL="50800" marR="50800" marT="50800" marB="50800" horzOverflow="overflow">
+                    <a:lnR w="12700" cap="flat" cmpd="sng" algn="ctr">
+                      <a:solidFill>
+                        <a:schemeClr val="tx1"/>
+                      </a:solidFill>
+                      <a:prstDash val="solid"/>
+                      <a:round/>
+                      <a:headEnd type="none" w="med" len="med"/>
+                      <a:tailEnd type="none" w="med" len="med"/>
+                    </a:lnR>
+                    <a:lnB w="12700" cap="flat" cmpd="sng" algn="ctr">
+                      <a:solidFill>
+                        <a:schemeClr val="tx1"/>
+                      </a:solidFill>
+                      <a:prstDash val="solid"/>
+                      <a:round/>
+                      <a:headEnd type="none" w="med" len="med"/>
+                      <a:tailEnd type="none" w="med" len="med"/>
+                    </a:lnB>
+                  </a:tcPr>
+                </a:tc>
+                <a:extLst>
+                  <a:ext uri="{0D108BD9-81ED-4DB2-BD59-A6C34878D82A}">
+                    <a16:rowId xmlns:a16="http://schemas.microsoft.com/office/drawing/2014/main" val="3632057148"/>
+                  </a:ext>
+                </a:extLst>
+              </a:tr>
+            </a:tbl>
+          </a:graphicData>
+        </a:graphic>
+      </p:graphicFrame>
+    </p:spTree>
+    <p:extLst>
+      <p:ext uri="{BB962C8B-B14F-4D97-AF65-F5344CB8AC3E}">
+        <p14:creationId xmlns:p14="http://schemas.microsoft.com/office/powerpoint/2010/main" val="143168710"/>
+      </p:ext>
+    </p:extLst>
+  </p:cSld>
+  <p:clrMapOvr>
+    <a:masterClrMapping/>
+  </p:clrMapOvr>
+</p:sld>
+</file>
+
+<file path=ppt/slides/slide18.xml><?xml version="1.0" encoding="utf-8"?>
+<p:sld xmlns:a="http://schemas.openxmlformats.org/drawingml/2006/main" xmlns:r="http://schemas.openxmlformats.org/officeDocument/2006/relationships" xmlns:p="http://schemas.openxmlformats.org/presentationml/2006/main">
+  <p:cSld>
+    <p:spTree>
+      <p:nvGrpSpPr>
+        <p:cNvPr id="1" name=""/>
+        <p:cNvGrpSpPr/>
+        <p:nvPr/>
+      </p:nvGrpSpPr>
+      <p:grpSpPr>
+        <a:xfrm>
+          <a:off x="0" y="0"/>
+          <a:ext cx="0" cy="0"/>
+          <a:chOff x="0" y="0"/>
+          <a:chExt cx="0" cy="0"/>
+        </a:xfrm>
+      </p:grpSpPr>
+      <p:sp>
+        <p:nvSpPr>
+          <p:cNvPr id="2" name="Title 1">
+            <a:extLst>
+              <a:ext uri="{FF2B5EF4-FFF2-40B4-BE49-F238E27FC236}">
                 <a16:creationId xmlns:a16="http://schemas.microsoft.com/office/drawing/2014/main" id="{6C9F1078-DD23-A63A-2068-D7DF22727BF8}"/>
               </a:ext>
             </a:extLst>
@@ -8085,8 +10497,8 @@
           </a:p>
         </p:txBody>
       </p:sp>
-      <mc:AlternateContent xmlns:mc="http://schemas.openxmlformats.org/markup-compatibility/2006">
-        <mc:Choice xmlns:a14="http://schemas.microsoft.com/office/drawing/2010/main" Requires="a14">
+      <mc:AlternateContent xmlns:mc="http://schemas.openxmlformats.org/markup-compatibility/2006" xmlns:a14="http://schemas.microsoft.com/office/drawing/2010/main">
+        <mc:Choice Requires="a14">
           <p:sp>
             <p:nvSpPr>
               <p:cNvPr id="3" name="Content Placeholder 2">
@@ -8740,7 +11152,7 @@
             </p:txBody>
           </p:sp>
         </mc:Choice>
-        <mc:Fallback>
+        <mc:Fallback xmlns="">
           <p:sp>
             <p:nvSpPr>
               <p:cNvPr id="3" name="Content Placeholder 2">
@@ -8793,7 +11205,7 @@
 </p:sld>
 </file>
 
-<file path=ppt/slides/slide18.xml><?xml version="1.0" encoding="utf-8"?>
+<file path=ppt/slides/slide19.xml><?xml version="1.0" encoding="utf-8"?>
 <p:sld xmlns:a="http://schemas.openxmlformats.org/drawingml/2006/main" xmlns:r="http://schemas.openxmlformats.org/officeDocument/2006/relationships" xmlns:p="http://schemas.openxmlformats.org/presentationml/2006/main">
   <p:cSld>
     <p:spTree>
@@ -8875,7 +11287,7 @@
             <a:pPr lvl="1"/>
             <a:r>
               <a:rPr lang="en-US" dirty="0"/>
-              <a:t>We need to be looking for exogenous sources of randomization into treatment</a:t>
+              <a:t>We need to be looking for exogenous sources of randomization into treatment – similar to instrument exogeneity</a:t>
             </a:r>
           </a:p>
           <a:p>
@@ -8922,89 +11334,6 @@
     <p:extLst>
       <p:ext uri="{BB962C8B-B14F-4D97-AF65-F5344CB8AC3E}">
         <p14:creationId xmlns:p14="http://schemas.microsoft.com/office/powerpoint/2010/main" val="1197395011"/>
-      </p:ext>
-    </p:extLst>
-  </p:cSld>
-  <p:clrMapOvr>
-    <a:masterClrMapping/>
-  </p:clrMapOvr>
-</p:sld>
-</file>
-
-<file path=ppt/slides/slide19.xml><?xml version="1.0" encoding="utf-8"?>
-<p:sld xmlns:a="http://schemas.openxmlformats.org/drawingml/2006/main" xmlns:r="http://schemas.openxmlformats.org/officeDocument/2006/relationships" xmlns:p="http://schemas.openxmlformats.org/presentationml/2006/main">
-  <p:cSld>
-    <p:spTree>
-      <p:nvGrpSpPr>
-        <p:cNvPr id="1" name=""/>
-        <p:cNvGrpSpPr/>
-        <p:nvPr/>
-      </p:nvGrpSpPr>
-      <p:grpSpPr>
-        <a:xfrm>
-          <a:off x="0" y="0"/>
-          <a:ext cx="0" cy="0"/>
-          <a:chOff x="0" y="0"/>
-          <a:chExt cx="0" cy="0"/>
-        </a:xfrm>
-      </p:grpSpPr>
-      <p:sp>
-        <p:nvSpPr>
-          <p:cNvPr id="2" name="Title 1">
-            <a:extLst>
-              <a:ext uri="{FF2B5EF4-FFF2-40B4-BE49-F238E27FC236}">
-                <a16:creationId xmlns:a16="http://schemas.microsoft.com/office/drawing/2014/main" id="{B78D2899-5949-C1C1-5D43-C270EDD76965}"/>
-              </a:ext>
-            </a:extLst>
-          </p:cNvPr>
-          <p:cNvSpPr>
-            <a:spLocks noGrp="1"/>
-          </p:cNvSpPr>
-          <p:nvPr>
-            <p:ph type="title"/>
-          </p:nvPr>
-        </p:nvSpPr>
-        <p:spPr/>
-        <p:txBody>
-          <a:bodyPr/>
-          <a:lstStyle/>
-          <a:p>
-            <a:r>
-              <a:rPr lang="en-US" dirty="0"/>
-              <a:t>Policy Analysis with Two-Period Panel Data</a:t>
-            </a:r>
-          </a:p>
-        </p:txBody>
-      </p:sp>
-      <p:sp>
-        <p:nvSpPr>
-          <p:cNvPr id="3" name="Text Placeholder 2">
-            <a:extLst>
-              <a:ext uri="{FF2B5EF4-FFF2-40B4-BE49-F238E27FC236}">
-                <a16:creationId xmlns:a16="http://schemas.microsoft.com/office/drawing/2014/main" id="{C398235B-78E9-0794-E84E-D19EDA2DD49A}"/>
-              </a:ext>
-            </a:extLst>
-          </p:cNvPr>
-          <p:cNvSpPr>
-            <a:spLocks noGrp="1"/>
-          </p:cNvSpPr>
-          <p:nvPr>
-            <p:ph type="body" idx="1"/>
-          </p:nvPr>
-        </p:nvSpPr>
-        <p:spPr/>
-        <p:txBody>
-          <a:bodyPr/>
-          <a:lstStyle/>
-          <a:p>
-            <a:endParaRPr lang="en-US"/>
-          </a:p>
-        </p:txBody>
-      </p:sp>
-    </p:spTree>
-    <p:extLst>
-      <p:ext uri="{BB962C8B-B14F-4D97-AF65-F5344CB8AC3E}">
-        <p14:creationId xmlns:p14="http://schemas.microsoft.com/office/powerpoint/2010/main" val="867808765"/>
       </p:ext>
     </p:extLst>
   </p:cSld>
@@ -9088,12 +11417,6 @@
           <a:p>
             <a:r>
               <a:rPr lang="en-US" dirty="0"/>
-              <a:t>Policy Analysis with Fixed Effects</a:t>
-            </a:r>
-          </a:p>
-          <a:p>
-            <a:r>
-              <a:rPr lang="en-US" dirty="0"/>
               <a:t>Natural Experiments</a:t>
             </a:r>
           </a:p>
@@ -9101,6 +11424,12 @@
             <a:r>
               <a:rPr lang="en-US" dirty="0"/>
               <a:t>2-by-2 Difference-in-Differences</a:t>
+            </a:r>
+          </a:p>
+          <a:p>
+            <a:r>
+              <a:rPr lang="en-US" dirty="0"/>
+              <a:t>Two-Way Fixed Effects for Policy Analysis</a:t>
             </a:r>
           </a:p>
           <a:p>
@@ -9152,726 +11481,6 @@
           <p:cNvPr id="2" name="Title 1">
             <a:extLst>
               <a:ext uri="{FF2B5EF4-FFF2-40B4-BE49-F238E27FC236}">
-                <a16:creationId xmlns:a16="http://schemas.microsoft.com/office/drawing/2014/main" id="{B66F74C2-4A04-4F3E-1D8A-160B3BA847BD}"/>
-              </a:ext>
-            </a:extLst>
-          </p:cNvPr>
-          <p:cNvSpPr>
-            <a:spLocks noGrp="1"/>
-          </p:cNvSpPr>
-          <p:nvPr>
-            <p:ph type="title"/>
-          </p:nvPr>
-        </p:nvSpPr>
-        <p:spPr/>
-        <p:txBody>
-          <a:bodyPr/>
-          <a:lstStyle/>
-          <a:p>
-            <a:r>
-              <a:rPr lang="en-US" dirty="0"/>
-              <a:t>Fixed Effects (Within) for Policy Analysis</a:t>
-            </a:r>
-          </a:p>
-        </p:txBody>
-      </p:sp>
-      <mc:AlternateContent xmlns:mc="http://schemas.openxmlformats.org/markup-compatibility/2006" xmlns:a14="http://schemas.microsoft.com/office/drawing/2010/main">
-        <mc:Choice Requires="a14">
-          <p:sp>
-            <p:nvSpPr>
-              <p:cNvPr id="3" name="Content Placeholder 2">
-                <a:extLst>
-                  <a:ext uri="{FF2B5EF4-FFF2-40B4-BE49-F238E27FC236}">
-                    <a16:creationId xmlns:a16="http://schemas.microsoft.com/office/drawing/2014/main" id="{F2C1707B-C956-2DA0-0E67-514BFC46F759}"/>
-                  </a:ext>
-                </a:extLst>
-              </p:cNvPr>
-              <p:cNvSpPr>
-                <a:spLocks noGrp="1"/>
-              </p:cNvSpPr>
-              <p:nvPr>
-                <p:ph idx="1"/>
-              </p:nvPr>
-            </p:nvSpPr>
-            <p:spPr/>
-            <p:txBody>
-              <a:bodyPr>
-                <a:normAutofit/>
-              </a:bodyPr>
-              <a:lstStyle/>
-              <a:p>
-                <a:r>
-                  <a:rPr lang="en-US" dirty="0"/>
-                  <a:t>Our Fixed Effects (Within) estimator can be useful tool to assess impacts of policy and program evaluation</a:t>
-                </a:r>
-              </a:p>
-              <a:p>
-                <a:pPr lvl="1"/>
-                <a:r>
-                  <a:rPr lang="en-US" dirty="0"/>
-                  <a:t>We have already discussed the properties and assumption of the FE estimator, but we will apply it in a policy/program context</a:t>
-                </a:r>
-              </a:p>
-              <a:p>
-                <a:r>
-                  <a:rPr lang="en-US" dirty="0"/>
-                  <a:t>With the FE Estimator, we can control for time-invariant factors</a:t>
-                </a:r>
-              </a:p>
-              <a:p>
-                <a:pPr lvl="1"/>
-                <a:r>
-                  <a:rPr lang="en-US" dirty="0"/>
-                  <a:t>We need at least 2 periods</a:t>
-                </a:r>
-              </a:p>
-              <a:p>
-                <a:r>
-                  <a:rPr lang="en-US" dirty="0"/>
-                  <a:t>Our general fixed effects model for policy analysis</a:t>
-                </a:r>
-              </a:p>
-              <a:p>
-                <a:pPr lvl="1"/>
-                <a14:m>
-                  <m:oMath xmlns:m="http://schemas.openxmlformats.org/officeDocument/2006/math">
-                    <m:sSub>
-                      <m:sSubPr>
-                        <m:ctrlPr>
-                          <a:rPr lang="en-US" b="0" i="1" smtClean="0">
-                            <a:latin typeface="Cambria Math" panose="02040503050406030204" pitchFamily="18" charset="0"/>
-                          </a:rPr>
-                        </m:ctrlPr>
-                      </m:sSubPr>
-                      <m:e>
-                        <m:r>
-                          <a:rPr lang="en-US" b="0" i="1" smtClean="0">
-                            <a:latin typeface="Cambria Math" panose="02040503050406030204" pitchFamily="18" charset="0"/>
-                          </a:rPr>
-                          <m:t>𝑦</m:t>
-                        </m:r>
-                      </m:e>
-                      <m:sub>
-                        <m:r>
-                          <a:rPr lang="en-US" b="0" i="1" smtClean="0">
-                            <a:latin typeface="Cambria Math" panose="02040503050406030204" pitchFamily="18" charset="0"/>
-                          </a:rPr>
-                          <m:t>𝑖𝑡</m:t>
-                        </m:r>
-                      </m:sub>
-                    </m:sSub>
-                    <m:r>
-                      <a:rPr lang="en-US" b="0" i="1" smtClean="0">
-                        <a:latin typeface="Cambria Math" panose="02040503050406030204" pitchFamily="18" charset="0"/>
-                      </a:rPr>
-                      <m:t>=</m:t>
-                    </m:r>
-                    <m:sSub>
-                      <m:sSubPr>
-                        <m:ctrlPr>
-                          <a:rPr lang="en-US" b="0" i="1" smtClean="0">
-                            <a:latin typeface="Cambria Math" panose="02040503050406030204" pitchFamily="18" charset="0"/>
-                          </a:rPr>
-                        </m:ctrlPr>
-                      </m:sSubPr>
-                      <m:e>
-                        <m:r>
-                          <a:rPr lang="en-US" b="0" i="1" smtClean="0">
-                            <a:latin typeface="Cambria Math" panose="02040503050406030204" pitchFamily="18" charset="0"/>
-                          </a:rPr>
-                          <m:t>𝛽</m:t>
-                        </m:r>
-                      </m:e>
-                      <m:sub>
-                        <m:r>
-                          <a:rPr lang="en-US" b="0" i="1" smtClean="0">
-                            <a:latin typeface="Cambria Math" panose="02040503050406030204" pitchFamily="18" charset="0"/>
-                          </a:rPr>
-                          <m:t>0</m:t>
-                        </m:r>
-                      </m:sub>
-                    </m:sSub>
-                    <m:r>
-                      <a:rPr lang="en-US" b="0" i="1" smtClean="0">
-                        <a:latin typeface="Cambria Math" panose="02040503050406030204" pitchFamily="18" charset="0"/>
-                      </a:rPr>
-                      <m:t>+</m:t>
-                    </m:r>
-                    <m:sSub>
-                      <m:sSubPr>
-                        <m:ctrlPr>
-                          <a:rPr lang="en-US" b="0" i="1" smtClean="0">
-                            <a:latin typeface="Cambria Math" panose="02040503050406030204" pitchFamily="18" charset="0"/>
-                          </a:rPr>
-                        </m:ctrlPr>
-                      </m:sSubPr>
-                      <m:e>
-                        <m:r>
-                          <a:rPr lang="en-US" b="0" i="1" smtClean="0">
-                            <a:latin typeface="Cambria Math" panose="02040503050406030204" pitchFamily="18" charset="0"/>
-                          </a:rPr>
-                          <m:t>𝛿</m:t>
-                        </m:r>
-                      </m:e>
-                      <m:sub>
-                        <m:r>
-                          <a:rPr lang="en-US" b="0" i="1" smtClean="0">
-                            <a:latin typeface="Cambria Math" panose="02040503050406030204" pitchFamily="18" charset="0"/>
-                          </a:rPr>
-                          <m:t>0</m:t>
-                        </m:r>
-                      </m:sub>
-                    </m:sSub>
-                    <m:r>
-                      <a:rPr lang="en-US" b="0" i="1" smtClean="0">
-                        <a:latin typeface="Cambria Math" panose="02040503050406030204" pitchFamily="18" charset="0"/>
-                      </a:rPr>
-                      <m:t>𝑑</m:t>
-                    </m:r>
-                    <m:sSub>
-                      <m:sSubPr>
-                        <m:ctrlPr>
-                          <a:rPr lang="en-US" b="0" i="1" smtClean="0">
-                            <a:latin typeface="Cambria Math" panose="02040503050406030204" pitchFamily="18" charset="0"/>
-                          </a:rPr>
-                        </m:ctrlPr>
-                      </m:sSubPr>
-                      <m:e>
-                        <m:r>
-                          <a:rPr lang="en-US" b="0" i="1" smtClean="0">
-                            <a:latin typeface="Cambria Math" panose="02040503050406030204" pitchFamily="18" charset="0"/>
-                          </a:rPr>
-                          <m:t>2</m:t>
-                        </m:r>
-                      </m:e>
-                      <m:sub>
-                        <m:r>
-                          <a:rPr lang="en-US" b="0" i="1" smtClean="0">
-                            <a:latin typeface="Cambria Math" panose="02040503050406030204" pitchFamily="18" charset="0"/>
-                          </a:rPr>
-                          <m:t>𝑡</m:t>
-                        </m:r>
-                      </m:sub>
-                    </m:sSub>
-                    <m:r>
-                      <a:rPr lang="en-US" b="0" i="1" smtClean="0">
-                        <a:latin typeface="Cambria Math" panose="02040503050406030204" pitchFamily="18" charset="0"/>
-                      </a:rPr>
-                      <m:t>+</m:t>
-                    </m:r>
-                    <m:sSub>
-                      <m:sSubPr>
-                        <m:ctrlPr>
-                          <a:rPr lang="en-US" b="0" i="1" smtClean="0">
-                            <a:latin typeface="Cambria Math" panose="02040503050406030204" pitchFamily="18" charset="0"/>
-                          </a:rPr>
-                        </m:ctrlPr>
-                      </m:sSubPr>
-                      <m:e>
-                        <m:r>
-                          <a:rPr lang="en-US" b="0" i="1" smtClean="0">
-                            <a:latin typeface="Cambria Math" panose="02040503050406030204" pitchFamily="18" charset="0"/>
-                          </a:rPr>
-                          <m:t>𝛽</m:t>
-                        </m:r>
-                      </m:e>
-                      <m:sub>
-                        <m:r>
-                          <a:rPr lang="en-US" b="0" i="1" smtClean="0">
-                            <a:latin typeface="Cambria Math" panose="02040503050406030204" pitchFamily="18" charset="0"/>
-                          </a:rPr>
-                          <m:t>1</m:t>
-                        </m:r>
-                      </m:sub>
-                    </m:sSub>
-                    <m:r>
-                      <a:rPr lang="en-US" b="0" i="1" smtClean="0">
-                        <a:latin typeface="Cambria Math" panose="02040503050406030204" pitchFamily="18" charset="0"/>
-                      </a:rPr>
-                      <m:t>𝑝𝑟𝑜𝑔𝑟𝑎</m:t>
-                    </m:r>
-                    <m:sSub>
-                      <m:sSubPr>
-                        <m:ctrlPr>
-                          <a:rPr lang="en-US" b="0" i="1" smtClean="0">
-                            <a:latin typeface="Cambria Math" panose="02040503050406030204" pitchFamily="18" charset="0"/>
-                          </a:rPr>
-                        </m:ctrlPr>
-                      </m:sSubPr>
-                      <m:e>
-                        <m:r>
-                          <a:rPr lang="en-US" b="0" i="1" smtClean="0">
-                            <a:latin typeface="Cambria Math" panose="02040503050406030204" pitchFamily="18" charset="0"/>
-                          </a:rPr>
-                          <m:t>𝑚</m:t>
-                        </m:r>
-                      </m:e>
-                      <m:sub>
-                        <m:r>
-                          <a:rPr lang="en-US" b="0" i="1" smtClean="0">
-                            <a:latin typeface="Cambria Math" panose="02040503050406030204" pitchFamily="18" charset="0"/>
-                          </a:rPr>
-                          <m:t>𝑖𝑡</m:t>
-                        </m:r>
-                      </m:sub>
-                    </m:sSub>
-                    <m:r>
-                      <a:rPr lang="en-US" b="0" i="1" smtClean="0">
-                        <a:latin typeface="Cambria Math" panose="02040503050406030204" pitchFamily="18" charset="0"/>
-                      </a:rPr>
-                      <m:t>+</m:t>
-                    </m:r>
-                    <m:sSub>
-                      <m:sSubPr>
-                        <m:ctrlPr>
-                          <a:rPr lang="en-US" b="0" i="1" smtClean="0">
-                            <a:latin typeface="Cambria Math" panose="02040503050406030204" pitchFamily="18" charset="0"/>
-                          </a:rPr>
-                        </m:ctrlPr>
-                      </m:sSubPr>
-                      <m:e>
-                        <m:r>
-                          <a:rPr lang="en-US" b="0" i="1" smtClean="0">
-                            <a:latin typeface="Cambria Math" panose="02040503050406030204" pitchFamily="18" charset="0"/>
-                          </a:rPr>
-                          <m:t>𝑎</m:t>
-                        </m:r>
-                      </m:e>
-                      <m:sub>
-                        <m:r>
-                          <a:rPr lang="en-US" b="0" i="1" smtClean="0">
-                            <a:latin typeface="Cambria Math" panose="02040503050406030204" pitchFamily="18" charset="0"/>
-                          </a:rPr>
-                          <m:t>𝑖</m:t>
-                        </m:r>
-                      </m:sub>
-                    </m:sSub>
-                    <m:r>
-                      <a:rPr lang="en-US" b="0" i="1" smtClean="0">
-                        <a:latin typeface="Cambria Math" panose="02040503050406030204" pitchFamily="18" charset="0"/>
-                      </a:rPr>
-                      <m:t>+</m:t>
-                    </m:r>
-                    <m:sSub>
-                      <m:sSubPr>
-                        <m:ctrlPr>
-                          <a:rPr lang="en-US" b="0" i="1" smtClean="0">
-                            <a:latin typeface="Cambria Math" panose="02040503050406030204" pitchFamily="18" charset="0"/>
-                          </a:rPr>
-                        </m:ctrlPr>
-                      </m:sSubPr>
-                      <m:e>
-                        <m:r>
-                          <a:rPr lang="en-US" b="0" i="1" smtClean="0">
-                            <a:latin typeface="Cambria Math" panose="02040503050406030204" pitchFamily="18" charset="0"/>
-                          </a:rPr>
-                          <m:t>𝑢</m:t>
-                        </m:r>
-                      </m:e>
-                      <m:sub>
-                        <m:r>
-                          <a:rPr lang="en-US" b="0" i="1" smtClean="0">
-                            <a:latin typeface="Cambria Math" panose="02040503050406030204" pitchFamily="18" charset="0"/>
-                          </a:rPr>
-                          <m:t>𝑖</m:t>
-                        </m:r>
-                      </m:sub>
-                    </m:sSub>
-                  </m:oMath>
-                </a14:m>
-                <a:endParaRPr lang="en-US" dirty="0"/>
-              </a:p>
-              <a:p>
-                <a:r>
-                  <a:rPr lang="en-US" dirty="0"/>
-                  <a:t>Our estimated effect for the Two-Way Fixed Effects Estimator</a:t>
-                </a:r>
-              </a:p>
-              <a:p>
-                <a:pPr lvl="1"/>
-                <a14:m>
-                  <m:oMath xmlns:m="http://schemas.openxmlformats.org/officeDocument/2006/math">
-                    <m:sSub>
-                      <m:sSubPr>
-                        <m:ctrlPr>
-                          <a:rPr lang="en-US" b="0" i="1" dirty="0" smtClean="0">
-                            <a:latin typeface="Cambria Math" panose="02040503050406030204" pitchFamily="18" charset="0"/>
-                          </a:rPr>
-                        </m:ctrlPr>
-                      </m:sSubPr>
-                      <m:e>
-                        <m:acc>
-                          <m:accPr>
-                            <m:chr m:val="̂"/>
-                            <m:ctrlPr>
-                              <a:rPr lang="en-US" b="0" i="1" smtClean="0">
-                                <a:latin typeface="Cambria Math" panose="02040503050406030204" pitchFamily="18" charset="0"/>
-                              </a:rPr>
-                            </m:ctrlPr>
-                          </m:accPr>
-                          <m:e>
-                            <m:r>
-                              <a:rPr lang="en-US" b="0" i="1" smtClean="0">
-                                <a:latin typeface="Cambria Math" panose="02040503050406030204" pitchFamily="18" charset="0"/>
-                              </a:rPr>
-                              <m:t>𝛽</m:t>
-                            </m:r>
-                          </m:e>
-                        </m:acc>
-                      </m:e>
-                      <m:sub>
-                        <m:r>
-                          <a:rPr lang="en-US" b="0" i="1" dirty="0" smtClean="0">
-                            <a:latin typeface="Cambria Math" panose="02040503050406030204" pitchFamily="18" charset="0"/>
-                          </a:rPr>
-                          <m:t>1</m:t>
-                        </m:r>
-                      </m:sub>
-                    </m:sSub>
-                    <m:r>
-                      <a:rPr lang="en-US" b="0" i="1" dirty="0" smtClean="0">
-                        <a:latin typeface="Cambria Math" panose="02040503050406030204" pitchFamily="18" charset="0"/>
-                      </a:rPr>
-                      <m:t>=</m:t>
-                    </m:r>
-                    <m:sSub>
-                      <m:sSubPr>
-                        <m:ctrlPr>
-                          <a:rPr lang="en-US" b="0" i="1" dirty="0" smtClean="0">
-                            <a:latin typeface="Cambria Math" panose="02040503050406030204" pitchFamily="18" charset="0"/>
-                          </a:rPr>
-                        </m:ctrlPr>
-                      </m:sSubPr>
-                      <m:e>
-                        <m:acc>
-                          <m:accPr>
-                            <m:chr m:val="̅"/>
-                            <m:ctrlPr>
-                              <a:rPr lang="en-US" b="0" i="1" dirty="0" smtClean="0">
-                                <a:latin typeface="Cambria Math" panose="02040503050406030204" pitchFamily="18" charset="0"/>
-                              </a:rPr>
-                            </m:ctrlPr>
-                          </m:accPr>
-                          <m:e>
-                            <m:r>
-                              <m:rPr>
-                                <m:sty m:val="p"/>
-                              </m:rPr>
-                              <a:rPr lang="en-US" b="0" i="0" dirty="0" smtClean="0">
-                                <a:latin typeface="Cambria Math" panose="02040503050406030204" pitchFamily="18" charset="0"/>
-                              </a:rPr>
-                              <m:t>Δ</m:t>
-                            </m:r>
-                            <m:r>
-                              <a:rPr lang="en-US" b="0" i="1" dirty="0" smtClean="0">
-                                <a:latin typeface="Cambria Math" panose="02040503050406030204" pitchFamily="18" charset="0"/>
-                              </a:rPr>
-                              <m:t>𝑦</m:t>
-                            </m:r>
-                          </m:e>
-                        </m:acc>
-                      </m:e>
-                      <m:sub>
-                        <m:r>
-                          <a:rPr lang="en-US" b="0" i="1" dirty="0" smtClean="0">
-                            <a:latin typeface="Cambria Math" panose="02040503050406030204" pitchFamily="18" charset="0"/>
-                          </a:rPr>
-                          <m:t>𝑇</m:t>
-                        </m:r>
-                      </m:sub>
-                    </m:sSub>
-                    <m:r>
-                      <a:rPr lang="en-US" b="0" i="1" dirty="0" smtClean="0">
-                        <a:latin typeface="Cambria Math" panose="02040503050406030204" pitchFamily="18" charset="0"/>
-                      </a:rPr>
-                      <m:t>−</m:t>
-                    </m:r>
-                    <m:sSub>
-                      <m:sSubPr>
-                        <m:ctrlPr>
-                          <a:rPr lang="en-US" b="0" i="1" dirty="0" smtClean="0">
-                            <a:latin typeface="Cambria Math" panose="02040503050406030204" pitchFamily="18" charset="0"/>
-                          </a:rPr>
-                        </m:ctrlPr>
-                      </m:sSubPr>
-                      <m:e>
-                        <m:acc>
-                          <m:accPr>
-                            <m:chr m:val="̅"/>
-                            <m:ctrlPr>
-                              <a:rPr lang="en-US" b="0" i="1" dirty="0" smtClean="0">
-                                <a:latin typeface="Cambria Math" panose="02040503050406030204" pitchFamily="18" charset="0"/>
-                              </a:rPr>
-                            </m:ctrlPr>
-                          </m:accPr>
-                          <m:e>
-                            <m:r>
-                              <m:rPr>
-                                <m:sty m:val="p"/>
-                              </m:rPr>
-                              <a:rPr lang="en-US" b="0" i="0" dirty="0" smtClean="0">
-                                <a:latin typeface="Cambria Math" panose="02040503050406030204" pitchFamily="18" charset="0"/>
-                              </a:rPr>
-                              <m:t>Δ</m:t>
-                            </m:r>
-                            <m:r>
-                              <a:rPr lang="en-US" b="0" i="1" dirty="0" smtClean="0">
-                                <a:latin typeface="Cambria Math" panose="02040503050406030204" pitchFamily="18" charset="0"/>
-                              </a:rPr>
-                              <m:t>𝑦</m:t>
-                            </m:r>
-                          </m:e>
-                        </m:acc>
-                      </m:e>
-                      <m:sub>
-                        <m:r>
-                          <a:rPr lang="en-US" b="0" i="1" dirty="0" smtClean="0">
-                            <a:latin typeface="Cambria Math" panose="02040503050406030204" pitchFamily="18" charset="0"/>
-                          </a:rPr>
-                          <m:t>𝐶</m:t>
-                        </m:r>
-                      </m:sub>
-                    </m:sSub>
-                  </m:oMath>
-                </a14:m>
-                <a:endParaRPr lang="en-US" dirty="0"/>
-              </a:p>
-            </p:txBody>
-          </p:sp>
-        </mc:Choice>
-        <mc:Fallback xmlns="">
-          <p:sp>
-            <p:nvSpPr>
-              <p:cNvPr id="3" name="Content Placeholder 2">
-                <a:extLst>
-                  <a:ext uri="{FF2B5EF4-FFF2-40B4-BE49-F238E27FC236}">
-                    <a16:creationId xmlns:a16="http://schemas.microsoft.com/office/drawing/2014/main" id="{F2C1707B-C956-2DA0-0E67-514BFC46F759}"/>
-                  </a:ext>
-                </a:extLst>
-              </p:cNvPr>
-              <p:cNvSpPr>
-                <a:spLocks noGrp="1" noRot="1" noChangeAspect="1" noMove="1" noResize="1" noEditPoints="1" noAdjustHandles="1" noChangeArrowheads="1" noChangeShapeType="1" noTextEdit="1"/>
-              </p:cNvSpPr>
-              <p:nvPr>
-                <p:ph idx="1"/>
-              </p:nvPr>
-            </p:nvSpPr>
-            <p:spPr>
-              <a:blipFill>
-                <a:blip r:embed="rId2"/>
-                <a:stretch>
-                  <a:fillRect l="-1086" t="-2326" b="-1744"/>
-                </a:stretch>
-              </a:blipFill>
-            </p:spPr>
-            <p:txBody>
-              <a:bodyPr/>
-              <a:lstStyle/>
-              <a:p>
-                <a:r>
-                  <a:rPr lang="en-US">
-                    <a:noFill/>
-                  </a:rPr>
-                  <a:t> </a:t>
-                </a:r>
-              </a:p>
-            </p:txBody>
-          </p:sp>
-        </mc:Fallback>
-      </mc:AlternateContent>
-    </p:spTree>
-    <p:extLst>
-      <p:ext uri="{BB962C8B-B14F-4D97-AF65-F5344CB8AC3E}">
-        <p14:creationId xmlns:p14="http://schemas.microsoft.com/office/powerpoint/2010/main" val="3228282735"/>
-      </p:ext>
-    </p:extLst>
-  </p:cSld>
-  <p:clrMapOvr>
-    <a:masterClrMapping/>
-  </p:clrMapOvr>
-</p:sld>
-</file>
-
-<file path=ppt/slides/slide21.xml><?xml version="1.0" encoding="utf-8"?>
-<p:sld xmlns:a="http://schemas.openxmlformats.org/drawingml/2006/main" xmlns:r="http://schemas.openxmlformats.org/officeDocument/2006/relationships" xmlns:p="http://schemas.openxmlformats.org/presentationml/2006/main">
-  <p:cSld>
-    <p:spTree>
-      <p:nvGrpSpPr>
-        <p:cNvPr id="1" name=""/>
-        <p:cNvGrpSpPr/>
-        <p:nvPr/>
-      </p:nvGrpSpPr>
-      <p:grpSpPr>
-        <a:xfrm>
-          <a:off x="0" y="0"/>
-          <a:ext cx="0" cy="0"/>
-          <a:chOff x="0" y="0"/>
-          <a:chExt cx="0" cy="0"/>
-        </a:xfrm>
-      </p:grpSpPr>
-      <p:sp>
-        <p:nvSpPr>
-          <p:cNvPr id="2" name="Title 1">
-            <a:extLst>
-              <a:ext uri="{FF2B5EF4-FFF2-40B4-BE49-F238E27FC236}">
-                <a16:creationId xmlns:a16="http://schemas.microsoft.com/office/drawing/2014/main" id="{B66F74C2-4A04-4F3E-1D8A-160B3BA847BD}"/>
-              </a:ext>
-            </a:extLst>
-          </p:cNvPr>
-          <p:cNvSpPr>
-            <a:spLocks noGrp="1"/>
-          </p:cNvSpPr>
-          <p:nvPr>
-            <p:ph type="title"/>
-          </p:nvPr>
-        </p:nvSpPr>
-        <p:spPr/>
-        <p:txBody>
-          <a:bodyPr/>
-          <a:lstStyle/>
-          <a:p>
-            <a:r>
-              <a:rPr lang="en-US" dirty="0"/>
-              <a:t>Fixed Effects (Within)</a:t>
-            </a:r>
-          </a:p>
-        </p:txBody>
-      </p:sp>
-      <p:sp>
-        <p:nvSpPr>
-          <p:cNvPr id="3" name="Content Placeholder 2">
-            <a:extLst>
-              <a:ext uri="{FF2B5EF4-FFF2-40B4-BE49-F238E27FC236}">
-                <a16:creationId xmlns:a16="http://schemas.microsoft.com/office/drawing/2014/main" id="{F2C1707B-C956-2DA0-0E67-514BFC46F759}"/>
-              </a:ext>
-            </a:extLst>
-          </p:cNvPr>
-          <p:cNvSpPr>
-            <a:spLocks noGrp="1"/>
-          </p:cNvSpPr>
-          <p:nvPr>
-            <p:ph idx="1"/>
-          </p:nvPr>
-        </p:nvSpPr>
-        <p:spPr>
-          <a:xfrm>
-            <a:off x="838200" y="1825624"/>
-            <a:ext cx="10515600" cy="4824557"/>
-          </a:xfrm>
-        </p:spPr>
-        <p:txBody>
-          <a:bodyPr>
-            <a:normAutofit lnSpcReduction="10000"/>
-          </a:bodyPr>
-          <a:lstStyle/>
-          <a:p>
-            <a:r>
-              <a:rPr lang="en-US" dirty="0"/>
-              <a:t>We will cover two examples in Stata</a:t>
-            </a:r>
-          </a:p>
-          <a:p>
-            <a:pPr lvl="1"/>
-            <a:r>
-              <a:rPr lang="en-US" dirty="0"/>
-              <a:t>Effect of grants on preventing scrap waste</a:t>
-            </a:r>
-          </a:p>
-          <a:p>
-            <a:pPr lvl="1"/>
-            <a:r>
-              <a:rPr lang="en-US" dirty="0"/>
-              <a:t>Effect of open container laws on traffic deaths</a:t>
-            </a:r>
-          </a:p>
-          <a:p>
-            <a:r>
-              <a:rPr lang="en-US" dirty="0"/>
-              <a:t>Self-selection</a:t>
-            </a:r>
-          </a:p>
-          <a:p>
-            <a:pPr lvl="1"/>
-            <a:r>
-              <a:rPr lang="en-US" dirty="0"/>
-              <a:t>As we go through these exercises, </a:t>
-            </a:r>
-            <a:r>
-              <a:rPr lang="en-US" b="1" dirty="0"/>
-              <a:t>we need to consider and be cautious of self-selection</a:t>
-            </a:r>
-          </a:p>
-          <a:p>
-            <a:pPr lvl="1"/>
-            <a:r>
-              <a:rPr lang="en-US" dirty="0"/>
-              <a:t>There is still a concern of self-selection into treatment that FE cannot control</a:t>
-            </a:r>
-          </a:p>
-          <a:p>
-            <a:pPr lvl="1"/>
-            <a:r>
-              <a:rPr lang="en-US" dirty="0"/>
-              <a:t>Economic agents will self-select into various actions that will maximize their well-being (including firms maximizing economic profits)</a:t>
-            </a:r>
-          </a:p>
-          <a:p>
-            <a:r>
-              <a:rPr lang="en-US" dirty="0"/>
-              <a:t>Testing strict exogeneity</a:t>
-            </a:r>
-          </a:p>
-          <a:p>
-            <a:pPr lvl="1"/>
-            <a:r>
-              <a:rPr lang="en-US" dirty="0"/>
-              <a:t>We cannot directly test the strict exogeneity assumption</a:t>
-            </a:r>
-          </a:p>
-          <a:p>
-            <a:pPr lvl="1"/>
-            <a:r>
-              <a:rPr lang="en-US" dirty="0"/>
-              <a:t>We need to appeal to theory and other literature</a:t>
-            </a:r>
-          </a:p>
-        </p:txBody>
-      </p:sp>
-    </p:spTree>
-    <p:extLst>
-      <p:ext uri="{BB962C8B-B14F-4D97-AF65-F5344CB8AC3E}">
-        <p14:creationId xmlns:p14="http://schemas.microsoft.com/office/powerpoint/2010/main" val="2212737532"/>
-      </p:ext>
-    </p:extLst>
-  </p:cSld>
-  <p:clrMapOvr>
-    <a:masterClrMapping/>
-  </p:clrMapOvr>
-</p:sld>
-</file>
-
-<file path=ppt/slides/slide22.xml><?xml version="1.0" encoding="utf-8"?>
-<p:sld xmlns:a="http://schemas.openxmlformats.org/drawingml/2006/main" xmlns:r="http://schemas.openxmlformats.org/officeDocument/2006/relationships" xmlns:p="http://schemas.openxmlformats.org/presentationml/2006/main">
-  <p:cSld>
-    <p:spTree>
-      <p:nvGrpSpPr>
-        <p:cNvPr id="1" name=""/>
-        <p:cNvGrpSpPr/>
-        <p:nvPr/>
-      </p:nvGrpSpPr>
-      <p:grpSpPr>
-        <a:xfrm>
-          <a:off x="0" y="0"/>
-          <a:ext cx="0" cy="0"/>
-          <a:chOff x="0" y="0"/>
-          <a:chExt cx="0" cy="0"/>
-        </a:xfrm>
-      </p:grpSpPr>
-      <p:sp>
-        <p:nvSpPr>
-          <p:cNvPr id="2" name="Title 1">
-            <a:extLst>
-              <a:ext uri="{FF2B5EF4-FFF2-40B4-BE49-F238E27FC236}">
                 <a16:creationId xmlns:a16="http://schemas.microsoft.com/office/drawing/2014/main" id="{F794C08A-89D2-50B8-766B-8C5357996EBA}"/>
               </a:ext>
             </a:extLst>
@@ -9933,7 +11542,7 @@
 </p:sld>
 </file>
 
-<file path=ppt/slides/slide23.xml><?xml version="1.0" encoding="utf-8"?>
+<file path=ppt/slides/slide21.xml><?xml version="1.0" encoding="utf-8"?>
 <p:sld xmlns:a="http://schemas.openxmlformats.org/drawingml/2006/main" xmlns:r="http://schemas.openxmlformats.org/officeDocument/2006/relationships" xmlns:p="http://schemas.openxmlformats.org/presentationml/2006/main">
   <p:cSld>
     <p:spTree>
@@ -10010,7 +11619,15 @@
             <a:pPr lvl="1"/>
             <a:r>
               <a:rPr lang="en-US" dirty="0"/>
-              <a:t>These are situations where the economic environment, which may be summarized by an exogenous variable, </a:t>
+              <a:t>These are situations where the economic environment, which may be summarized by an </a:t>
+            </a:r>
+            <a:r>
+              <a:rPr lang="en-US" b="1" dirty="0"/>
+              <a:t>exogenous</a:t>
+            </a:r>
+            <a:r>
+              <a:rPr lang="en-US" dirty="0"/>
+              <a:t> variable, </a:t>
             </a:r>
             <a:r>
               <a:rPr lang="en-US" b="1" dirty="0"/>
@@ -10029,9 +11646,15 @@
             </a:r>
           </a:p>
           <a:p>
+            <a:r>
+              <a:rPr lang="en-US" dirty="0"/>
+              <a:t>Exogenous changes</a:t>
+            </a:r>
+          </a:p>
+          <a:p>
             <a:pPr lvl="1"/>
             <a:r>
-              <a:rPr lang="en-US" dirty="0"/>
+              <a:rPr lang="en-US" b="1" dirty="0"/>
               <a:t>The key term here is exogenously changes, which means economic agents do not have time to anticipate the change</a:t>
             </a:r>
           </a:p>
@@ -10064,7 +11687,7 @@
 </p:sld>
 </file>
 
-<file path=ppt/slides/slide24.xml><?xml version="1.0" encoding="utf-8"?>
+<file path=ppt/slides/slide22.xml><?xml version="1.0" encoding="utf-8"?>
 <p:sld xmlns:a="http://schemas.openxmlformats.org/drawingml/2006/main" xmlns:r="http://schemas.openxmlformats.org/officeDocument/2006/relationships" xmlns:p="http://schemas.openxmlformats.org/presentationml/2006/main">
   <p:cSld>
     <p:spTree>
@@ -10224,7 +11847,7 @@
 </p:sld>
 </file>
 
-<file path=ppt/slides/slide25.xml><?xml version="1.0" encoding="utf-8"?>
+<file path=ppt/slides/slide23.xml><?xml version="1.0" encoding="utf-8"?>
 <p:sld xmlns:a="http://schemas.openxmlformats.org/drawingml/2006/main" xmlns:r="http://schemas.openxmlformats.org/officeDocument/2006/relationships" xmlns:p="http://schemas.openxmlformats.org/presentationml/2006/main">
   <p:cSld>
     <p:spTree>
@@ -10350,7 +11973,7 @@
 </p:sld>
 </file>
 
-<file path=ppt/slides/slide26.xml><?xml version="1.0" encoding="utf-8"?>
+<file path=ppt/slides/slide24.xml><?xml version="1.0" encoding="utf-8"?>
 <p:sld xmlns:a="http://schemas.openxmlformats.org/drawingml/2006/main" xmlns:r="http://schemas.openxmlformats.org/officeDocument/2006/relationships" xmlns:p="http://schemas.openxmlformats.org/presentationml/2006/main">
   <p:cSld>
     <p:spTree>
@@ -10520,7 +12143,7 @@
 </p:sld>
 </file>
 
-<file path=ppt/slides/slide27.xml><?xml version="1.0" encoding="utf-8"?>
+<file path=ppt/slides/slide25.xml><?xml version="1.0" encoding="utf-8"?>
 <p:sld xmlns:a="http://schemas.openxmlformats.org/drawingml/2006/main" xmlns:r="http://schemas.openxmlformats.org/officeDocument/2006/relationships" xmlns:p="http://schemas.openxmlformats.org/presentationml/2006/main">
   <p:cSld>
     <p:spTree>
@@ -10677,7 +12300,7 @@
 </p:sld>
 </file>
 
-<file path=ppt/slides/slide28.xml><?xml version="1.0" encoding="utf-8"?>
+<file path=ppt/slides/slide26.xml><?xml version="1.0" encoding="utf-8"?>
 <p:sld xmlns:a="http://schemas.openxmlformats.org/drawingml/2006/main" xmlns:r="http://schemas.openxmlformats.org/officeDocument/2006/relationships" xmlns:p="http://schemas.openxmlformats.org/presentationml/2006/main">
   <p:cSld>
     <p:spTree>
@@ -10812,6 +12435,13 @@
             </a:r>
           </a:p>
           <a:p>
+            <a:pPr lvl="1"/>
+            <a:r>
+              <a:rPr lang="en-US" dirty="0"/>
+              <a:t>Difference-in-Differences with Continuous Treatment</a:t>
+            </a:r>
+          </a:p>
+          <a:p>
             <a:r>
               <a:rPr lang="en-US" dirty="0"/>
               <a:t>Regression Discontinuity Design</a:t>
@@ -10842,7 +12472,7 @@
 </p:sld>
 </file>
 
-<file path=ppt/slides/slide29.xml><?xml version="1.0" encoding="utf-8"?>
+<file path=ppt/slides/slide27.xml><?xml version="1.0" encoding="utf-8"?>
 <p:sld xmlns:a="http://schemas.openxmlformats.org/drawingml/2006/main" xmlns:r="http://schemas.openxmlformats.org/officeDocument/2006/relationships" xmlns:p="http://schemas.openxmlformats.org/presentationml/2006/main">
   <p:cSld>
     <p:spTree>
@@ -10882,7 +12512,7 @@
           <a:p>
             <a:r>
               <a:rPr lang="en-US" dirty="0"/>
-              <a:t>Quasi-experiment design</a:t>
+              <a:t>Quasi-experiment designs</a:t>
             </a:r>
           </a:p>
         </p:txBody>
@@ -10972,6 +12602,229 @@
     <p:extLst>
       <p:ext uri="{BB962C8B-B14F-4D97-AF65-F5344CB8AC3E}">
         <p14:creationId xmlns:p14="http://schemas.microsoft.com/office/powerpoint/2010/main" val="3308197514"/>
+      </p:ext>
+    </p:extLst>
+  </p:cSld>
+  <p:clrMapOvr>
+    <a:masterClrMapping/>
+  </p:clrMapOvr>
+</p:sld>
+</file>
+
+<file path=ppt/slides/slide28.xml><?xml version="1.0" encoding="utf-8"?>
+<p:sld xmlns:a="http://schemas.openxmlformats.org/drawingml/2006/main" xmlns:r="http://schemas.openxmlformats.org/officeDocument/2006/relationships" xmlns:p="http://schemas.openxmlformats.org/presentationml/2006/main">
+  <p:cSld>
+    <p:spTree>
+      <p:nvGrpSpPr>
+        <p:cNvPr id="1" name=""/>
+        <p:cNvGrpSpPr/>
+        <p:nvPr/>
+      </p:nvGrpSpPr>
+      <p:grpSpPr>
+        <a:xfrm>
+          <a:off x="0" y="0"/>
+          <a:ext cx="0" cy="0"/>
+          <a:chOff x="0" y="0"/>
+          <a:chExt cx="0" cy="0"/>
+        </a:xfrm>
+      </p:grpSpPr>
+      <p:sp>
+        <p:nvSpPr>
+          <p:cNvPr id="2" name="Title 1">
+            <a:extLst>
+              <a:ext uri="{FF2B5EF4-FFF2-40B4-BE49-F238E27FC236}">
+                <a16:creationId xmlns:a16="http://schemas.microsoft.com/office/drawing/2014/main" id="{5475193F-937F-F2D9-E0E5-7206A47BCE1D}"/>
+              </a:ext>
+            </a:extLst>
+          </p:cNvPr>
+          <p:cNvSpPr>
+            <a:spLocks noGrp="1"/>
+          </p:cNvSpPr>
+          <p:nvPr>
+            <p:ph type="title"/>
+          </p:nvPr>
+        </p:nvSpPr>
+        <p:spPr/>
+        <p:txBody>
+          <a:bodyPr/>
+          <a:lstStyle/>
+          <a:p>
+            <a:r>
+              <a:rPr lang="en-US" dirty="0"/>
+              <a:t>Intro to Difference-in-Differences</a:t>
+            </a:r>
+          </a:p>
+        </p:txBody>
+      </p:sp>
+      <p:sp>
+        <p:nvSpPr>
+          <p:cNvPr id="3" name="Text Placeholder 2">
+            <a:extLst>
+              <a:ext uri="{FF2B5EF4-FFF2-40B4-BE49-F238E27FC236}">
+                <a16:creationId xmlns:a16="http://schemas.microsoft.com/office/drawing/2014/main" id="{3826F7F0-5821-A1C5-14D9-5D9570933D49}"/>
+              </a:ext>
+            </a:extLst>
+          </p:cNvPr>
+          <p:cNvSpPr>
+            <a:spLocks noGrp="1"/>
+          </p:cNvSpPr>
+          <p:nvPr>
+            <p:ph type="body" idx="1"/>
+          </p:nvPr>
+        </p:nvSpPr>
+        <p:spPr/>
+        <p:txBody>
+          <a:bodyPr/>
+          <a:lstStyle/>
+          <a:p>
+            <a:endParaRPr lang="en-US" dirty="0"/>
+          </a:p>
+        </p:txBody>
+      </p:sp>
+    </p:spTree>
+    <p:extLst>
+      <p:ext uri="{BB962C8B-B14F-4D97-AF65-F5344CB8AC3E}">
+        <p14:creationId xmlns:p14="http://schemas.microsoft.com/office/powerpoint/2010/main" val="251772374"/>
+      </p:ext>
+    </p:extLst>
+  </p:cSld>
+  <p:clrMapOvr>
+    <a:masterClrMapping/>
+  </p:clrMapOvr>
+</p:sld>
+</file>
+
+<file path=ppt/slides/slide29.xml><?xml version="1.0" encoding="utf-8"?>
+<p:sld xmlns:a="http://schemas.openxmlformats.org/drawingml/2006/main" xmlns:r="http://schemas.openxmlformats.org/officeDocument/2006/relationships" xmlns:p="http://schemas.openxmlformats.org/presentationml/2006/main">
+  <p:cSld>
+    <p:spTree>
+      <p:nvGrpSpPr>
+        <p:cNvPr id="1" name=""/>
+        <p:cNvGrpSpPr/>
+        <p:nvPr/>
+      </p:nvGrpSpPr>
+      <p:grpSpPr>
+        <a:xfrm>
+          <a:off x="0" y="0"/>
+          <a:ext cx="0" cy="0"/>
+          <a:chOff x="0" y="0"/>
+          <a:chExt cx="0" cy="0"/>
+        </a:xfrm>
+      </p:grpSpPr>
+      <p:sp>
+        <p:nvSpPr>
+          <p:cNvPr id="2" name="Title 1">
+            <a:extLst>
+              <a:ext uri="{FF2B5EF4-FFF2-40B4-BE49-F238E27FC236}">
+                <a16:creationId xmlns:a16="http://schemas.microsoft.com/office/drawing/2014/main" id="{9548D983-58A7-17A4-9BC6-1CDF3DD1D78F}"/>
+              </a:ext>
+            </a:extLst>
+          </p:cNvPr>
+          <p:cNvSpPr>
+            <a:spLocks noGrp="1"/>
+          </p:cNvSpPr>
+          <p:nvPr>
+            <p:ph type="title"/>
+          </p:nvPr>
+        </p:nvSpPr>
+        <p:spPr/>
+        <p:txBody>
+          <a:bodyPr/>
+          <a:lstStyle/>
+          <a:p>
+            <a:r>
+              <a:rPr lang="en-US" dirty="0"/>
+              <a:t>Difference-in-Differences with Pooled Cross Sections</a:t>
+            </a:r>
+          </a:p>
+        </p:txBody>
+      </p:sp>
+      <p:sp>
+        <p:nvSpPr>
+          <p:cNvPr id="3" name="Content Placeholder 2">
+            <a:extLst>
+              <a:ext uri="{FF2B5EF4-FFF2-40B4-BE49-F238E27FC236}">
+                <a16:creationId xmlns:a16="http://schemas.microsoft.com/office/drawing/2014/main" id="{75EF00B8-73C3-FF4E-B7CF-99DE48C41D11}"/>
+              </a:ext>
+            </a:extLst>
+          </p:cNvPr>
+          <p:cNvSpPr>
+            <a:spLocks noGrp="1"/>
+          </p:cNvSpPr>
+          <p:nvPr>
+            <p:ph idx="1"/>
+          </p:nvPr>
+        </p:nvSpPr>
+        <p:spPr/>
+        <p:txBody>
+          <a:bodyPr/>
+          <a:lstStyle/>
+          <a:p>
+            <a:r>
+              <a:rPr lang="en-US" dirty="0"/>
+              <a:t>Difference-in-Differences design is one of the most popular quasi-experimental designs</a:t>
+            </a:r>
+          </a:p>
+          <a:p>
+            <a:pPr lvl="1"/>
+            <a:r>
+              <a:rPr lang="en-US" dirty="0"/>
+              <a:t>Especially for policy analysis</a:t>
+            </a:r>
+          </a:p>
+          <a:p>
+            <a:r>
+              <a:rPr lang="en-US" dirty="0"/>
+              <a:t>There are a few necessary groups</a:t>
+            </a:r>
+          </a:p>
+          <a:p>
+            <a:pPr lvl="1"/>
+            <a:r>
+              <a:rPr lang="en-US" dirty="0"/>
+              <a:t>We need a treatment group affected by the change</a:t>
+            </a:r>
+          </a:p>
+          <a:p>
+            <a:pPr lvl="1"/>
+            <a:r>
+              <a:rPr lang="en-US" dirty="0"/>
+              <a:t>We need a control group unaffected by the change</a:t>
+            </a:r>
+          </a:p>
+          <a:p>
+            <a:pPr lvl="1"/>
+            <a:r>
+              <a:rPr lang="en-US" dirty="0"/>
+              <a:t>We need at least two time periods</a:t>
+            </a:r>
+          </a:p>
+          <a:p>
+            <a:r>
+              <a:rPr lang="en-US" dirty="0"/>
+              <a:t>Pooled Cross-sectional data can be used at aggregate levels</a:t>
+            </a:r>
+          </a:p>
+          <a:p>
+            <a:pPr lvl="1"/>
+            <a:r>
+              <a:rPr lang="en-US" dirty="0"/>
+              <a:t>We may have two independent random samples at the state level</a:t>
+            </a:r>
+          </a:p>
+          <a:p>
+            <a:pPr lvl="1"/>
+            <a:r>
+              <a:rPr lang="en-US" dirty="0"/>
+              <a:t>But we must have at least two observations from the state</a:t>
+            </a:r>
+          </a:p>
+        </p:txBody>
+      </p:sp>
+    </p:spTree>
+    <p:extLst>
+      <p:ext uri="{BB962C8B-B14F-4D97-AF65-F5344CB8AC3E}">
+        <p14:creationId xmlns:p14="http://schemas.microsoft.com/office/powerpoint/2010/main" val="3274214711"/>
       </p:ext>
     </p:extLst>
   </p:cSld>
@@ -11097,229 +12950,6 @@
           <p:cNvPr id="2" name="Title 1">
             <a:extLst>
               <a:ext uri="{FF2B5EF4-FFF2-40B4-BE49-F238E27FC236}">
-                <a16:creationId xmlns:a16="http://schemas.microsoft.com/office/drawing/2014/main" id="{5475193F-937F-F2D9-E0E5-7206A47BCE1D}"/>
-              </a:ext>
-            </a:extLst>
-          </p:cNvPr>
-          <p:cNvSpPr>
-            <a:spLocks noGrp="1"/>
-          </p:cNvSpPr>
-          <p:nvPr>
-            <p:ph type="title"/>
-          </p:nvPr>
-        </p:nvSpPr>
-        <p:spPr/>
-        <p:txBody>
-          <a:bodyPr/>
-          <a:lstStyle/>
-          <a:p>
-            <a:r>
-              <a:rPr lang="en-US" dirty="0"/>
-              <a:t>Intro to Difference-in-Differences</a:t>
-            </a:r>
-          </a:p>
-        </p:txBody>
-      </p:sp>
-      <p:sp>
-        <p:nvSpPr>
-          <p:cNvPr id="3" name="Text Placeholder 2">
-            <a:extLst>
-              <a:ext uri="{FF2B5EF4-FFF2-40B4-BE49-F238E27FC236}">
-                <a16:creationId xmlns:a16="http://schemas.microsoft.com/office/drawing/2014/main" id="{3826F7F0-5821-A1C5-14D9-5D9570933D49}"/>
-              </a:ext>
-            </a:extLst>
-          </p:cNvPr>
-          <p:cNvSpPr>
-            <a:spLocks noGrp="1"/>
-          </p:cNvSpPr>
-          <p:nvPr>
-            <p:ph type="body" idx="1"/>
-          </p:nvPr>
-        </p:nvSpPr>
-        <p:spPr/>
-        <p:txBody>
-          <a:bodyPr/>
-          <a:lstStyle/>
-          <a:p>
-            <a:endParaRPr lang="en-US" dirty="0"/>
-          </a:p>
-        </p:txBody>
-      </p:sp>
-    </p:spTree>
-    <p:extLst>
-      <p:ext uri="{BB962C8B-B14F-4D97-AF65-F5344CB8AC3E}">
-        <p14:creationId xmlns:p14="http://schemas.microsoft.com/office/powerpoint/2010/main" val="251772374"/>
-      </p:ext>
-    </p:extLst>
-  </p:cSld>
-  <p:clrMapOvr>
-    <a:masterClrMapping/>
-  </p:clrMapOvr>
-</p:sld>
-</file>
-
-<file path=ppt/slides/slide31.xml><?xml version="1.0" encoding="utf-8"?>
-<p:sld xmlns:a="http://schemas.openxmlformats.org/drawingml/2006/main" xmlns:r="http://schemas.openxmlformats.org/officeDocument/2006/relationships" xmlns:p="http://schemas.openxmlformats.org/presentationml/2006/main">
-  <p:cSld>
-    <p:spTree>
-      <p:nvGrpSpPr>
-        <p:cNvPr id="1" name=""/>
-        <p:cNvGrpSpPr/>
-        <p:nvPr/>
-      </p:nvGrpSpPr>
-      <p:grpSpPr>
-        <a:xfrm>
-          <a:off x="0" y="0"/>
-          <a:ext cx="0" cy="0"/>
-          <a:chOff x="0" y="0"/>
-          <a:chExt cx="0" cy="0"/>
-        </a:xfrm>
-      </p:grpSpPr>
-      <p:sp>
-        <p:nvSpPr>
-          <p:cNvPr id="2" name="Title 1">
-            <a:extLst>
-              <a:ext uri="{FF2B5EF4-FFF2-40B4-BE49-F238E27FC236}">
-                <a16:creationId xmlns:a16="http://schemas.microsoft.com/office/drawing/2014/main" id="{9548D983-58A7-17A4-9BC6-1CDF3DD1D78F}"/>
-              </a:ext>
-            </a:extLst>
-          </p:cNvPr>
-          <p:cNvSpPr>
-            <a:spLocks noGrp="1"/>
-          </p:cNvSpPr>
-          <p:nvPr>
-            <p:ph type="title"/>
-          </p:nvPr>
-        </p:nvSpPr>
-        <p:spPr/>
-        <p:txBody>
-          <a:bodyPr/>
-          <a:lstStyle/>
-          <a:p>
-            <a:r>
-              <a:rPr lang="en-US" dirty="0"/>
-              <a:t>Difference-in-Differences with Pooled Cross Sections</a:t>
-            </a:r>
-          </a:p>
-        </p:txBody>
-      </p:sp>
-      <p:sp>
-        <p:nvSpPr>
-          <p:cNvPr id="3" name="Content Placeholder 2">
-            <a:extLst>
-              <a:ext uri="{FF2B5EF4-FFF2-40B4-BE49-F238E27FC236}">
-                <a16:creationId xmlns:a16="http://schemas.microsoft.com/office/drawing/2014/main" id="{75EF00B8-73C3-FF4E-B7CF-99DE48C41D11}"/>
-              </a:ext>
-            </a:extLst>
-          </p:cNvPr>
-          <p:cNvSpPr>
-            <a:spLocks noGrp="1"/>
-          </p:cNvSpPr>
-          <p:nvPr>
-            <p:ph idx="1"/>
-          </p:nvPr>
-        </p:nvSpPr>
-        <p:spPr/>
-        <p:txBody>
-          <a:bodyPr/>
-          <a:lstStyle/>
-          <a:p>
-            <a:r>
-              <a:rPr lang="en-US" dirty="0"/>
-              <a:t>Difference-in-Differences design is one of the most popular quasi-experimental designs</a:t>
-            </a:r>
-          </a:p>
-          <a:p>
-            <a:pPr lvl="1"/>
-            <a:r>
-              <a:rPr lang="en-US" dirty="0"/>
-              <a:t>Especially for policy analysis</a:t>
-            </a:r>
-          </a:p>
-          <a:p>
-            <a:r>
-              <a:rPr lang="en-US" dirty="0"/>
-              <a:t>There are a few necessary groups</a:t>
-            </a:r>
-          </a:p>
-          <a:p>
-            <a:pPr lvl="1"/>
-            <a:r>
-              <a:rPr lang="en-US" dirty="0"/>
-              <a:t>We need a treatment group affected by the change</a:t>
-            </a:r>
-          </a:p>
-          <a:p>
-            <a:pPr lvl="1"/>
-            <a:r>
-              <a:rPr lang="en-US" dirty="0"/>
-              <a:t>We need a control group unaffected by the change</a:t>
-            </a:r>
-          </a:p>
-          <a:p>
-            <a:pPr lvl="1"/>
-            <a:r>
-              <a:rPr lang="en-US" dirty="0"/>
-              <a:t>We need at least two time periods</a:t>
-            </a:r>
-          </a:p>
-          <a:p>
-            <a:r>
-              <a:rPr lang="en-US" dirty="0"/>
-              <a:t>Pooled Cross-sectional data can be used at aggregate levels</a:t>
-            </a:r>
-          </a:p>
-          <a:p>
-            <a:pPr lvl="1"/>
-            <a:r>
-              <a:rPr lang="en-US" dirty="0"/>
-              <a:t>We may have two independent random samples at the state level</a:t>
-            </a:r>
-          </a:p>
-          <a:p>
-            <a:pPr lvl="1"/>
-            <a:r>
-              <a:rPr lang="en-US" dirty="0"/>
-              <a:t>But we must have at least two observations from the state</a:t>
-            </a:r>
-          </a:p>
-        </p:txBody>
-      </p:sp>
-    </p:spTree>
-    <p:extLst>
-      <p:ext uri="{BB962C8B-B14F-4D97-AF65-F5344CB8AC3E}">
-        <p14:creationId xmlns:p14="http://schemas.microsoft.com/office/powerpoint/2010/main" val="3274214711"/>
-      </p:ext>
-    </p:extLst>
-  </p:cSld>
-  <p:clrMapOvr>
-    <a:masterClrMapping/>
-  </p:clrMapOvr>
-</p:sld>
-</file>
-
-<file path=ppt/slides/slide32.xml><?xml version="1.0" encoding="utf-8"?>
-<p:sld xmlns:a="http://schemas.openxmlformats.org/drawingml/2006/main" xmlns:r="http://schemas.openxmlformats.org/officeDocument/2006/relationships" xmlns:p="http://schemas.openxmlformats.org/presentationml/2006/main">
-  <p:cSld>
-    <p:spTree>
-      <p:nvGrpSpPr>
-        <p:cNvPr id="1" name=""/>
-        <p:cNvGrpSpPr/>
-        <p:nvPr/>
-      </p:nvGrpSpPr>
-      <p:grpSpPr>
-        <a:xfrm>
-          <a:off x="0" y="0"/>
-          <a:ext cx="0" cy="0"/>
-          <a:chOff x="0" y="0"/>
-          <a:chExt cx="0" cy="0"/>
-        </a:xfrm>
-      </p:grpSpPr>
-      <p:sp>
-        <p:nvSpPr>
-          <p:cNvPr id="2" name="Title 1">
-            <a:extLst>
-              <a:ext uri="{FF2B5EF4-FFF2-40B4-BE49-F238E27FC236}">
                 <a16:creationId xmlns:a16="http://schemas.microsoft.com/office/drawing/2014/main" id="{EED610C8-EF20-61AE-1AC5-7E1F7E0CEA2F}"/>
               </a:ext>
             </a:extLst>
@@ -11379,14 +13009,30 @@
             <a:pPr lvl="1"/>
             <a:r>
               <a:rPr lang="en-US" dirty="0"/>
-              <a:t>Treatment group affected by the change before the change</a:t>
+              <a:t>Treatment group affected by the change </a:t>
+            </a:r>
+            <a:r>
+              <a:rPr lang="en-US" b="1" dirty="0"/>
+              <a:t>before</a:t>
+            </a:r>
+            <a:r>
+              <a:rPr lang="en-US" dirty="0"/>
+              <a:t> the change</a:t>
             </a:r>
           </a:p>
           <a:p>
             <a:pPr lvl="1"/>
             <a:r>
               <a:rPr lang="en-US" dirty="0"/>
-              <a:t>Control group unaffected by the change before the change</a:t>
+              <a:t>Control group unaffected by the change </a:t>
+            </a:r>
+            <a:r>
+              <a:rPr lang="en-US" b="1" dirty="0"/>
+              <a:t>before</a:t>
+            </a:r>
+            <a:r>
+              <a:rPr lang="en-US" dirty="0"/>
+              <a:t> the change</a:t>
             </a:r>
           </a:p>
           <a:p>
@@ -11399,14 +13045,30 @@
             <a:pPr lvl="1"/>
             <a:r>
               <a:rPr lang="en-US" dirty="0"/>
-              <a:t>Treatment group affected by the change after the change</a:t>
+              <a:t>Treatment group affected by the change </a:t>
+            </a:r>
+            <a:r>
+              <a:rPr lang="en-US" b="1" dirty="0"/>
+              <a:t>after</a:t>
+            </a:r>
+            <a:r>
+              <a:rPr lang="en-US" dirty="0"/>
+              <a:t> the change</a:t>
             </a:r>
           </a:p>
           <a:p>
             <a:pPr lvl="1"/>
             <a:r>
               <a:rPr lang="en-US" dirty="0"/>
-              <a:t>Control group unaffected by the change after the change</a:t>
+              <a:t>Control group unaffected by the change </a:t>
+            </a:r>
+            <a:r>
+              <a:rPr lang="en-US" b="1" dirty="0"/>
+              <a:t>after</a:t>
+            </a:r>
+            <a:r>
+              <a:rPr lang="en-US" dirty="0"/>
+              <a:t> the change</a:t>
             </a:r>
           </a:p>
           <a:p>
@@ -11445,7 +13107,7 @@
 </p:sld>
 </file>
 
-<file path=ppt/slides/slide33.xml><?xml version="1.0" encoding="utf-8"?>
+<file path=ppt/slides/slide31.xml><?xml version="1.0" encoding="utf-8"?>
 <p:sld xmlns:a="http://schemas.openxmlformats.org/drawingml/2006/main" xmlns:r="http://schemas.openxmlformats.org/officeDocument/2006/relationships" xmlns:p="http://schemas.openxmlformats.org/presentationml/2006/main">
   <p:cSld>
     <p:spTree>
@@ -11490,8 +13152,8 @@
           </a:p>
         </p:txBody>
       </p:sp>
-      <mc:AlternateContent xmlns:mc="http://schemas.openxmlformats.org/markup-compatibility/2006" xmlns:a14="http://schemas.microsoft.com/office/drawing/2010/main">
-        <mc:Choice Requires="a14">
+      <mc:AlternateContent xmlns:mc="http://schemas.openxmlformats.org/markup-compatibility/2006">
+        <mc:Choice xmlns:a14="http://schemas.microsoft.com/office/drawing/2010/main" Requires="a14">
           <p:sp>
             <p:nvSpPr>
               <p:cNvPr id="3" name="Content Placeholder 2">
@@ -11523,14 +13185,14 @@
               <a:p>
                 <a:pPr lvl="1"/>
                 <a:r>
-                  <a:rPr lang="en-US" dirty="0"/>
+                  <a:rPr lang="en-US" b="1" dirty="0"/>
                   <a:t>First, we difference the within group over time</a:t>
                 </a:r>
               </a:p>
               <a:p>
                 <a:pPr lvl="1"/>
                 <a:r>
-                  <a:rPr lang="en-US" dirty="0"/>
+                  <a:rPr lang="en-US" b="1" dirty="0"/>
                   <a:t>Second, we difference the treatment and control group differences</a:t>
                 </a:r>
               </a:p>
@@ -11979,7 +13641,7 @@
             </p:txBody>
           </p:sp>
         </mc:Choice>
-        <mc:Fallback xmlns="">
+        <mc:Fallback>
           <p:sp>
             <p:nvSpPr>
               <p:cNvPr id="3" name="Content Placeholder 2">
@@ -12032,7 +13694,7 @@
 </p:sld>
 </file>
 
-<file path=ppt/slides/slide34.xml><?xml version="1.0" encoding="utf-8"?>
+<file path=ppt/slides/slide32.xml><?xml version="1.0" encoding="utf-8"?>
 <p:sld xmlns:a="http://schemas.openxmlformats.org/drawingml/2006/main" xmlns:r="http://schemas.openxmlformats.org/officeDocument/2006/relationships" xmlns:p="http://schemas.openxmlformats.org/presentationml/2006/main">
   <p:cSld>
     <p:spTree>
@@ -13631,7 +15293,7 @@
 </p:sld>
 </file>
 
-<file path=ppt/slides/slide35.xml><?xml version="1.0" encoding="utf-8"?>
+<file path=ppt/slides/slide33.xml><?xml version="1.0" encoding="utf-8"?>
 <p:sld xmlns:a="http://schemas.openxmlformats.org/drawingml/2006/main" xmlns:r="http://schemas.openxmlformats.org/officeDocument/2006/relationships" xmlns:p="http://schemas.openxmlformats.org/presentationml/2006/main">
   <p:cSld>
     <p:spTree>
@@ -13676,8 +15338,8 @@
           </a:p>
         </p:txBody>
       </p:sp>
-      <mc:AlternateContent xmlns:mc="http://schemas.openxmlformats.org/markup-compatibility/2006" xmlns:a14="http://schemas.microsoft.com/office/drawing/2010/main">
-        <mc:Choice Requires="a14">
+      <mc:AlternateContent xmlns:mc="http://schemas.openxmlformats.org/markup-compatibility/2006">
+        <mc:Choice xmlns:a14="http://schemas.microsoft.com/office/drawing/2010/main" Requires="a14">
           <p:sp>
             <p:nvSpPr>
               <p:cNvPr id="3" name="Content Placeholder 2">
@@ -13694,9 +15356,16 @@
                 <p:ph idx="1"/>
               </p:nvPr>
             </p:nvSpPr>
-            <p:spPr/>
+            <p:spPr>
+              <a:xfrm>
+                <a:off x="838200" y="1825625"/>
+                <a:ext cx="10515600" cy="4667250"/>
+              </a:xfrm>
+            </p:spPr>
             <p:txBody>
-              <a:bodyPr/>
+              <a:bodyPr>
+                <a:normAutofit fontScale="92500" lnSpcReduction="10000"/>
+              </a:bodyPr>
               <a:lstStyle/>
               <a:p>
                 <a:r>
@@ -13853,6 +15522,88 @@
                 </a:r>
               </a:p>
               <a:p>
+                <a:pPr lvl="1"/>
+                <a14:m>
+                  <m:oMath xmlns:m="http://schemas.openxmlformats.org/officeDocument/2006/math">
+                    <m:r>
+                      <a:rPr lang="en-US" b="0" i="1" smtClean="0">
+                        <a:latin typeface="Cambria Math" panose="02040503050406030204" pitchFamily="18" charset="0"/>
+                      </a:rPr>
+                      <m:t>𝛼</m:t>
+                    </m:r>
+                  </m:oMath>
+                </a14:m>
+                <a:r>
+                  <a:rPr lang="en-US" dirty="0"/>
+                  <a:t> is the intercept</a:t>
+                </a:r>
+              </a:p>
+              <a:p>
+                <a:pPr lvl="1"/>
+                <a14:m>
+                  <m:oMath xmlns:m="http://schemas.openxmlformats.org/officeDocument/2006/math">
+                    <m:r>
+                      <a:rPr lang="en-US" b="0" i="1" smtClean="0">
+                        <a:latin typeface="Cambria Math" panose="02040503050406030204" pitchFamily="18" charset="0"/>
+                      </a:rPr>
+                      <m:t>𝜆</m:t>
+                    </m:r>
+                  </m:oMath>
+                </a14:m>
+                <a:r>
+                  <a:rPr lang="en-US" dirty="0"/>
+                  <a:t> is the coefficient of </a:t>
+                </a:r>
+                <a:br>
+                  <a:rPr lang="en-US" dirty="0"/>
+                </a:br>
+                <a:r>
+                  <a:rPr lang="en-US" dirty="0"/>
+                  <a:t>Post</a:t>
+                </a:r>
+              </a:p>
+              <a:p>
+                <a:pPr lvl="1"/>
+                <a14:m>
+                  <m:oMath xmlns:m="http://schemas.openxmlformats.org/officeDocument/2006/math">
+                    <m:r>
+                      <a:rPr lang="en-US" b="0" i="1" smtClean="0">
+                        <a:latin typeface="Cambria Math" panose="02040503050406030204" pitchFamily="18" charset="0"/>
+                      </a:rPr>
+                      <m:t>𝛾</m:t>
+                    </m:r>
+                  </m:oMath>
+                </a14:m>
+                <a:r>
+                  <a:rPr lang="en-US" dirty="0"/>
+                  <a:t> is the coefficient of </a:t>
+                </a:r>
+                <a:br>
+                  <a:rPr lang="en-US" dirty="0"/>
+                </a:br>
+                <a:r>
+                  <a:rPr lang="en-US" dirty="0"/>
+                  <a:t>Treatment group</a:t>
+                </a:r>
+              </a:p>
+              <a:p>
+                <a:pPr lvl="1"/>
+                <a14:m>
+                  <m:oMath xmlns:m="http://schemas.openxmlformats.org/officeDocument/2006/math">
+                    <m:r>
+                      <a:rPr lang="en-US" b="0" i="1" smtClean="0">
+                        <a:latin typeface="Cambria Math" panose="02040503050406030204" pitchFamily="18" charset="0"/>
+                      </a:rPr>
+                      <m:t>𝛿</m:t>
+                    </m:r>
+                  </m:oMath>
+                </a14:m>
+                <a:r>
+                  <a:rPr lang="en-US" dirty="0"/>
+                  <a:t> is our Diff-in-Diff </a:t>
+                </a:r>
+              </a:p>
+              <a:p>
                 <a:pPr marL="457200" lvl="1" indent="0">
                   <a:buNone/>
                 </a:pPr>
@@ -13869,7 +15620,7 @@
             </p:txBody>
           </p:sp>
         </mc:Choice>
-        <mc:Fallback xmlns="">
+        <mc:Fallback>
           <p:sp>
             <p:nvSpPr>
               <p:cNvPr id="3" name="Content Placeholder 2">
@@ -13887,10 +15638,14 @@
               </p:nvPr>
             </p:nvSpPr>
             <p:spPr>
+              <a:xfrm>
+                <a:off x="838200" y="1825625"/>
+                <a:ext cx="10515600" cy="4667250"/>
+              </a:xfrm>
               <a:blipFill>
                 <a:blip r:embed="rId2"/>
                 <a:stretch>
-                  <a:fillRect l="-1086" t="-2326"/>
+                  <a:fillRect l="-965" t="-2439" b="-1897"/>
                 </a:stretch>
               </a:blipFill>
             </p:spPr>
@@ -13952,7 +15707,7 @@
 </p:sld>
 </file>
 
-<file path=ppt/slides/slide36.xml><?xml version="1.0" encoding="utf-8"?>
+<file path=ppt/slides/slide34.xml><?xml version="1.0" encoding="utf-8"?>
 <p:sld xmlns:a="http://schemas.openxmlformats.org/drawingml/2006/main" xmlns:r="http://schemas.openxmlformats.org/officeDocument/2006/relationships" xmlns:p="http://schemas.openxmlformats.org/presentationml/2006/main">
   <p:cSld>
     <p:spTree>
@@ -14036,14 +15791,14 @@
               </a:p>
               <a:p>
                 <a:r>
-                  <a:rPr lang="en-US" dirty="0"/>
+                  <a:rPr lang="en-US" b="1" dirty="0"/>
                   <a:t>Key assumption: Parallel Trends</a:t>
                 </a:r>
               </a:p>
               <a:p>
                 <a:pPr lvl="1"/>
                 <a:r>
-                  <a:rPr lang="en-US" dirty="0"/>
+                  <a:rPr lang="en-US" b="1" dirty="0"/>
                   <a:t>In absence of the treatment, the treatment group trend would have been the same as the control group</a:t>
                 </a:r>
               </a:p>
@@ -14295,7 +16050,7 @@
               <a:blipFill>
                 <a:blip r:embed="rId2"/>
                 <a:stretch>
-                  <a:fillRect l="-1086" t="-2326" r="-483"/>
+                  <a:fillRect l="-1086" t="-2326"/>
                 </a:stretch>
               </a:blipFill>
             </p:spPr>
@@ -14327,7 +16082,7 @@
 </p:sld>
 </file>
 
-<file path=ppt/slides/slide37.xml><?xml version="1.0" encoding="utf-8"?>
+<file path=ppt/slides/slide35.xml><?xml version="1.0" encoding="utf-8"?>
 <p:sld xmlns:a="http://schemas.openxmlformats.org/drawingml/2006/main" xmlns:r="http://schemas.openxmlformats.org/officeDocument/2006/relationships" xmlns:p="http://schemas.openxmlformats.org/presentationml/2006/main">
   <p:cSld>
     <p:spTree>
@@ -14390,7 +16145,9 @@
         </p:nvSpPr>
         <p:spPr/>
         <p:txBody>
-          <a:bodyPr/>
+          <a:bodyPr>
+            <a:normAutofit/>
+          </a:bodyPr>
           <a:lstStyle/>
           <a:p>
             <a:r>
@@ -14413,6 +16170,13 @@
             </a:r>
           </a:p>
           <a:p>
+            <a:pPr lvl="1"/>
+            <a:r>
+              <a:rPr lang="en-US" dirty="0"/>
+              <a:t>Some of the most popular forms of Diff-in-Diff include an event studies and two-way fixed effects (TWFE)</a:t>
+            </a:r>
+          </a:p>
+          <a:p>
             <a:r>
               <a:rPr lang="en-US" b="1" dirty="0"/>
               <a:t>The key assumption is the parallel trends assumption</a:t>
@@ -14421,29 +16185,23 @@
           <a:p>
             <a:pPr lvl="1"/>
             <a:r>
+              <a:rPr lang="en-US" b="1" dirty="0"/>
+              <a:t>There are indirect tests of the parallel trends assumption, </a:t>
+            </a:r>
+          </a:p>
+          <a:p>
+            <a:pPr lvl="2"/>
+            <a:r>
               <a:rPr lang="en-US" dirty="0"/>
-              <a:t>Strict exogeneity can be tough to show or to cover with theory</a:t>
-            </a:r>
+              <a:t>Unlike the strict exogeneity assumption</a:t>
+            </a:r>
+            <a:endParaRPr lang="en-US" b="1" dirty="0"/>
           </a:p>
           <a:p>
             <a:pPr lvl="1"/>
             <a:r>
               <a:rPr lang="en-US" dirty="0"/>
-              <a:t>Unlike the strict exogeneity assumption, there are indirect tests of the parallel trends assumption</a:t>
-            </a:r>
-          </a:p>
-          <a:p>
-            <a:pPr lvl="1"/>
-            <a:r>
-              <a:rPr lang="en-US" dirty="0"/>
-              <a:t>There are placebo tests, pre-trends tests</a:t>
-            </a:r>
-          </a:p>
-          <a:p>
-            <a:pPr lvl="1"/>
-            <a:r>
-              <a:rPr lang="en-US" dirty="0"/>
-              <a:t>One of the most popular forms of Diff-in-Diff is an event study</a:t>
+              <a:t>There are placebo tests, pre-trends tests to test the parallel trends assumption</a:t>
             </a:r>
           </a:p>
           <a:p>
@@ -14464,7 +16222,7 @@
 </p:sld>
 </file>
 
-<file path=ppt/slides/slide38.xml><?xml version="1.0" encoding="utf-8"?>
+<file path=ppt/slides/slide36.xml><?xml version="1.0" encoding="utf-8"?>
 <p:sld xmlns:a="http://schemas.openxmlformats.org/drawingml/2006/main" xmlns:r="http://schemas.openxmlformats.org/officeDocument/2006/relationships" xmlns:p="http://schemas.openxmlformats.org/presentationml/2006/main">
   <p:cSld>
     <p:spTree>
@@ -14509,8 +16267,8 @@
           </a:p>
         </p:txBody>
       </p:sp>
-      <mc:AlternateContent xmlns:mc="http://schemas.openxmlformats.org/markup-compatibility/2006" xmlns:a14="http://schemas.microsoft.com/office/drawing/2010/main">
-        <mc:Choice Requires="a14">
+      <mc:AlternateContent xmlns:mc="http://schemas.openxmlformats.org/markup-compatibility/2006">
+        <mc:Choice xmlns:a14="http://schemas.microsoft.com/office/drawing/2010/main" Requires="a14">
           <p:sp>
             <p:nvSpPr>
               <p:cNvPr id="3" name="Content Placeholder 2">
@@ -14730,26 +16488,26 @@
                       <m:t>+</m:t>
                     </m:r>
                     <m:r>
-                      <a:rPr lang="en-US" b="0" i="1" smtClean="0">
+                      <a:rPr lang="en-US" b="1" i="1" smtClean="0">
                         <a:latin typeface="Cambria Math" panose="02040503050406030204" pitchFamily="18" charset="0"/>
                       </a:rPr>
-                      <m:t>𝑋</m:t>
+                      <m:t>𝑿</m:t>
                     </m:r>
                     <m:r>
-                      <a:rPr lang="en-US" b="0" i="1" smtClean="0">
+                      <a:rPr lang="en-US" b="1" i="1" smtClean="0">
                         <a:latin typeface="Cambria Math" panose="02040503050406030204" pitchFamily="18" charset="0"/>
                       </a:rPr>
                       <m:t>′</m:t>
                     </m:r>
                     <m:r>
-                      <a:rPr lang="en-US" b="0" i="1" smtClean="0">
+                      <a:rPr lang="en-US" b="1" i="1" smtClean="0">
                         <a:latin typeface="Cambria Math" panose="02040503050406030204" pitchFamily="18" charset="0"/>
                       </a:rPr>
-                      <m:t>𝛾</m:t>
+                      <m:t>𝜸</m:t>
                     </m:r>
                   </m:oMath>
                 </a14:m>
-                <a:endParaRPr lang="en-US" dirty="0"/>
+                <a:endParaRPr lang="en-US" b="1" dirty="0"/>
               </a:p>
               <a:p>
                 <a:r>
@@ -14802,28 +16560,32 @@
                 <a14:m>
                   <m:oMath xmlns:m="http://schemas.openxmlformats.org/officeDocument/2006/math">
                     <m:r>
-                      <a:rPr lang="en-US" b="0" i="1" smtClean="0">
+                      <a:rPr lang="en-US" b="1" i="1" smtClean="0">
                         <a:latin typeface="Cambria Math" panose="02040503050406030204" pitchFamily="18" charset="0"/>
                       </a:rPr>
-                      <m:t>𝑋</m:t>
+                      <m:t>𝑿</m:t>
                     </m:r>
                     <m:r>
-                      <a:rPr lang="en-US" b="0" i="1" smtClean="0">
+                      <a:rPr lang="en-US" b="1" i="1" smtClean="0">
                         <a:latin typeface="Cambria Math" panose="02040503050406030204" pitchFamily="18" charset="0"/>
                       </a:rPr>
                       <m:t>′</m:t>
                     </m:r>
                     <m:r>
-                      <a:rPr lang="en-US" b="0" i="1" smtClean="0">
+                      <a:rPr lang="en-US" b="1" i="1" smtClean="0">
                         <a:latin typeface="Cambria Math" panose="02040503050406030204" pitchFamily="18" charset="0"/>
                       </a:rPr>
-                      <m:t>𝛾</m:t>
+                      <m:t>𝜸</m:t>
                     </m:r>
                   </m:oMath>
                 </a14:m>
                 <a:r>
+                  <a:rPr lang="en-US" b="1" dirty="0"/>
+                  <a:t> </a:t>
+                </a:r>
+                <a:r>
                   <a:rPr lang="en-US" dirty="0"/>
-                  <a:t> are a matrix of other covariates</a:t>
+                  <a:t>are a matrix of other covariates</a:t>
                 </a:r>
               </a:p>
               <a:p>
@@ -14833,7 +16595,7 @@
             </p:txBody>
           </p:sp>
         </mc:Choice>
-        <mc:Fallback xmlns="">
+        <mc:Fallback>
           <p:sp>
             <p:nvSpPr>
               <p:cNvPr id="3" name="Content Placeholder 2">
@@ -14877,6 +16639,667 @@
     <p:extLst>
       <p:ext uri="{BB962C8B-B14F-4D97-AF65-F5344CB8AC3E}">
         <p14:creationId xmlns:p14="http://schemas.microsoft.com/office/powerpoint/2010/main" val="1561058220"/>
+      </p:ext>
+    </p:extLst>
+  </p:cSld>
+  <p:clrMapOvr>
+    <a:masterClrMapping/>
+  </p:clrMapOvr>
+</p:sld>
+</file>
+
+<file path=ppt/slides/slide37.xml><?xml version="1.0" encoding="utf-8"?>
+<p:sld xmlns:a="http://schemas.openxmlformats.org/drawingml/2006/main" xmlns:r="http://schemas.openxmlformats.org/officeDocument/2006/relationships" xmlns:p="http://schemas.openxmlformats.org/presentationml/2006/main">
+  <p:cSld>
+    <p:spTree>
+      <p:nvGrpSpPr>
+        <p:cNvPr id="1" name=""/>
+        <p:cNvGrpSpPr/>
+        <p:nvPr/>
+      </p:nvGrpSpPr>
+      <p:grpSpPr>
+        <a:xfrm>
+          <a:off x="0" y="0"/>
+          <a:ext cx="0" cy="0"/>
+          <a:chOff x="0" y="0"/>
+          <a:chExt cx="0" cy="0"/>
+        </a:xfrm>
+      </p:grpSpPr>
+      <p:sp>
+        <p:nvSpPr>
+          <p:cNvPr id="2" name="Title 1">
+            <a:extLst>
+              <a:ext uri="{FF2B5EF4-FFF2-40B4-BE49-F238E27FC236}">
+                <a16:creationId xmlns:a16="http://schemas.microsoft.com/office/drawing/2014/main" id="{B78D2899-5949-C1C1-5D43-C270EDD76965}"/>
+              </a:ext>
+            </a:extLst>
+          </p:cNvPr>
+          <p:cNvSpPr>
+            <a:spLocks noGrp="1"/>
+          </p:cNvSpPr>
+          <p:nvPr>
+            <p:ph type="title"/>
+          </p:nvPr>
+        </p:nvSpPr>
+        <p:spPr/>
+        <p:txBody>
+          <a:bodyPr/>
+          <a:lstStyle/>
+          <a:p>
+            <a:r>
+              <a:rPr lang="en-US" dirty="0"/>
+              <a:t>Policy Analysis with Two-Period Panel Data</a:t>
+            </a:r>
+          </a:p>
+        </p:txBody>
+      </p:sp>
+      <p:sp>
+        <p:nvSpPr>
+          <p:cNvPr id="3" name="Text Placeholder 2">
+            <a:extLst>
+              <a:ext uri="{FF2B5EF4-FFF2-40B4-BE49-F238E27FC236}">
+                <a16:creationId xmlns:a16="http://schemas.microsoft.com/office/drawing/2014/main" id="{C398235B-78E9-0794-E84E-D19EDA2DD49A}"/>
+              </a:ext>
+            </a:extLst>
+          </p:cNvPr>
+          <p:cNvSpPr>
+            <a:spLocks noGrp="1"/>
+          </p:cNvSpPr>
+          <p:nvPr>
+            <p:ph type="body" idx="1"/>
+          </p:nvPr>
+        </p:nvSpPr>
+        <p:spPr/>
+        <p:txBody>
+          <a:bodyPr/>
+          <a:lstStyle/>
+          <a:p>
+            <a:endParaRPr lang="en-US"/>
+          </a:p>
+        </p:txBody>
+      </p:sp>
+    </p:spTree>
+    <p:extLst>
+      <p:ext uri="{BB962C8B-B14F-4D97-AF65-F5344CB8AC3E}">
+        <p14:creationId xmlns:p14="http://schemas.microsoft.com/office/powerpoint/2010/main" val="2329745265"/>
+      </p:ext>
+    </p:extLst>
+  </p:cSld>
+  <p:clrMapOvr>
+    <a:masterClrMapping/>
+  </p:clrMapOvr>
+</p:sld>
+</file>
+
+<file path=ppt/slides/slide38.xml><?xml version="1.0" encoding="utf-8"?>
+<p:sld xmlns:a="http://schemas.openxmlformats.org/drawingml/2006/main" xmlns:r="http://schemas.openxmlformats.org/officeDocument/2006/relationships" xmlns:p="http://schemas.openxmlformats.org/presentationml/2006/main">
+  <p:cSld>
+    <p:spTree>
+      <p:nvGrpSpPr>
+        <p:cNvPr id="1" name=""/>
+        <p:cNvGrpSpPr/>
+        <p:nvPr/>
+      </p:nvGrpSpPr>
+      <p:grpSpPr>
+        <a:xfrm>
+          <a:off x="0" y="0"/>
+          <a:ext cx="0" cy="0"/>
+          <a:chOff x="0" y="0"/>
+          <a:chExt cx="0" cy="0"/>
+        </a:xfrm>
+      </p:grpSpPr>
+      <p:sp>
+        <p:nvSpPr>
+          <p:cNvPr id="2" name="Title 1">
+            <a:extLst>
+              <a:ext uri="{FF2B5EF4-FFF2-40B4-BE49-F238E27FC236}">
+                <a16:creationId xmlns:a16="http://schemas.microsoft.com/office/drawing/2014/main" id="{B66F74C2-4A04-4F3E-1D8A-160B3BA847BD}"/>
+              </a:ext>
+            </a:extLst>
+          </p:cNvPr>
+          <p:cNvSpPr>
+            <a:spLocks noGrp="1"/>
+          </p:cNvSpPr>
+          <p:nvPr>
+            <p:ph type="title"/>
+          </p:nvPr>
+        </p:nvSpPr>
+        <p:spPr/>
+        <p:txBody>
+          <a:bodyPr/>
+          <a:lstStyle/>
+          <a:p>
+            <a:r>
+              <a:rPr lang="en-US" dirty="0"/>
+              <a:t>Two-Way Fixed Effects for Policy Analysis</a:t>
+            </a:r>
+          </a:p>
+        </p:txBody>
+      </p:sp>
+      <mc:AlternateContent xmlns:mc="http://schemas.openxmlformats.org/markup-compatibility/2006">
+        <mc:Choice xmlns:a14="http://schemas.microsoft.com/office/drawing/2010/main" Requires="a14">
+          <p:sp>
+            <p:nvSpPr>
+              <p:cNvPr id="3" name="Content Placeholder 2">
+                <a:extLst>
+                  <a:ext uri="{FF2B5EF4-FFF2-40B4-BE49-F238E27FC236}">
+                    <a16:creationId xmlns:a16="http://schemas.microsoft.com/office/drawing/2014/main" id="{F2C1707B-C956-2DA0-0E67-514BFC46F759}"/>
+                  </a:ext>
+                </a:extLst>
+              </p:cNvPr>
+              <p:cNvSpPr>
+                <a:spLocks noGrp="1"/>
+              </p:cNvSpPr>
+              <p:nvPr>
+                <p:ph idx="1"/>
+              </p:nvPr>
+            </p:nvSpPr>
+            <p:spPr>
+              <a:xfrm>
+                <a:off x="838200" y="1825624"/>
+                <a:ext cx="10515600" cy="4876511"/>
+              </a:xfrm>
+            </p:spPr>
+            <p:txBody>
+              <a:bodyPr>
+                <a:normAutofit/>
+              </a:bodyPr>
+              <a:lstStyle/>
+              <a:p>
+                <a:r>
+                  <a:rPr lang="en-US" dirty="0"/>
+                  <a:t>Our Fixed Effects (Within) estimator can be useful tool to assess impacts of policy and program evaluation</a:t>
+                </a:r>
+              </a:p>
+              <a:p>
+                <a:pPr lvl="1"/>
+                <a:r>
+                  <a:rPr lang="en-US" dirty="0"/>
+                  <a:t>We have already discussed the properties and assumption of the FE estimator, but we will apply it in a policy/program context</a:t>
+                </a:r>
+              </a:p>
+              <a:p>
+                <a:r>
+                  <a:rPr lang="en-US" dirty="0"/>
+                  <a:t>With the FE Estimator, we can control for time-invariant factors</a:t>
+                </a:r>
+              </a:p>
+              <a:p>
+                <a:pPr lvl="1"/>
+                <a:r>
+                  <a:rPr lang="en-US" dirty="0"/>
+                  <a:t>We need at least 2 periods</a:t>
+                </a:r>
+              </a:p>
+              <a:p>
+                <a:r>
+                  <a:rPr lang="en-US" dirty="0"/>
+                  <a:t>Our general fixed effects model for policy analysis</a:t>
+                </a:r>
+              </a:p>
+              <a:p>
+                <a:pPr lvl="1"/>
+                <a14:m>
+                  <m:oMath xmlns:m="http://schemas.openxmlformats.org/officeDocument/2006/math">
+                    <m:sSub>
+                      <m:sSubPr>
+                        <m:ctrlPr>
+                          <a:rPr lang="en-US" b="0" i="1" smtClean="0">
+                            <a:latin typeface="Cambria Math" panose="02040503050406030204" pitchFamily="18" charset="0"/>
+                          </a:rPr>
+                        </m:ctrlPr>
+                      </m:sSubPr>
+                      <m:e>
+                        <m:r>
+                          <a:rPr lang="en-US" b="0" i="1" smtClean="0">
+                            <a:latin typeface="Cambria Math" panose="02040503050406030204" pitchFamily="18" charset="0"/>
+                          </a:rPr>
+                          <m:t>𝑦</m:t>
+                        </m:r>
+                      </m:e>
+                      <m:sub>
+                        <m:r>
+                          <a:rPr lang="en-US" b="0" i="1" smtClean="0">
+                            <a:latin typeface="Cambria Math" panose="02040503050406030204" pitchFamily="18" charset="0"/>
+                          </a:rPr>
+                          <m:t>𝑖𝑡</m:t>
+                        </m:r>
+                      </m:sub>
+                    </m:sSub>
+                    <m:r>
+                      <a:rPr lang="en-US" b="0" i="1" smtClean="0">
+                        <a:latin typeface="Cambria Math" panose="02040503050406030204" pitchFamily="18" charset="0"/>
+                      </a:rPr>
+                      <m:t>=</m:t>
+                    </m:r>
+                    <m:sSub>
+                      <m:sSubPr>
+                        <m:ctrlPr>
+                          <a:rPr lang="en-US" b="0" i="1" smtClean="0">
+                            <a:latin typeface="Cambria Math" panose="02040503050406030204" pitchFamily="18" charset="0"/>
+                          </a:rPr>
+                        </m:ctrlPr>
+                      </m:sSubPr>
+                      <m:e>
+                        <m:r>
+                          <a:rPr lang="en-US" b="0" i="1" smtClean="0">
+                            <a:latin typeface="Cambria Math" panose="02040503050406030204" pitchFamily="18" charset="0"/>
+                          </a:rPr>
+                          <m:t>𝛽</m:t>
+                        </m:r>
+                      </m:e>
+                      <m:sub>
+                        <m:r>
+                          <a:rPr lang="en-US" b="0" i="1" smtClean="0">
+                            <a:latin typeface="Cambria Math" panose="02040503050406030204" pitchFamily="18" charset="0"/>
+                          </a:rPr>
+                          <m:t>0</m:t>
+                        </m:r>
+                      </m:sub>
+                    </m:sSub>
+                    <m:r>
+                      <a:rPr lang="en-US" b="0" i="1" smtClean="0">
+                        <a:latin typeface="Cambria Math" panose="02040503050406030204" pitchFamily="18" charset="0"/>
+                      </a:rPr>
+                      <m:t>+</m:t>
+                    </m:r>
+                    <m:sSub>
+                      <m:sSubPr>
+                        <m:ctrlPr>
+                          <a:rPr lang="en-US" b="0" i="1" smtClean="0">
+                            <a:latin typeface="Cambria Math" panose="02040503050406030204" pitchFamily="18" charset="0"/>
+                          </a:rPr>
+                        </m:ctrlPr>
+                      </m:sSubPr>
+                      <m:e>
+                        <m:r>
+                          <a:rPr lang="en-US" b="0" i="1" smtClean="0">
+                            <a:latin typeface="Cambria Math" panose="02040503050406030204" pitchFamily="18" charset="0"/>
+                          </a:rPr>
+                          <m:t>𝛿</m:t>
+                        </m:r>
+                      </m:e>
+                      <m:sub>
+                        <m:r>
+                          <a:rPr lang="en-US" b="0" i="1" smtClean="0">
+                            <a:latin typeface="Cambria Math" panose="02040503050406030204" pitchFamily="18" charset="0"/>
+                          </a:rPr>
+                          <m:t>0</m:t>
+                        </m:r>
+                      </m:sub>
+                    </m:sSub>
+                    <m:r>
+                      <a:rPr lang="en-US" b="0" i="1" smtClean="0">
+                        <a:latin typeface="Cambria Math" panose="02040503050406030204" pitchFamily="18" charset="0"/>
+                      </a:rPr>
+                      <m:t>𝑑</m:t>
+                    </m:r>
+                    <m:sSub>
+                      <m:sSubPr>
+                        <m:ctrlPr>
+                          <a:rPr lang="en-US" b="0" i="1" smtClean="0">
+                            <a:latin typeface="Cambria Math" panose="02040503050406030204" pitchFamily="18" charset="0"/>
+                          </a:rPr>
+                        </m:ctrlPr>
+                      </m:sSubPr>
+                      <m:e>
+                        <m:r>
+                          <a:rPr lang="en-US" b="0" i="1" smtClean="0">
+                            <a:latin typeface="Cambria Math" panose="02040503050406030204" pitchFamily="18" charset="0"/>
+                          </a:rPr>
+                          <m:t>2</m:t>
+                        </m:r>
+                      </m:e>
+                      <m:sub>
+                        <m:r>
+                          <a:rPr lang="en-US" b="0" i="1" smtClean="0">
+                            <a:latin typeface="Cambria Math" panose="02040503050406030204" pitchFamily="18" charset="0"/>
+                          </a:rPr>
+                          <m:t>𝑡</m:t>
+                        </m:r>
+                      </m:sub>
+                    </m:sSub>
+                    <m:r>
+                      <a:rPr lang="en-US" b="0" i="1" smtClean="0">
+                        <a:latin typeface="Cambria Math" panose="02040503050406030204" pitchFamily="18" charset="0"/>
+                      </a:rPr>
+                      <m:t>+</m:t>
+                    </m:r>
+                    <m:sSub>
+                      <m:sSubPr>
+                        <m:ctrlPr>
+                          <a:rPr lang="en-US" b="0" i="1" smtClean="0">
+                            <a:latin typeface="Cambria Math" panose="02040503050406030204" pitchFamily="18" charset="0"/>
+                          </a:rPr>
+                        </m:ctrlPr>
+                      </m:sSubPr>
+                      <m:e>
+                        <m:r>
+                          <a:rPr lang="en-US" b="0" i="1" smtClean="0">
+                            <a:latin typeface="Cambria Math" panose="02040503050406030204" pitchFamily="18" charset="0"/>
+                          </a:rPr>
+                          <m:t>𝛽</m:t>
+                        </m:r>
+                      </m:e>
+                      <m:sub>
+                        <m:r>
+                          <a:rPr lang="en-US" b="0" i="1" smtClean="0">
+                            <a:latin typeface="Cambria Math" panose="02040503050406030204" pitchFamily="18" charset="0"/>
+                          </a:rPr>
+                          <m:t>1</m:t>
+                        </m:r>
+                      </m:sub>
+                    </m:sSub>
+                    <m:r>
+                      <a:rPr lang="en-US" b="0" i="1" smtClean="0">
+                        <a:latin typeface="Cambria Math" panose="02040503050406030204" pitchFamily="18" charset="0"/>
+                      </a:rPr>
+                      <m:t>𝑝𝑟𝑜𝑔𝑟𝑎</m:t>
+                    </m:r>
+                    <m:sSub>
+                      <m:sSubPr>
+                        <m:ctrlPr>
+                          <a:rPr lang="en-US" b="0" i="1" smtClean="0">
+                            <a:latin typeface="Cambria Math" panose="02040503050406030204" pitchFamily="18" charset="0"/>
+                          </a:rPr>
+                        </m:ctrlPr>
+                      </m:sSubPr>
+                      <m:e>
+                        <m:r>
+                          <a:rPr lang="en-US" b="0" i="1" smtClean="0">
+                            <a:latin typeface="Cambria Math" panose="02040503050406030204" pitchFamily="18" charset="0"/>
+                          </a:rPr>
+                          <m:t>𝑚</m:t>
+                        </m:r>
+                      </m:e>
+                      <m:sub>
+                        <m:r>
+                          <a:rPr lang="en-US" b="0" i="1" smtClean="0">
+                            <a:latin typeface="Cambria Math" panose="02040503050406030204" pitchFamily="18" charset="0"/>
+                          </a:rPr>
+                          <m:t>𝑖𝑡</m:t>
+                        </m:r>
+                      </m:sub>
+                    </m:sSub>
+                    <m:r>
+                      <a:rPr lang="en-US" b="0" i="1" smtClean="0">
+                        <a:latin typeface="Cambria Math" panose="02040503050406030204" pitchFamily="18" charset="0"/>
+                      </a:rPr>
+                      <m:t>+</m:t>
+                    </m:r>
+                    <m:sSub>
+                      <m:sSubPr>
+                        <m:ctrlPr>
+                          <a:rPr lang="en-US" b="0" i="1" smtClean="0">
+                            <a:latin typeface="Cambria Math" panose="02040503050406030204" pitchFamily="18" charset="0"/>
+                          </a:rPr>
+                        </m:ctrlPr>
+                      </m:sSubPr>
+                      <m:e>
+                        <m:r>
+                          <a:rPr lang="en-US" b="0" i="1" smtClean="0">
+                            <a:latin typeface="Cambria Math" panose="02040503050406030204" pitchFamily="18" charset="0"/>
+                          </a:rPr>
+                          <m:t>𝑎</m:t>
+                        </m:r>
+                      </m:e>
+                      <m:sub>
+                        <m:r>
+                          <a:rPr lang="en-US" b="0" i="1" smtClean="0">
+                            <a:latin typeface="Cambria Math" panose="02040503050406030204" pitchFamily="18" charset="0"/>
+                          </a:rPr>
+                          <m:t>𝑖</m:t>
+                        </m:r>
+                      </m:sub>
+                    </m:sSub>
+                    <m:r>
+                      <a:rPr lang="en-US" b="0" i="1" smtClean="0">
+                        <a:latin typeface="Cambria Math" panose="02040503050406030204" pitchFamily="18" charset="0"/>
+                      </a:rPr>
+                      <m:t>+</m:t>
+                    </m:r>
+                    <m:sSub>
+                      <m:sSubPr>
+                        <m:ctrlPr>
+                          <a:rPr lang="en-US" b="0" i="1" smtClean="0">
+                            <a:latin typeface="Cambria Math" panose="02040503050406030204" pitchFamily="18" charset="0"/>
+                          </a:rPr>
+                        </m:ctrlPr>
+                      </m:sSubPr>
+                      <m:e>
+                        <m:r>
+                          <a:rPr lang="en-US" b="0" i="1" smtClean="0">
+                            <a:latin typeface="Cambria Math" panose="02040503050406030204" pitchFamily="18" charset="0"/>
+                          </a:rPr>
+                          <m:t>𝑢</m:t>
+                        </m:r>
+                      </m:e>
+                      <m:sub>
+                        <m:r>
+                          <a:rPr lang="en-US" b="0" i="1" smtClean="0">
+                            <a:latin typeface="Cambria Math" panose="02040503050406030204" pitchFamily="18" charset="0"/>
+                          </a:rPr>
+                          <m:t>𝑖</m:t>
+                        </m:r>
+                      </m:sub>
+                    </m:sSub>
+                  </m:oMath>
+                </a14:m>
+                <a:endParaRPr lang="en-US" dirty="0"/>
+              </a:p>
+              <a:p>
+                <a:r>
+                  <a:rPr lang="en-US" dirty="0"/>
+                  <a:t>Our estimated effect for the Two-Way Fixed Effects Estimator</a:t>
+                </a:r>
+              </a:p>
+              <a:p>
+                <a:pPr lvl="1"/>
+                <a14:m>
+                  <m:oMath xmlns:m="http://schemas.openxmlformats.org/officeDocument/2006/math">
+                    <m:sSub>
+                      <m:sSubPr>
+                        <m:ctrlPr>
+                          <a:rPr lang="en-US" b="0" i="1" dirty="0" smtClean="0">
+                            <a:latin typeface="Cambria Math" panose="02040503050406030204" pitchFamily="18" charset="0"/>
+                          </a:rPr>
+                        </m:ctrlPr>
+                      </m:sSubPr>
+                      <m:e>
+                        <m:acc>
+                          <m:accPr>
+                            <m:chr m:val="̂"/>
+                            <m:ctrlPr>
+                              <a:rPr lang="en-US" b="0" i="1" smtClean="0">
+                                <a:latin typeface="Cambria Math" panose="02040503050406030204" pitchFamily="18" charset="0"/>
+                              </a:rPr>
+                            </m:ctrlPr>
+                          </m:accPr>
+                          <m:e>
+                            <m:r>
+                              <a:rPr lang="en-US" b="0" i="1" smtClean="0">
+                                <a:latin typeface="Cambria Math" panose="02040503050406030204" pitchFamily="18" charset="0"/>
+                              </a:rPr>
+                              <m:t>𝛽</m:t>
+                            </m:r>
+                          </m:e>
+                        </m:acc>
+                      </m:e>
+                      <m:sub>
+                        <m:r>
+                          <a:rPr lang="en-US" b="0" i="1" dirty="0" smtClean="0">
+                            <a:latin typeface="Cambria Math" panose="02040503050406030204" pitchFamily="18" charset="0"/>
+                          </a:rPr>
+                          <m:t>1</m:t>
+                        </m:r>
+                      </m:sub>
+                    </m:sSub>
+                    <m:r>
+                      <a:rPr lang="en-US" b="0" i="1" dirty="0" smtClean="0">
+                        <a:latin typeface="Cambria Math" panose="02040503050406030204" pitchFamily="18" charset="0"/>
+                      </a:rPr>
+                      <m:t>=</m:t>
+                    </m:r>
+                    <m:sSub>
+                      <m:sSubPr>
+                        <m:ctrlPr>
+                          <a:rPr lang="en-US" b="0" i="1" dirty="0" smtClean="0">
+                            <a:latin typeface="Cambria Math" panose="02040503050406030204" pitchFamily="18" charset="0"/>
+                          </a:rPr>
+                        </m:ctrlPr>
+                      </m:sSubPr>
+                      <m:e>
+                        <m:acc>
+                          <m:accPr>
+                            <m:chr m:val="̅"/>
+                            <m:ctrlPr>
+                              <a:rPr lang="en-US" b="0" i="1" dirty="0" smtClean="0">
+                                <a:latin typeface="Cambria Math" panose="02040503050406030204" pitchFamily="18" charset="0"/>
+                              </a:rPr>
+                            </m:ctrlPr>
+                          </m:accPr>
+                          <m:e>
+                            <m:r>
+                              <m:rPr>
+                                <m:sty m:val="p"/>
+                              </m:rPr>
+                              <a:rPr lang="en-US" b="0" i="0" dirty="0" smtClean="0">
+                                <a:latin typeface="Cambria Math" panose="02040503050406030204" pitchFamily="18" charset="0"/>
+                              </a:rPr>
+                              <m:t>Δ</m:t>
+                            </m:r>
+                            <m:r>
+                              <a:rPr lang="en-US" b="0" i="1" dirty="0" smtClean="0">
+                                <a:latin typeface="Cambria Math" panose="02040503050406030204" pitchFamily="18" charset="0"/>
+                              </a:rPr>
+                              <m:t>𝑦</m:t>
+                            </m:r>
+                          </m:e>
+                        </m:acc>
+                      </m:e>
+                      <m:sub>
+                        <m:r>
+                          <a:rPr lang="en-US" b="0" i="1" dirty="0" smtClean="0">
+                            <a:latin typeface="Cambria Math" panose="02040503050406030204" pitchFamily="18" charset="0"/>
+                          </a:rPr>
+                          <m:t>𝑇</m:t>
+                        </m:r>
+                      </m:sub>
+                    </m:sSub>
+                    <m:r>
+                      <a:rPr lang="en-US" b="0" i="1" dirty="0" smtClean="0">
+                        <a:latin typeface="Cambria Math" panose="02040503050406030204" pitchFamily="18" charset="0"/>
+                      </a:rPr>
+                      <m:t>−</m:t>
+                    </m:r>
+                    <m:sSub>
+                      <m:sSubPr>
+                        <m:ctrlPr>
+                          <a:rPr lang="en-US" b="0" i="1" dirty="0" smtClean="0">
+                            <a:latin typeface="Cambria Math" panose="02040503050406030204" pitchFamily="18" charset="0"/>
+                          </a:rPr>
+                        </m:ctrlPr>
+                      </m:sSubPr>
+                      <m:e>
+                        <m:acc>
+                          <m:accPr>
+                            <m:chr m:val="̅"/>
+                            <m:ctrlPr>
+                              <a:rPr lang="en-US" b="0" i="1" dirty="0" smtClean="0">
+                                <a:latin typeface="Cambria Math" panose="02040503050406030204" pitchFamily="18" charset="0"/>
+                              </a:rPr>
+                            </m:ctrlPr>
+                          </m:accPr>
+                          <m:e>
+                            <m:r>
+                              <m:rPr>
+                                <m:sty m:val="p"/>
+                              </m:rPr>
+                              <a:rPr lang="en-US" b="0" i="0" dirty="0" smtClean="0">
+                                <a:latin typeface="Cambria Math" panose="02040503050406030204" pitchFamily="18" charset="0"/>
+                              </a:rPr>
+                              <m:t>Δ</m:t>
+                            </m:r>
+                            <m:r>
+                              <a:rPr lang="en-US" b="0" i="1" dirty="0" smtClean="0">
+                                <a:latin typeface="Cambria Math" panose="02040503050406030204" pitchFamily="18" charset="0"/>
+                              </a:rPr>
+                              <m:t>𝑦</m:t>
+                            </m:r>
+                          </m:e>
+                        </m:acc>
+                      </m:e>
+                      <m:sub>
+                        <m:r>
+                          <a:rPr lang="en-US" b="0" i="1" dirty="0" smtClean="0">
+                            <a:latin typeface="Cambria Math" panose="02040503050406030204" pitchFamily="18" charset="0"/>
+                          </a:rPr>
+                          <m:t>𝐶</m:t>
+                        </m:r>
+                      </m:sub>
+                    </m:sSub>
+                  </m:oMath>
+                </a14:m>
+                <a:endParaRPr lang="en-US" dirty="0"/>
+              </a:p>
+              <a:p>
+                <a:pPr lvl="1"/>
+                <a:r>
+                  <a:rPr lang="en-US" dirty="0"/>
+                  <a:t>TWFE is a generalized Diff-in-Diff estimator</a:t>
+                </a:r>
+              </a:p>
+            </p:txBody>
+          </p:sp>
+        </mc:Choice>
+        <mc:Fallback>
+          <p:sp>
+            <p:nvSpPr>
+              <p:cNvPr id="3" name="Content Placeholder 2">
+                <a:extLst>
+                  <a:ext uri="{FF2B5EF4-FFF2-40B4-BE49-F238E27FC236}">
+                    <a16:creationId xmlns:a16="http://schemas.microsoft.com/office/drawing/2014/main" id="{F2C1707B-C956-2DA0-0E67-514BFC46F759}"/>
+                  </a:ext>
+                </a:extLst>
+              </p:cNvPr>
+              <p:cNvSpPr>
+                <a:spLocks noGrp="1" noRot="1" noChangeAspect="1" noMove="1" noResize="1" noEditPoints="1" noAdjustHandles="1" noChangeArrowheads="1" noChangeShapeType="1" noTextEdit="1"/>
+              </p:cNvSpPr>
+              <p:nvPr>
+                <p:ph idx="1"/>
+              </p:nvPr>
+            </p:nvSpPr>
+            <p:spPr>
+              <a:xfrm>
+                <a:off x="838200" y="1825624"/>
+                <a:ext cx="10515600" cy="4876511"/>
+              </a:xfrm>
+              <a:blipFill>
+                <a:blip r:embed="rId2"/>
+                <a:stretch>
+                  <a:fillRect l="-1086" t="-2078"/>
+                </a:stretch>
+              </a:blipFill>
+            </p:spPr>
+            <p:txBody>
+              <a:bodyPr/>
+              <a:lstStyle/>
+              <a:p>
+                <a:r>
+                  <a:rPr lang="en-US">
+                    <a:noFill/>
+                  </a:rPr>
+                  <a:t> </a:t>
+                </a:r>
+              </a:p>
+            </p:txBody>
+          </p:sp>
+        </mc:Fallback>
+      </mc:AlternateContent>
+    </p:spTree>
+    <p:extLst>
+      <p:ext uri="{BB962C8B-B14F-4D97-AF65-F5344CB8AC3E}">
+        <p14:creationId xmlns:p14="http://schemas.microsoft.com/office/powerpoint/2010/main" val="4205411900"/>
       </p:ext>
     </p:extLst>
   </p:cSld>
@@ -14908,7 +17331,7 @@
           <p:cNvPr id="2" name="Title 1">
             <a:extLst>
               <a:ext uri="{FF2B5EF4-FFF2-40B4-BE49-F238E27FC236}">
-                <a16:creationId xmlns:a16="http://schemas.microsoft.com/office/drawing/2014/main" id="{21868F93-77FE-278D-033A-021DB32434D4}"/>
+                <a16:creationId xmlns:a16="http://schemas.microsoft.com/office/drawing/2014/main" id="{B66F74C2-4A04-4F3E-1D8A-160B3BA847BD}"/>
               </a:ext>
             </a:extLst>
           </p:cNvPr>
@@ -14926,17 +17349,17 @@
           <a:p>
             <a:r>
               <a:rPr lang="en-US" dirty="0"/>
-              <a:t>Stata examples and work</a:t>
+              <a:t>Fixed Effects (Within) for Policy Analysis</a:t>
             </a:r>
           </a:p>
         </p:txBody>
       </p:sp>
       <p:sp>
         <p:nvSpPr>
-          <p:cNvPr id="3" name="Text Placeholder 2">
+          <p:cNvPr id="3" name="Content Placeholder 2">
             <a:extLst>
               <a:ext uri="{FF2B5EF4-FFF2-40B4-BE49-F238E27FC236}">
-                <a16:creationId xmlns:a16="http://schemas.microsoft.com/office/drawing/2014/main" id="{2D1A008C-084D-E9D4-F39A-03C996BE1C6A}"/>
+                <a16:creationId xmlns:a16="http://schemas.microsoft.com/office/drawing/2014/main" id="{F2C1707B-C956-2DA0-0E67-514BFC46F759}"/>
               </a:ext>
             </a:extLst>
           </p:cNvPr>
@@ -14944,22 +17367,97 @@
             <a:spLocks noGrp="1"/>
           </p:cNvSpPr>
           <p:nvPr>
-            <p:ph type="body" idx="1"/>
+            <p:ph idx="1"/>
           </p:nvPr>
         </p:nvSpPr>
-        <p:spPr/>
+        <p:spPr>
+          <a:xfrm>
+            <a:off x="838200" y="1825624"/>
+            <a:ext cx="10515600" cy="4824557"/>
+          </a:xfrm>
+        </p:spPr>
         <p:txBody>
-          <a:bodyPr/>
+          <a:bodyPr>
+            <a:normAutofit lnSpcReduction="10000"/>
+          </a:bodyPr>
           <a:lstStyle/>
           <a:p>
-            <a:endParaRPr lang="en-US" dirty="0"/>
+            <a:r>
+              <a:rPr lang="en-US" dirty="0"/>
+              <a:t>We will cover two examples in Stata</a:t>
+            </a:r>
+          </a:p>
+          <a:p>
+            <a:pPr lvl="1"/>
+            <a:r>
+              <a:rPr lang="en-US" dirty="0"/>
+              <a:t>Effect of grants on preventing scrap waste</a:t>
+            </a:r>
+          </a:p>
+          <a:p>
+            <a:pPr lvl="1"/>
+            <a:r>
+              <a:rPr lang="en-US" dirty="0"/>
+              <a:t>Effect of open container laws on traffic deaths</a:t>
+            </a:r>
+          </a:p>
+          <a:p>
+            <a:r>
+              <a:rPr lang="en-US" dirty="0"/>
+              <a:t>Self-selection</a:t>
+            </a:r>
+          </a:p>
+          <a:p>
+            <a:pPr lvl="1"/>
+            <a:r>
+              <a:rPr lang="en-US" dirty="0"/>
+              <a:t>As we go through these exercises, </a:t>
+            </a:r>
+            <a:r>
+              <a:rPr lang="en-US" b="1" dirty="0"/>
+              <a:t>we need to consider and be cautious of self-selection</a:t>
+            </a:r>
+          </a:p>
+          <a:p>
+            <a:pPr lvl="1"/>
+            <a:r>
+              <a:rPr lang="en-US" dirty="0"/>
+              <a:t>There is still a concern of self-selection into treatment that FE cannot control</a:t>
+            </a:r>
+          </a:p>
+          <a:p>
+            <a:pPr lvl="1"/>
+            <a:r>
+              <a:rPr lang="en-US" dirty="0"/>
+              <a:t>Economic agents will self-select into various actions that will maximize their well-being (including firms maximizing economic profits)</a:t>
+            </a:r>
+          </a:p>
+          <a:p>
+            <a:r>
+              <a:rPr lang="en-US" dirty="0"/>
+              <a:t>Testing strict exogeneity</a:t>
+            </a:r>
+          </a:p>
+          <a:p>
+            <a:pPr lvl="1"/>
+            <a:r>
+              <a:rPr lang="en-US" dirty="0"/>
+              <a:t>We cannot directly test the strict exogeneity assumption</a:t>
+            </a:r>
+          </a:p>
+          <a:p>
+            <a:pPr lvl="1"/>
+            <a:r>
+              <a:rPr lang="en-US" dirty="0"/>
+              <a:t>We need to appeal to theory and other literature</a:t>
+            </a:r>
           </a:p>
         </p:txBody>
       </p:sp>
     </p:spTree>
     <p:extLst>
       <p:ext uri="{BB962C8B-B14F-4D97-AF65-F5344CB8AC3E}">
-        <p14:creationId xmlns:p14="http://schemas.microsoft.com/office/powerpoint/2010/main" val="2790744994"/>
+        <p14:creationId xmlns:p14="http://schemas.microsoft.com/office/powerpoint/2010/main" val="1621615656"/>
       </p:ext>
     </p:extLst>
   </p:cSld>
@@ -15139,7 +17637,7 @@
           <p:cNvPr id="2" name="Title 1">
             <a:extLst>
               <a:ext uri="{FF2B5EF4-FFF2-40B4-BE49-F238E27FC236}">
-                <a16:creationId xmlns:a16="http://schemas.microsoft.com/office/drawing/2014/main" id="{0D0B43F3-E47D-5EA3-D44A-5AF7A20A6492}"/>
+                <a16:creationId xmlns:a16="http://schemas.microsoft.com/office/drawing/2014/main" id="{21868F93-77FE-278D-033A-021DB32434D4}"/>
               </a:ext>
             </a:extLst>
           </p:cNvPr>
@@ -15157,7 +17655,7 @@
           <a:p>
             <a:r>
               <a:rPr lang="en-US" dirty="0"/>
-              <a:t>Review</a:t>
+              <a:t>Stata examples and work</a:t>
             </a:r>
           </a:p>
         </p:txBody>
@@ -15167,7 +17665,7 @@
           <p:cNvPr id="3" name="Text Placeholder 2">
             <a:extLst>
               <a:ext uri="{FF2B5EF4-FFF2-40B4-BE49-F238E27FC236}">
-                <a16:creationId xmlns:a16="http://schemas.microsoft.com/office/drawing/2014/main" id="{0A0DCA74-E26A-EFAC-F8E0-55A703D0B431}"/>
+                <a16:creationId xmlns:a16="http://schemas.microsoft.com/office/drawing/2014/main" id="{2D1A008C-084D-E9D4-F39A-03C996BE1C6A}"/>
               </a:ext>
             </a:extLst>
           </p:cNvPr>
@@ -15183,14 +17681,14 @@
           <a:bodyPr/>
           <a:lstStyle/>
           <a:p>
-            <a:endParaRPr lang="en-US"/>
+            <a:endParaRPr lang="en-US" dirty="0"/>
           </a:p>
         </p:txBody>
       </p:sp>
     </p:spTree>
     <p:extLst>
       <p:ext uri="{BB962C8B-B14F-4D97-AF65-F5344CB8AC3E}">
-        <p14:creationId xmlns:p14="http://schemas.microsoft.com/office/powerpoint/2010/main" val="2717902701"/>
+        <p14:creationId xmlns:p14="http://schemas.microsoft.com/office/powerpoint/2010/main" val="2790744994"/>
       </p:ext>
     </p:extLst>
   </p:cSld>
@@ -15222,7 +17720,7 @@
           <p:cNvPr id="2" name="Title 1">
             <a:extLst>
               <a:ext uri="{FF2B5EF4-FFF2-40B4-BE49-F238E27FC236}">
-                <a16:creationId xmlns:a16="http://schemas.microsoft.com/office/drawing/2014/main" id="{4EFAE2E2-ACED-F414-C80D-587E75A3856B}"/>
+                <a16:creationId xmlns:a16="http://schemas.microsoft.com/office/drawing/2014/main" id="{0D0B43F3-E47D-5EA3-D44A-5AF7A20A6492}"/>
               </a:ext>
             </a:extLst>
           </p:cNvPr>
@@ -15240,17 +17738,17 @@
           <a:p>
             <a:r>
               <a:rPr lang="en-US" dirty="0"/>
-              <a:t>Endogeneity</a:t>
+              <a:t>Review</a:t>
             </a:r>
           </a:p>
         </p:txBody>
       </p:sp>
       <p:sp>
         <p:nvSpPr>
-          <p:cNvPr id="3" name="Content Placeholder 2">
+          <p:cNvPr id="3" name="Text Placeholder 2">
             <a:extLst>
               <a:ext uri="{FF2B5EF4-FFF2-40B4-BE49-F238E27FC236}">
-                <a16:creationId xmlns:a16="http://schemas.microsoft.com/office/drawing/2014/main" id="{7BF4D52B-73A0-5461-3E7D-651DEEFDF38C}"/>
+                <a16:creationId xmlns:a16="http://schemas.microsoft.com/office/drawing/2014/main" id="{0A0DCA74-E26A-EFAC-F8E0-55A703D0B431}"/>
               </a:ext>
             </a:extLst>
           </p:cNvPr>
@@ -15258,80 +17756,22 @@
             <a:spLocks noGrp="1"/>
           </p:cNvSpPr>
           <p:nvPr>
-            <p:ph idx="1"/>
+            <p:ph type="body" idx="1"/>
           </p:nvPr>
         </p:nvSpPr>
         <p:spPr/>
         <p:txBody>
-          <a:bodyPr>
-            <a:normAutofit fontScale="92500" lnSpcReduction="10000"/>
-          </a:bodyPr>
+          <a:bodyPr/>
           <a:lstStyle/>
           <a:p>
-            <a:r>
-              <a:rPr lang="en-US" dirty="0"/>
-              <a:t>When is OLS BLUE?</a:t>
-            </a:r>
-          </a:p>
-          <a:p>
-            <a:pPr lvl="1"/>
-            <a:r>
-              <a:rPr lang="en-US" dirty="0"/>
-              <a:t>When assumption Gauss-Markov 1-4 are satisfied is unbiased and consistent, but it might not be efficient</a:t>
-            </a:r>
-          </a:p>
-          <a:p>
-            <a:pPr lvl="1"/>
-            <a:r>
-              <a:rPr lang="en-US" dirty="0"/>
-              <a:t>When assumption 1-6 are satisfied, OLS estimators are BLUE</a:t>
-            </a:r>
-          </a:p>
-          <a:p>
-            <a:pPr lvl="1"/>
-            <a:r>
-              <a:rPr lang="en-US" dirty="0"/>
-              <a:t>Efficiency is what adds the best in BLUE</a:t>
-            </a:r>
-          </a:p>
-          <a:p>
-            <a:r>
-              <a:rPr lang="en-US" dirty="0"/>
-              <a:t>What happens to our estimators when we have endogeneity?</a:t>
-            </a:r>
-          </a:p>
-          <a:p>
-            <a:pPr lvl="1"/>
-            <a:r>
-              <a:rPr lang="en-US" dirty="0"/>
-              <a:t>Our estimators are no longer consistent or unbiased</a:t>
-            </a:r>
-          </a:p>
-          <a:p>
-            <a:r>
-              <a:rPr lang="en-US" dirty="0"/>
-              <a:t>What happens when we have multicollinearity or heteroskedasticity</a:t>
-            </a:r>
-          </a:p>
-          <a:p>
-            <a:pPr lvl="1"/>
-            <a:r>
-              <a:rPr lang="en-US" dirty="0"/>
-              <a:t>Our standard errors become biased, even though OLS can be LUE</a:t>
-            </a:r>
-          </a:p>
-          <a:p>
-            <a:r>
-              <a:rPr lang="en-US" dirty="0"/>
-              <a:t>What is the direction of the bias when we have on unobserved confounder?</a:t>
-            </a:r>
+            <a:endParaRPr lang="en-US"/>
           </a:p>
         </p:txBody>
       </p:sp>
     </p:spTree>
     <p:extLst>
       <p:ext uri="{BB962C8B-B14F-4D97-AF65-F5344CB8AC3E}">
-        <p14:creationId xmlns:p14="http://schemas.microsoft.com/office/powerpoint/2010/main" val="1350831043"/>
+        <p14:creationId xmlns:p14="http://schemas.microsoft.com/office/powerpoint/2010/main" val="2717902701"/>
       </p:ext>
     </p:extLst>
   </p:cSld>
@@ -15404,67 +17844,67 @@
         </p:nvSpPr>
         <p:spPr/>
         <p:txBody>
-          <a:bodyPr/>
+          <a:bodyPr>
+            <a:normAutofit fontScale="92500" lnSpcReduction="10000"/>
+          </a:bodyPr>
           <a:lstStyle/>
           <a:p>
             <a:r>
               <a:rPr lang="en-US" dirty="0"/>
-              <a:t>What causes endogeneity?</a:t>
+              <a:t>When is OLS BLUE?</a:t>
             </a:r>
           </a:p>
           <a:p>
             <a:pPr lvl="1"/>
             <a:r>
               <a:rPr lang="en-US" dirty="0"/>
-              <a:t>Omitted variable bias</a:t>
+              <a:t>When assumption Gauss-Markov 1-4 are satisfied is unbiased and consistent, but it might not be efficient</a:t>
             </a:r>
           </a:p>
           <a:p>
             <a:pPr lvl="1"/>
             <a:r>
               <a:rPr lang="en-US" dirty="0"/>
-              <a:t>Misspecification</a:t>
+              <a:t>When assumption 1-6 are satisfied, OLS estimators are BLUE</a:t>
             </a:r>
           </a:p>
           <a:p>
             <a:pPr lvl="1"/>
             <a:r>
               <a:rPr lang="en-US" dirty="0"/>
-              <a:t>Measurement Error (classic errors-in-variables)</a:t>
+              <a:t>Efficiency is what adds the best in BLUE</a:t>
+            </a:r>
+          </a:p>
+          <a:p>
+            <a:r>
+              <a:rPr lang="en-US" dirty="0"/>
+              <a:t>What happens to our estimators when we have endogeneity?</a:t>
             </a:r>
           </a:p>
           <a:p>
             <a:pPr lvl="1"/>
             <a:r>
               <a:rPr lang="en-US" dirty="0"/>
-              <a:t>Missing data on independent variables</a:t>
+              <a:t>Our estimators are no longer consistent or unbiased</a:t>
+            </a:r>
+          </a:p>
+          <a:p>
+            <a:r>
+              <a:rPr lang="en-US" dirty="0"/>
+              <a:t>What happens when we have multicollinearity or heteroskedasticity</a:t>
             </a:r>
           </a:p>
           <a:p>
             <a:pPr lvl="1"/>
             <a:r>
               <a:rPr lang="en-US" dirty="0"/>
-              <a:t>Simultaneity Bias</a:t>
+              <a:t>Our standard errors become biased, even though OLS can be LUE</a:t>
             </a:r>
           </a:p>
           <a:p>
             <a:r>
               <a:rPr lang="en-US" dirty="0"/>
-              <a:t>What causes standard errors to be biased?</a:t>
-            </a:r>
-          </a:p>
-          <a:p>
-            <a:pPr lvl="1"/>
-            <a:r>
-              <a:rPr lang="en-US" dirty="0"/>
-              <a:t>Multicollinearity</a:t>
-            </a:r>
-          </a:p>
-          <a:p>
-            <a:pPr lvl="1"/>
-            <a:r>
-              <a:rPr lang="en-US" dirty="0"/>
-              <a:t>Heteroskedasticity</a:t>
+              <a:t>What is the direction of the bias when we have on unobserved confounder?</a:t>
             </a:r>
           </a:p>
         </p:txBody>
@@ -15472,7 +17912,7 @@
     </p:spTree>
     <p:extLst>
       <p:ext uri="{BB962C8B-B14F-4D97-AF65-F5344CB8AC3E}">
-        <p14:creationId xmlns:p14="http://schemas.microsoft.com/office/powerpoint/2010/main" val="1671410907"/>
+        <p14:creationId xmlns:p14="http://schemas.microsoft.com/office/powerpoint/2010/main" val="1350831043"/>
       </p:ext>
     </p:extLst>
   </p:cSld>
@@ -15527,6 +17967,147 @@
           </a:p>
         </p:txBody>
       </p:sp>
+      <p:sp>
+        <p:nvSpPr>
+          <p:cNvPr id="3" name="Content Placeholder 2">
+            <a:extLst>
+              <a:ext uri="{FF2B5EF4-FFF2-40B4-BE49-F238E27FC236}">
+                <a16:creationId xmlns:a16="http://schemas.microsoft.com/office/drawing/2014/main" id="{7BF4D52B-73A0-5461-3E7D-651DEEFDF38C}"/>
+              </a:ext>
+            </a:extLst>
+          </p:cNvPr>
+          <p:cNvSpPr>
+            <a:spLocks noGrp="1"/>
+          </p:cNvSpPr>
+          <p:nvPr>
+            <p:ph idx="1"/>
+          </p:nvPr>
+        </p:nvSpPr>
+        <p:spPr/>
+        <p:txBody>
+          <a:bodyPr/>
+          <a:lstStyle/>
+          <a:p>
+            <a:r>
+              <a:rPr lang="en-US" dirty="0"/>
+              <a:t>What causes endogeneity?</a:t>
+            </a:r>
+          </a:p>
+          <a:p>
+            <a:pPr lvl="1"/>
+            <a:r>
+              <a:rPr lang="en-US" dirty="0"/>
+              <a:t>Omitted variable bias</a:t>
+            </a:r>
+          </a:p>
+          <a:p>
+            <a:pPr lvl="1"/>
+            <a:r>
+              <a:rPr lang="en-US" dirty="0"/>
+              <a:t>Misspecification</a:t>
+            </a:r>
+          </a:p>
+          <a:p>
+            <a:pPr lvl="1"/>
+            <a:r>
+              <a:rPr lang="en-US" dirty="0"/>
+              <a:t>Measurement Error (classic errors-in-variables)</a:t>
+            </a:r>
+          </a:p>
+          <a:p>
+            <a:pPr lvl="1"/>
+            <a:r>
+              <a:rPr lang="en-US" dirty="0"/>
+              <a:t>Missing data on independent variables</a:t>
+            </a:r>
+          </a:p>
+          <a:p>
+            <a:pPr lvl="1"/>
+            <a:r>
+              <a:rPr lang="en-US" dirty="0"/>
+              <a:t>Simultaneity Bias</a:t>
+            </a:r>
+          </a:p>
+          <a:p>
+            <a:r>
+              <a:rPr lang="en-US" dirty="0"/>
+              <a:t>What causes standard errors to be biased?</a:t>
+            </a:r>
+          </a:p>
+          <a:p>
+            <a:pPr lvl="1"/>
+            <a:r>
+              <a:rPr lang="en-US" dirty="0"/>
+              <a:t>Multicollinearity</a:t>
+            </a:r>
+          </a:p>
+          <a:p>
+            <a:pPr lvl="1"/>
+            <a:r>
+              <a:rPr lang="en-US" dirty="0"/>
+              <a:t>Heteroskedasticity</a:t>
+            </a:r>
+          </a:p>
+        </p:txBody>
+      </p:sp>
+    </p:spTree>
+    <p:extLst>
+      <p:ext uri="{BB962C8B-B14F-4D97-AF65-F5344CB8AC3E}">
+        <p14:creationId xmlns:p14="http://schemas.microsoft.com/office/powerpoint/2010/main" val="1671410907"/>
+      </p:ext>
+    </p:extLst>
+  </p:cSld>
+  <p:clrMapOvr>
+    <a:masterClrMapping/>
+  </p:clrMapOvr>
+</p:sld>
+</file>
+
+<file path=ppt/slides/slide44.xml><?xml version="1.0" encoding="utf-8"?>
+<p:sld xmlns:a="http://schemas.openxmlformats.org/drawingml/2006/main" xmlns:r="http://schemas.openxmlformats.org/officeDocument/2006/relationships" xmlns:p="http://schemas.openxmlformats.org/presentationml/2006/main">
+  <p:cSld>
+    <p:spTree>
+      <p:nvGrpSpPr>
+        <p:cNvPr id="1" name=""/>
+        <p:cNvGrpSpPr/>
+        <p:nvPr/>
+      </p:nvGrpSpPr>
+      <p:grpSpPr>
+        <a:xfrm>
+          <a:off x="0" y="0"/>
+          <a:ext cx="0" cy="0"/>
+          <a:chOff x="0" y="0"/>
+          <a:chExt cx="0" cy="0"/>
+        </a:xfrm>
+      </p:grpSpPr>
+      <p:sp>
+        <p:nvSpPr>
+          <p:cNvPr id="2" name="Title 1">
+            <a:extLst>
+              <a:ext uri="{FF2B5EF4-FFF2-40B4-BE49-F238E27FC236}">
+                <a16:creationId xmlns:a16="http://schemas.microsoft.com/office/drawing/2014/main" id="{4EFAE2E2-ACED-F414-C80D-587E75A3856B}"/>
+              </a:ext>
+            </a:extLst>
+          </p:cNvPr>
+          <p:cNvSpPr>
+            <a:spLocks noGrp="1"/>
+          </p:cNvSpPr>
+          <p:nvPr>
+            <p:ph type="title"/>
+          </p:nvPr>
+        </p:nvSpPr>
+        <p:spPr/>
+        <p:txBody>
+          <a:bodyPr/>
+          <a:lstStyle/>
+          <a:p>
+            <a:r>
+              <a:rPr lang="en-US" dirty="0"/>
+              <a:t>Endogeneity</a:t>
+            </a:r>
+          </a:p>
+        </p:txBody>
+      </p:sp>
       <mc:AlternateContent xmlns:mc="http://schemas.openxmlformats.org/markup-compatibility/2006" xmlns:a14="http://schemas.microsoft.com/office/drawing/2010/main">
         <mc:Choice Requires="a14">
           <p:sp>
@@ -15791,7 +18372,7 @@
 </p:sld>
 </file>
 
-<file path=ppt/slides/slide44.xml><?xml version="1.0" encoding="utf-8"?>
+<file path=ppt/slides/slide45.xml><?xml version="1.0" encoding="utf-8"?>
 <p:sld xmlns:a="http://schemas.openxmlformats.org/drawingml/2006/main" xmlns:r="http://schemas.openxmlformats.org/officeDocument/2006/relationships" xmlns:p="http://schemas.openxmlformats.org/presentationml/2006/main">
   <p:cSld>
     <p:spTree>
@@ -16080,7 +18661,7 @@
 </p:sld>
 </file>
 
-<file path=ppt/slides/slide45.xml><?xml version="1.0" encoding="utf-8"?>
+<file path=ppt/slides/slide46.xml><?xml version="1.0" encoding="utf-8"?>
 <p:sld xmlns:a="http://schemas.openxmlformats.org/drawingml/2006/main" xmlns:r="http://schemas.openxmlformats.org/officeDocument/2006/relationships" xmlns:p="http://schemas.openxmlformats.org/presentationml/2006/main">
   <p:cSld>
     <p:spTree>
@@ -16273,7 +18854,7 @@
 </p:sld>
 </file>
 
-<file path=ppt/slides/slide46.xml><?xml version="1.0" encoding="utf-8"?>
+<file path=ppt/slides/slide47.xml><?xml version="1.0" encoding="utf-8"?>
 <p:sld xmlns:a="http://schemas.openxmlformats.org/drawingml/2006/main" xmlns:r="http://schemas.openxmlformats.org/officeDocument/2006/relationships" xmlns:p="http://schemas.openxmlformats.org/presentationml/2006/main">
   <p:cSld>
     <p:spTree>
@@ -16924,8 +19505,8 @@
           </a:p>
         </p:txBody>
       </p:sp>
-      <mc:AlternateContent xmlns:mc="http://schemas.openxmlformats.org/markup-compatibility/2006">
-        <mc:Choice xmlns:a14="http://schemas.microsoft.com/office/drawing/2010/main" Requires="a14">
+      <mc:AlternateContent xmlns:mc="http://schemas.openxmlformats.org/markup-compatibility/2006" xmlns:a14="http://schemas.microsoft.com/office/drawing/2010/main">
+        <mc:Choice Requires="a14">
           <p:sp>
             <p:nvSpPr>
               <p:cNvPr id="3" name="Content Placeholder 2">
@@ -17029,7 +19610,7 @@
                     <m:d>
                       <m:dPr>
                         <m:ctrlPr>
-                          <a:rPr lang="en-US" b="0" i="0" smtClean="0">
+                          <a:rPr lang="en-US" b="0" i="1" smtClean="0">
                             <a:latin typeface="Cambria Math" panose="02040503050406030204" pitchFamily="18" charset="0"/>
                           </a:rPr>
                         </m:ctrlPr>
@@ -17074,7 +19655,7 @@
             </p:txBody>
           </p:sp>
         </mc:Choice>
-        <mc:Fallback>
+        <mc:Fallback xmlns="">
           <p:sp>
             <p:nvSpPr>
               <p:cNvPr id="3" name="Content Placeholder 2">
@@ -17417,8 +19998,8 @@
           </a:p>
         </p:txBody>
       </p:sp>
-      <mc:AlternateContent xmlns:mc="http://schemas.openxmlformats.org/markup-compatibility/2006">
-        <mc:Choice xmlns:a14="http://schemas.microsoft.com/office/drawing/2010/main" Requires="a14">
+      <mc:AlternateContent xmlns:mc="http://schemas.openxmlformats.org/markup-compatibility/2006" xmlns:a14="http://schemas.microsoft.com/office/drawing/2010/main">
+        <mc:Choice Requires="a14">
           <p:sp>
             <p:nvSpPr>
               <p:cNvPr id="3" name="Content Placeholder 2">
@@ -17979,7 +20560,7 @@
             </p:txBody>
           </p:sp>
         </mc:Choice>
-        <mc:Fallback>
+        <mc:Fallback xmlns="">
           <p:sp>
             <p:nvSpPr>
               <p:cNvPr id="3" name="Content Placeholder 2">
@@ -18077,8 +20658,8 @@
           </a:p>
         </p:txBody>
       </p:sp>
-      <mc:AlternateContent xmlns:mc="http://schemas.openxmlformats.org/markup-compatibility/2006">
-        <mc:Choice xmlns:a14="http://schemas.microsoft.com/office/drawing/2010/main" Requires="a14">
+      <mc:AlternateContent xmlns:mc="http://schemas.openxmlformats.org/markup-compatibility/2006" xmlns:a14="http://schemas.microsoft.com/office/drawing/2010/main">
+        <mc:Choice Requires="a14">
           <p:sp>
             <p:nvSpPr>
               <p:cNvPr id="3" name="Content Placeholder 2">
@@ -18314,7 +20895,7 @@
             </p:txBody>
           </p:sp>
         </mc:Choice>
-        <mc:Fallback>
+        <mc:Fallback xmlns="">
           <p:sp>
             <p:nvSpPr>
               <p:cNvPr id="3" name="Content Placeholder 2">
@@ -18482,6 +21063,18 @@
               </a:rPr>
               <a:t>However, the counterfactual is never observed</a:t>
             </a:r>
+          </a:p>
+          <a:p>
+            <a:pPr marL="742950" lvl="1" indent="-285750">
+              <a:buFont typeface="Arial" panose="020B0604020202020204" pitchFamily="34" charset="0"/>
+              <a:buChar char="•"/>
+            </a:pPr>
+            <a:endParaRPr lang="en-US" dirty="0">
+              <a:solidFill>
+                <a:srgbClr val="000000"/>
+              </a:solidFill>
+              <a:effectLst/>
+            </a:endParaRPr>
           </a:p>
           <a:p>
             <a:pPr>
